--- a/PPTs/05.深入DX12绘制二.pptx
+++ b/PPTs/05.深入DX12绘制二.pptx
@@ -255,7 +255,7 @@
           <a:p>
             <a:fld id="{0C0E42BC-8A47-448F-A68A-F4ACF20E9984}" type="datetimeFigureOut">
               <a:rPr lang="en-US" smtClean="0"/>
-              <a:t>12/22/2021</a:t>
+              <a:t>12/27/2021</a:t>
             </a:fld>
             <a:endParaRPr lang="zh-CN"/>
           </a:p>
@@ -1856,11 +1856,7 @@
             </a:r>
             <a:r>
               <a:rPr lang="zh-CN" altLang="en-US" dirty="0" smtClean="0"/>
-              <a:t>的作用，结构和具体使用</a:t>
-            </a:r>
-            <a:r>
-              <a:rPr lang="zh-CN" altLang="en-US" dirty="0" smtClean="0"/>
-              <a:t>，</a:t>
+              <a:t>的作用，结构和具体使用，</a:t>
             </a:r>
             <a:endParaRPr lang="en-US" altLang="zh-CN" dirty="0" smtClean="0"/>
           </a:p>
@@ -2028,11 +2024,7 @@
             </a:r>
             <a:r>
               <a:rPr lang="zh-CN" altLang="en-US" dirty="0" smtClean="0"/>
-              <a:t>的作用，结构和具体使用</a:t>
-            </a:r>
-            <a:r>
-              <a:rPr lang="zh-CN" altLang="en-US" dirty="0" smtClean="0"/>
-              <a:t>，</a:t>
+              <a:t>的作用，结构和具体使用，</a:t>
             </a:r>
             <a:endParaRPr lang="en-US" altLang="zh-CN" dirty="0" smtClean="0"/>
           </a:p>
@@ -5262,11 +5254,7 @@
             </a:r>
             <a:r>
               <a:rPr lang="zh-CN" altLang="en-US" dirty="0" smtClean="0"/>
-              <a:t>的</a:t>
-            </a:r>
-            <a:r>
-              <a:rPr lang="zh-CN" altLang="en-US" dirty="0" smtClean="0"/>
-              <a:t>改动</a:t>
+              <a:t>的改动</a:t>
             </a:r>
             <a:endParaRPr lang="en-US" altLang="zh-CN" dirty="0" smtClean="0"/>
           </a:p>
@@ -5721,19 +5709,7 @@
                 <a:ea typeface="+mn-ea"/>
                 <a:cs typeface="+mn-cs"/>
               </a:rPr>
-              <a:t>To improve performance, the binding model does not require the system to keep track of what bindings an app has requested the GPU to use, and there is a clean integration between binding and multi-threaded command lists</a:t>
-            </a:r>
-            <a:r>
-              <a:rPr lang="en-US" altLang="zh-CN" sz="2400" b="0" i="0" kern="1200" dirty="0" smtClean="0">
-                <a:solidFill>
-                  <a:schemeClr val="tx1"/>
-                </a:solidFill>
-                <a:effectLst/>
-                <a:latin typeface="+mn-lt"/>
-                <a:ea typeface="+mn-ea"/>
-                <a:cs typeface="+mn-cs"/>
-              </a:rPr>
-              <a:t>.</a:t>
+              <a:t>To improve performance, the binding model does not require the system to keep track of what bindings an app has requested the GPU to use, and there is a clean integration between binding and multi-threaded command lists.</a:t>
             </a:r>
           </a:p>
           <a:p>
@@ -5989,11 +5965,7 @@
             </a:r>
             <a:r>
               <a:rPr lang="zh-CN" altLang="en-US" dirty="0" smtClean="0"/>
-              <a:t>是啥</a:t>
-            </a:r>
-            <a:r>
-              <a:rPr lang="zh-CN" altLang="en-US" dirty="0" smtClean="0"/>
-              <a:t>？</a:t>
+              <a:t>是啥？</a:t>
             </a:r>
             <a:r>
               <a:rPr lang="en-US" altLang="zh-CN" sz="2400" b="0" i="0" kern="1200" dirty="0" smtClean="0">
@@ -9710,19 +9682,6 @@
               </a:rPr>
               <a:t>Views</a:t>
             </a:r>
-            <a:endParaRPr kumimoji="0" lang="en-US" altLang="zh-CN" sz="4000" b="0" i="0" u="none" strike="noStrike" cap="none" spc="0" normalizeH="0" baseline="0" dirty="0" smtClean="0">
-              <a:ln>
-                <a:noFill/>
-              </a:ln>
-              <a:solidFill>
-                <a:srgbClr val="000000"/>
-              </a:solidFill>
-              <a:effectLst/>
-              <a:uFillTx/>
-              <a:latin typeface="方正姚体" panose="02010601030101010101" pitchFamily="2" charset="-122"/>
-              <a:ea typeface="方正姚体" panose="02010601030101010101" pitchFamily="2" charset="-122"/>
-              <a:sym typeface="Helvetica Light"/>
-            </a:endParaRPr>
           </a:p>
         </p:txBody>
       </p:sp>
@@ -10058,23 +10017,7 @@
                 <a:ea typeface="方正姚体" panose="02010601030101010101" pitchFamily="2" charset="-122"/>
                 <a:sym typeface="Helvetica Light"/>
               </a:rPr>
-              <a:t>Descriptor </a:t>
-            </a:r>
-            <a:r>
-              <a:rPr kumimoji="0" lang="en-US" altLang="zh-CN" sz="4000" b="0" i="0" u="none" strike="noStrike" cap="none" spc="0" normalizeH="0" baseline="0" dirty="0" smtClean="0">
-                <a:ln>
-                  <a:noFill/>
-                </a:ln>
-                <a:solidFill>
-                  <a:srgbClr val="000000"/>
-                </a:solidFill>
-                <a:effectLst/>
-                <a:uFillTx/>
-                <a:latin typeface="方正姚体" panose="02010601030101010101" pitchFamily="2" charset="-122"/>
-                <a:ea typeface="方正姚体" panose="02010601030101010101" pitchFamily="2" charset="-122"/>
-                <a:sym typeface="Helvetica Light"/>
-              </a:rPr>
-              <a:t>Heap</a:t>
+              <a:t>Descriptor Heap</a:t>
             </a:r>
             <a:endParaRPr lang="en-US" altLang="zh-CN" sz="3200" dirty="0" smtClean="0">
               <a:solidFill>
@@ -10652,23 +10595,7 @@
                 <a:ea typeface="方正姚体" panose="02010601030101010101" pitchFamily="2" charset="-122"/>
                 <a:sym typeface="Helvetica Light"/>
               </a:rPr>
-              <a:t>Descriptor </a:t>
-            </a:r>
-            <a:r>
-              <a:rPr kumimoji="0" lang="en-US" altLang="zh-CN" sz="4000" b="0" i="0" u="none" strike="noStrike" cap="none" spc="0" normalizeH="0" baseline="0" dirty="0" smtClean="0">
-                <a:ln>
-                  <a:noFill/>
-                </a:ln>
-                <a:solidFill>
-                  <a:srgbClr val="000000"/>
-                </a:solidFill>
-                <a:effectLst/>
-                <a:uFillTx/>
-                <a:latin typeface="方正姚体" panose="02010601030101010101" pitchFamily="2" charset="-122"/>
-                <a:ea typeface="方正姚体" panose="02010601030101010101" pitchFamily="2" charset="-122"/>
-                <a:sym typeface="Helvetica Light"/>
-              </a:rPr>
-              <a:t>Heap</a:t>
+              <a:t>Descriptor Heap</a:t>
             </a:r>
             <a:endParaRPr lang="en-US" altLang="zh-CN" sz="3200" dirty="0" smtClean="0">
               <a:solidFill>
@@ -11010,23 +10937,7 @@
                 <a:ea typeface="方正姚体" panose="02010601030101010101" pitchFamily="2" charset="-122"/>
                 <a:sym typeface="Helvetica Light"/>
               </a:rPr>
-              <a:t>Descriptor </a:t>
-            </a:r>
-            <a:r>
-              <a:rPr kumimoji="0" lang="en-US" altLang="zh-CN" sz="4000" b="0" i="0" u="none" strike="noStrike" cap="none" spc="0" normalizeH="0" baseline="0" dirty="0" smtClean="0">
-                <a:ln>
-                  <a:noFill/>
-                </a:ln>
-                <a:solidFill>
-                  <a:srgbClr val="000000"/>
-                </a:solidFill>
-                <a:effectLst/>
-                <a:uFillTx/>
-                <a:latin typeface="方正姚体" panose="02010601030101010101" pitchFamily="2" charset="-122"/>
-                <a:ea typeface="方正姚体" panose="02010601030101010101" pitchFamily="2" charset="-122"/>
-                <a:sym typeface="Helvetica Light"/>
-              </a:rPr>
-              <a:t>Table</a:t>
+              <a:t>Descriptor Table</a:t>
             </a:r>
             <a:endParaRPr lang="en-US" altLang="zh-CN" sz="3200" dirty="0" smtClean="0">
               <a:solidFill>
@@ -11772,31 +11683,13 @@
           <a:p>
             <a:pPr algn="ctr" defTabSz="825500" hangingPunct="0"/>
             <a:r>
-              <a:rPr lang="zh-CN" altLang="en-US" sz="6000" dirty="0" smtClean="0">
+              <a:rPr lang="en-US" altLang="zh-CN" sz="6000" dirty="0" smtClean="0">
                 <a:solidFill>
                   <a:schemeClr val="bg1"/>
                 </a:solidFill>
                 <a:sym typeface="Helvetica Light"/>
               </a:rPr>
-              <a:t>深入</a:t>
-            </a:r>
-            <a:r>
-              <a:rPr lang="en-US" altLang="zh-CN" sz="6000" dirty="0" smtClean="0">
-                <a:solidFill>
-                  <a:schemeClr val="bg1"/>
-                </a:solidFill>
-                <a:sym typeface="Helvetica Light"/>
-              </a:rPr>
-              <a:t>Resource </a:t>
-            </a:r>
-            <a:r>
-              <a:rPr lang="en-US" altLang="zh-CN" sz="6000" dirty="0" smtClean="0">
-                <a:solidFill>
-                  <a:schemeClr val="bg1"/>
-                </a:solidFill>
-                <a:sym typeface="Helvetica Light"/>
-              </a:rPr>
-              <a:t>Binding</a:t>
+              <a:t>Root Signature</a:t>
             </a:r>
             <a:endParaRPr lang="en-US" altLang="zh-CN" sz="6000" dirty="0">
               <a:solidFill>
@@ -12134,23 +12027,7 @@
                 <a:ea typeface="方正姚体" panose="02010601030101010101" pitchFamily="2" charset="-122"/>
                 <a:sym typeface="Helvetica Light"/>
               </a:rPr>
-              <a:t> </a:t>
-            </a:r>
-            <a:r>
-              <a:rPr kumimoji="0" lang="en-US" altLang="zh-CN" sz="4000" b="0" i="0" u="none" strike="noStrike" cap="none" spc="0" normalizeH="0" dirty="0" smtClean="0">
-                <a:ln>
-                  <a:noFill/>
-                </a:ln>
-                <a:solidFill>
-                  <a:srgbClr val="000000"/>
-                </a:solidFill>
-                <a:effectLst/>
-                <a:uFillTx/>
-                <a:latin typeface="方正姚体" panose="02010601030101010101" pitchFamily="2" charset="-122"/>
-                <a:ea typeface="方正姚体" panose="02010601030101010101" pitchFamily="2" charset="-122"/>
-                <a:sym typeface="Helvetica Light"/>
-              </a:rPr>
-              <a:t>Signature</a:t>
+              <a:t> Signature</a:t>
             </a:r>
             <a:endParaRPr lang="en-US" altLang="zh-CN" sz="3200" dirty="0" smtClean="0">
               <a:solidFill>
@@ -12699,23 +12576,7 @@
                 <a:ea typeface="方正姚体" panose="02010601030101010101" pitchFamily="2" charset="-122"/>
                 <a:sym typeface="Helvetica Light"/>
               </a:rPr>
-              <a:t> </a:t>
-            </a:r>
-            <a:r>
-              <a:rPr kumimoji="0" lang="en-US" altLang="zh-CN" sz="4000" b="0" i="0" u="none" strike="noStrike" cap="none" spc="0" normalizeH="0" dirty="0" smtClean="0">
-                <a:ln>
-                  <a:noFill/>
-                </a:ln>
-                <a:solidFill>
-                  <a:srgbClr val="000000"/>
-                </a:solidFill>
-                <a:effectLst/>
-                <a:uFillTx/>
-                <a:latin typeface="方正姚体" panose="02010601030101010101" pitchFamily="2" charset="-122"/>
-                <a:ea typeface="方正姚体" panose="02010601030101010101" pitchFamily="2" charset="-122"/>
-                <a:sym typeface="Helvetica Light"/>
-              </a:rPr>
-              <a:t>Signature</a:t>
+              <a:t> Signature</a:t>
             </a:r>
             <a:endParaRPr lang="en-US" altLang="zh-CN" sz="3200" dirty="0" smtClean="0">
               <a:solidFill>
@@ -13864,23 +13725,7 @@
                 <a:ea typeface="方正姚体" panose="02010601030101010101" pitchFamily="2" charset="-122"/>
                 <a:sym typeface="Helvetica Light"/>
               </a:rPr>
-              <a:t>. </a:t>
-            </a:r>
-            <a:r>
-              <a:rPr kumimoji="0" lang="en-US" altLang="zh-CN" sz="4000" b="0" i="0" u="none" strike="noStrike" cap="none" spc="0" normalizeH="0" baseline="0" dirty="0" smtClean="0">
-                <a:ln>
-                  <a:noFill/>
-                </a:ln>
-                <a:solidFill>
-                  <a:srgbClr val="000000"/>
-                </a:solidFill>
-                <a:effectLst/>
-                <a:uFillTx/>
-                <a:latin typeface="方正姚体" panose="02010601030101010101" pitchFamily="2" charset="-122"/>
-                <a:ea typeface="方正姚体" panose="02010601030101010101" pitchFamily="2" charset="-122"/>
-                <a:sym typeface="Helvetica Light"/>
-              </a:rPr>
-              <a:t>Case</a:t>
+              <a:t>. Case</a:t>
             </a:r>
             <a:endParaRPr lang="en-US" altLang="zh-CN" sz="3200" dirty="0" smtClean="0">
               <a:solidFill>
@@ -14557,23 +14402,7 @@
                 <a:ea typeface="方正姚体" panose="02010601030101010101" pitchFamily="2" charset="-122"/>
                 <a:sym typeface="Helvetica Light"/>
               </a:rPr>
-              <a:t>. </a:t>
-            </a:r>
-            <a:r>
-              <a:rPr kumimoji="0" lang="en-US" altLang="zh-CN" sz="4000" b="0" i="0" u="none" strike="noStrike" cap="none" spc="0" normalizeH="0" baseline="0" dirty="0" smtClean="0">
-                <a:ln>
-                  <a:noFill/>
-                </a:ln>
-                <a:solidFill>
-                  <a:srgbClr val="000000"/>
-                </a:solidFill>
-                <a:effectLst/>
-                <a:uFillTx/>
-                <a:latin typeface="方正姚体" panose="02010601030101010101" pitchFamily="2" charset="-122"/>
-                <a:ea typeface="方正姚体" panose="02010601030101010101" pitchFamily="2" charset="-122"/>
-                <a:sym typeface="Helvetica Light"/>
-              </a:rPr>
-              <a:t>Limits</a:t>
+              <a:t>. Limits</a:t>
             </a:r>
             <a:endParaRPr lang="en-US" altLang="zh-CN" sz="3200" dirty="0" smtClean="0">
               <a:solidFill>
@@ -15435,7 +15264,6 @@
               <a:rPr lang="en-US" altLang="zh-CN" b="1" dirty="0"/>
               <a:t>Mesh</a:t>
             </a:r>
-            <a:endParaRPr lang="en-US" altLang="zh-CN" b="1" dirty="0"/>
           </a:p>
         </p:txBody>
       </p:sp>
@@ -15767,7 +15595,6 @@
               <a:rPr lang="en-US" altLang="zh-CN" b="1" dirty="0"/>
               <a:t>Renderer</a:t>
             </a:r>
-            <a:endParaRPr lang="en-US" altLang="zh-CN" b="1" dirty="0"/>
           </a:p>
         </p:txBody>
       </p:sp>
@@ -16646,8 +16473,23 @@
                 </a:solidFill>
                 <a:sym typeface="Helvetica Light"/>
               </a:rPr>
-              <a:t>Descriptor Heap</a:t>
-            </a:r>
+              <a:t>Descriptor </a:t>
+            </a:r>
+            <a:r>
+              <a:rPr lang="zh-CN" altLang="en-US" sz="3200" dirty="0" smtClean="0">
+                <a:solidFill>
+                  <a:srgbClr val="000000"/>
+                </a:solidFill>
+                <a:sym typeface="Helvetica Light"/>
+              </a:rPr>
+              <a:t>及管理</a:t>
+            </a:r>
+            <a:endParaRPr lang="en-US" altLang="zh-CN" sz="3200" b="0" dirty="0" smtClean="0">
+              <a:solidFill>
+                <a:srgbClr val="000000"/>
+              </a:solidFill>
+              <a:sym typeface="Helvetica Light"/>
+            </a:endParaRPr>
           </a:p>
           <a:p>
             <a:pPr marL="1657350" lvl="1" indent="-742950">
@@ -16834,15 +16676,6 @@
           </a:lstStyle>
           <a:p>
             <a:pPr algn="ctr" defTabSz="825500" hangingPunct="0"/>
-            <a:r>
-              <a:rPr lang="zh-CN" altLang="en-US" sz="6000" dirty="0" smtClean="0">
-                <a:solidFill>
-                  <a:schemeClr val="bg1"/>
-                </a:solidFill>
-                <a:sym typeface="Helvetica Light"/>
-              </a:rPr>
-              <a:t>深入</a:t>
-            </a:r>
             <a:r>
               <a:rPr lang="en-US" altLang="zh-CN" sz="6000" dirty="0" smtClean="0">
                 <a:solidFill>
@@ -17176,23 +17009,7 @@
                 <a:ea typeface="方正姚体" panose="02010601030101010101" pitchFamily="2" charset="-122"/>
                 <a:sym typeface="Helvetica Light"/>
               </a:rPr>
-              <a:t>. </a:t>
-            </a:r>
-            <a:r>
-              <a:rPr kumimoji="0" lang="en-US" altLang="zh-CN" sz="4000" b="0" i="0" u="none" strike="noStrike" cap="none" spc="0" normalizeH="0" baseline="0" dirty="0" smtClean="0">
-                <a:ln>
-                  <a:noFill/>
-                </a:ln>
-                <a:solidFill>
-                  <a:srgbClr val="000000"/>
-                </a:solidFill>
-                <a:effectLst/>
-                <a:uFillTx/>
-                <a:latin typeface="方正姚体" panose="02010601030101010101" pitchFamily="2" charset="-122"/>
-                <a:ea typeface="方正姚体" panose="02010601030101010101" pitchFamily="2" charset="-122"/>
-                <a:sym typeface="Helvetica Light"/>
-              </a:rPr>
-              <a:t>1 </a:t>
+              <a:t>. 1 </a:t>
             </a:r>
             <a:r>
               <a:rPr lang="zh-CN" altLang="en-US" sz="3200" dirty="0" smtClean="0">
@@ -17540,41 +17357,16 @@
                 <a:ea typeface="方正姚体" panose="02010601030101010101" pitchFamily="2" charset="-122"/>
                 <a:sym typeface="Helvetica Light"/>
               </a:rPr>
-              <a:t>. </a:t>
-            </a:r>
-            <a:r>
-              <a:rPr kumimoji="0" lang="en-US" altLang="zh-CN" sz="4000" b="0" i="0" u="none" strike="noStrike" cap="none" spc="0" normalizeH="0" baseline="0" dirty="0" smtClean="0">
-                <a:ln>
-                  <a:noFill/>
-                </a:ln>
+              <a:t>. 2 </a:t>
+            </a:r>
+            <a:r>
+              <a:rPr lang="en-US" altLang="zh-CN" sz="3200" dirty="0" smtClean="0">
                 <a:solidFill>
                   <a:srgbClr val="000000"/>
                 </a:solidFill>
-                <a:effectLst/>
-                <a:uFillTx/>
-                <a:latin typeface="方正姚体" panose="02010601030101010101" pitchFamily="2" charset="-122"/>
-                <a:ea typeface="方正姚体" panose="02010601030101010101" pitchFamily="2" charset="-122"/>
                 <a:sym typeface="Helvetica Light"/>
               </a:rPr>
-              <a:t>2 </a:t>
-            </a:r>
-            <a:r>
-              <a:rPr lang="en-US" altLang="zh-CN" sz="3200" dirty="0" smtClean="0">
-                <a:solidFill>
-                  <a:srgbClr val="000000"/>
-                </a:solidFill>
-                <a:sym typeface="Helvetica Light"/>
-              </a:rPr>
-              <a:t>Resource </a:t>
-            </a:r>
-            <a:r>
-              <a:rPr lang="en-US" altLang="zh-CN" sz="3200" dirty="0" smtClean="0">
-                <a:solidFill>
-                  <a:srgbClr val="000000"/>
-                </a:solidFill>
-                <a:sym typeface="Helvetica Light"/>
-              </a:rPr>
-              <a:t>Binding</a:t>
+              <a:t>Resource Binding</a:t>
             </a:r>
           </a:p>
         </p:txBody>
@@ -17664,16 +17456,7 @@
                 </a:solidFill>
                 <a:sym typeface="Helvetica Light"/>
               </a:rPr>
-              <a:t>的计算</a:t>
-            </a:r>
-            <a:r>
-              <a:rPr lang="zh-CN" altLang="en-US" sz="3200" b="0" dirty="0" smtClean="0">
-                <a:solidFill>
-                  <a:srgbClr val="000000"/>
-                </a:solidFill>
-                <a:sym typeface="Helvetica Light"/>
-              </a:rPr>
-              <a:t>使用</a:t>
+              <a:t>的计算使用</a:t>
             </a:r>
             <a:r>
               <a:rPr lang="zh-CN" altLang="en-US" sz="3200" b="0" dirty="0">
@@ -18060,16 +17843,7 @@
                 </a:solidFill>
                 <a:sym typeface="Helvetica Light"/>
               </a:rPr>
-              <a:t>Resource </a:t>
-            </a:r>
-            <a:r>
-              <a:rPr lang="en-US" altLang="zh-CN" sz="3200" dirty="0" smtClean="0">
-                <a:solidFill>
-                  <a:srgbClr val="000000"/>
-                </a:solidFill>
-                <a:sym typeface="Helvetica Light"/>
-              </a:rPr>
-              <a:t>Binding Model In Dx12</a:t>
+              <a:t>Resource Binding Model In Dx12</a:t>
             </a:r>
           </a:p>
         </p:txBody>
@@ -18281,31 +18055,22 @@
           <a:p>
             <a:pPr algn="ctr" defTabSz="825500" hangingPunct="0"/>
             <a:r>
+              <a:rPr lang="en-US" altLang="zh-CN" sz="6000" dirty="0" smtClean="0">
+                <a:solidFill>
+                  <a:schemeClr val="bg1"/>
+                </a:solidFill>
+                <a:sym typeface="Helvetica Light"/>
+              </a:rPr>
+              <a:t>Descriptor</a:t>
+            </a:r>
+            <a:r>
               <a:rPr lang="zh-CN" altLang="en-US" sz="6000" dirty="0" smtClean="0">
                 <a:solidFill>
                   <a:schemeClr val="bg1"/>
                 </a:solidFill>
                 <a:sym typeface="Helvetica Light"/>
               </a:rPr>
-              <a:t>深入</a:t>
-            </a:r>
-            <a:r>
-              <a:rPr lang="en-US" altLang="zh-CN" sz="6000" dirty="0" smtClean="0">
-                <a:solidFill>
-                  <a:schemeClr val="bg1"/>
-                </a:solidFill>
-                <a:sym typeface="Helvetica Light"/>
-              </a:rPr>
-              <a:t>Resource </a:t>
-            </a:r>
-            <a:r>
-              <a:rPr lang="en-US" altLang="zh-CN" sz="6000" dirty="0" smtClean="0">
-                <a:solidFill>
-                  <a:schemeClr val="bg1"/>
-                </a:solidFill>
-                <a:sym typeface="Helvetica Light"/>
-              </a:rPr>
-              <a:t>Binding</a:t>
+              <a:t>及管理</a:t>
             </a:r>
             <a:endParaRPr lang="en-US" altLang="zh-CN" sz="6000" dirty="0">
               <a:solidFill>

--- a/PPTs/05.深入DX12绘制二.pptx
+++ b/PPTs/05.深入DX12绘制二.pptx
@@ -255,7 +255,7 @@
           <a:p>
             <a:fld id="{0C0E42BC-8A47-448F-A68A-F4ACF20E9984}" type="datetimeFigureOut">
               <a:rPr lang="en-US" smtClean="0"/>
-              <a:t>12/27/2021</a:t>
+              <a:t>12/28/2021</a:t>
             </a:fld>
             <a:endParaRPr lang="zh-CN"/>
           </a:p>
@@ -4549,24 +4549,6 @@
             <a:pPr lvl="0">
               <a:buSzPct val="25000"/>
             </a:pPr>
-            <a:r>
-              <a:rPr lang="en-AU" sz="2800" kern="1200" dirty="0">
-                <a:solidFill>
-                  <a:schemeClr val="tx1"/>
-                </a:solidFill>
-                <a:effectLst/>
-                <a:latin typeface="宋体" panose="02010600030101010101" pitchFamily="2" charset="-122"/>
-                <a:cs typeface="宋体" panose="02010600030101010101" pitchFamily="2" charset="-122"/>
-              </a:rPr>
-              <a:t>虚拟现实（VR）的呈现需要同时用到硬件和软件。创建VR内容时，应了解各种设备和软件解决方案</a:t>
-            </a:r>
-            <a:r>
-              <a:rPr dirty="0">
-                <a:latin typeface="宋体" panose="02010600030101010101" pitchFamily="2" charset="-122"/>
-                <a:cs typeface="宋体" panose="02010600030101010101" pitchFamily="2" charset="-122"/>
-              </a:rPr>
-              <a:t>。</a:t>
-            </a:r>
             <a:endParaRPr lang="zh-CN" sz="2800" kern="0" dirty="0">
               <a:solidFill>
                 <a:srgbClr val="434343"/>
@@ -5056,8 +5038,31 @@
                 <a:ea typeface="+mn-ea"/>
                 <a:cs typeface="+mn-cs"/>
               </a:rPr>
-              <a:t>图形渲染管线使用比较固定化，我们渲染管线各个阶段有的是可以编程的，有的是不能编程的， 有的是可以配置的，有的是不能配置的。。。 数据的输入也不是随便输入的</a:t>
-            </a:r>
+              <a:t>图形渲染管线使用比较固定化，我们渲染管线各个阶段有的是可以编程的，有的是不能编程的， 有的是可以配置的，有的是不能配置的。。。 数据的输入也不是随便输入</a:t>
+            </a:r>
+            <a:r>
+              <a:rPr lang="zh-CN" altLang="en-US" sz="2400" b="0" i="0" kern="1200" dirty="0" smtClean="0">
+                <a:solidFill>
+                  <a:schemeClr val="tx1"/>
+                </a:solidFill>
+                <a:effectLst/>
+                <a:latin typeface="+mn-lt"/>
+                <a:ea typeface="+mn-ea"/>
+                <a:cs typeface="+mn-cs"/>
+              </a:rPr>
+              <a:t>的</a:t>
+            </a:r>
+            <a:endParaRPr lang="en-US" altLang="zh-CN" sz="2400" b="0" i="0" kern="1200" dirty="0" smtClean="0">
+              <a:solidFill>
+                <a:schemeClr val="tx1"/>
+              </a:solidFill>
+              <a:effectLst/>
+              <a:latin typeface="+mn-lt"/>
+              <a:ea typeface="+mn-ea"/>
+              <a:cs typeface="+mn-cs"/>
+            </a:endParaRPr>
+          </a:p>
+          <a:p>
             <a:endParaRPr lang="en-US" altLang="zh-CN" sz="2400" b="0" dirty="0" smtClean="0">
               <a:solidFill>
                 <a:srgbClr val="000000"/>
@@ -5145,7 +5150,25 @@
                 </a:solidFill>
                 <a:sym typeface="Helvetica Light"/>
               </a:rPr>
-              <a:t>中没有这么复杂的系统；很多东西都是驱动底层自动处理的；当然已经不适应现在的硬件发展</a:t>
+              <a:t>中没有这么复杂的系统；很多东西</a:t>
+            </a:r>
+            <a:r>
+              <a:rPr lang="zh-CN" altLang="en-US" sz="2400" b="0" dirty="0" smtClean="0">
+                <a:solidFill>
+                  <a:srgbClr val="000000"/>
+                </a:solidFill>
+                <a:sym typeface="Helvetica Light"/>
+              </a:rPr>
+              <a:t>都是固化的，驱动</a:t>
+            </a:r>
+            <a:r>
+              <a:rPr lang="zh-CN" altLang="en-US" sz="2400" b="0" dirty="0" smtClean="0">
+                <a:solidFill>
+                  <a:srgbClr val="000000"/>
+                </a:solidFill>
+                <a:sym typeface="Helvetica Light"/>
+              </a:rPr>
+              <a:t>底层自动处理的；当然已经不适应现在的硬件发展</a:t>
             </a:r>
             <a:endParaRPr lang="en-US" altLang="zh-CN" sz="2400" b="0" dirty="0" smtClean="0">
               <a:solidFill>
@@ -16482,7 +16505,7 @@
                 </a:solidFill>
                 <a:sym typeface="Helvetica Light"/>
               </a:rPr>
-              <a:t>及管理</a:t>
+              <a:t>管理</a:t>
             </a:r>
             <a:endParaRPr lang="en-US" altLang="zh-CN" sz="3200" b="0" dirty="0" smtClean="0">
               <a:solidFill>
@@ -16683,16 +16706,7 @@
                 </a:solidFill>
                 <a:sym typeface="Helvetica Light"/>
               </a:rPr>
-              <a:t>Resource </a:t>
-            </a:r>
-            <a:r>
-              <a:rPr lang="en-US" altLang="zh-CN" sz="6000" dirty="0" smtClean="0">
-                <a:solidFill>
-                  <a:schemeClr val="bg1"/>
-                </a:solidFill>
-                <a:sym typeface="Helvetica Light"/>
-              </a:rPr>
-              <a:t>Binding</a:t>
+              <a:t>Resource Binding</a:t>
             </a:r>
             <a:endParaRPr lang="en-US" altLang="zh-CN" sz="6000" dirty="0">
               <a:solidFill>

--- a/PPTs/05.深入DX12绘制二.pptx
+++ b/PPTs/05.深入DX12绘制二.pptx
@@ -32,9 +32,9 @@
     <p:sldId id="357" r:id="rId23"/>
     <p:sldId id="361" r:id="rId24"/>
     <p:sldId id="362" r:id="rId25"/>
-    <p:sldId id="373" r:id="rId26"/>
-    <p:sldId id="363" r:id="rId27"/>
-    <p:sldId id="364" r:id="rId28"/>
+    <p:sldId id="364" r:id="rId26"/>
+    <p:sldId id="373" r:id="rId27"/>
+    <p:sldId id="363" r:id="rId28"/>
     <p:sldId id="350" r:id="rId29"/>
     <p:sldId id="345" r:id="rId30"/>
     <p:sldId id="367" r:id="rId31"/>
@@ -261,7 +261,7 @@
           <a:p>
             <a:fld id="{0C0E42BC-8A47-448F-A68A-F4ACF20E9984}" type="datetimeFigureOut">
               <a:rPr lang="en-US" smtClean="0"/>
-              <a:t>12/28/2021</a:t>
+              <a:t>1/5/2022</a:t>
             </a:fld>
             <a:endParaRPr lang="zh-CN"/>
           </a:p>
@@ -1376,11 +1376,7 @@
             </a:r>
             <a:r>
               <a:rPr lang="en-US" altLang="zh-CN" dirty="0" smtClean="0"/>
-              <a:t>resource </a:t>
-            </a:r>
-            <a:r>
-              <a:rPr lang="en-US" altLang="zh-CN" dirty="0" smtClean="0"/>
-              <a:t>view</a:t>
+              <a:t>resource view</a:t>
             </a:r>
             <a:r>
               <a:rPr lang="zh-CN" altLang="en-US" dirty="0" smtClean="0"/>
@@ -2436,6 +2432,66 @@
             </a:endParaRPr>
           </a:p>
           <a:p>
+            <a:r>
+              <a:rPr lang="en-US" altLang="zh-CN" sz="2400" b="0" i="0" kern="1200" dirty="0" smtClean="0">
+                <a:solidFill>
+                  <a:schemeClr val="tx1"/>
+                </a:solidFill>
+                <a:effectLst/>
+                <a:latin typeface="+mn-lt"/>
+                <a:ea typeface="+mn-ea"/>
+                <a:cs typeface="+mn-cs"/>
+              </a:rPr>
+              <a:t>Applications can create any number of descriptor heaps , and non </a:t>
+            </a:r>
+            <a:r>
+              <a:rPr lang="en-US" altLang="zh-CN" sz="2400" b="0" i="0" kern="1200" dirty="0" err="1" smtClean="0">
+                <a:solidFill>
+                  <a:schemeClr val="tx1"/>
+                </a:solidFill>
+                <a:effectLst/>
+                <a:latin typeface="+mn-lt"/>
+                <a:ea typeface="+mn-ea"/>
+                <a:cs typeface="+mn-cs"/>
+              </a:rPr>
+              <a:t>shader</a:t>
+            </a:r>
+            <a:r>
+              <a:rPr lang="en-US" altLang="zh-CN" sz="2400" b="0" i="0" kern="1200" dirty="0" smtClean="0">
+                <a:solidFill>
+                  <a:schemeClr val="tx1"/>
+                </a:solidFill>
+                <a:effectLst/>
+                <a:latin typeface="+mn-lt"/>
+                <a:ea typeface="+mn-ea"/>
+                <a:cs typeface="+mn-cs"/>
+              </a:rPr>
+              <a:t> visible descriptor heaps are not constrained in size. If a </a:t>
+            </a:r>
+            <a:r>
+              <a:rPr lang="en-US" altLang="zh-CN" sz="2400" b="0" i="0" kern="1200" dirty="0" err="1" smtClean="0">
+                <a:solidFill>
+                  <a:schemeClr val="tx1"/>
+                </a:solidFill>
+                <a:effectLst/>
+                <a:latin typeface="+mn-lt"/>
+                <a:ea typeface="+mn-ea"/>
+                <a:cs typeface="+mn-cs"/>
+              </a:rPr>
+              <a:t>shader</a:t>
+            </a:r>
+            <a:r>
+              <a:rPr lang="en-US" altLang="zh-CN" sz="2400" b="0" i="0" kern="1200" dirty="0" smtClean="0">
+                <a:solidFill>
+                  <a:schemeClr val="tx1"/>
+                </a:solidFill>
+                <a:effectLst/>
+                <a:latin typeface="+mn-lt"/>
+                <a:ea typeface="+mn-ea"/>
+                <a:cs typeface="+mn-cs"/>
+              </a:rPr>
+              <a:t> visible descriptor heap that is created by the application is smaller than the hardware size limit, the driver may choose to sub-allocate the descriptor heap out of a larger underlying descriptor heap so that multiple API descriptor heaps fit within one hardware descriptor heap. The reason this may happen is that for some hardware, switching between hardware descriptor heaps during execution requires a GPU wait for idle (to ensure that GPU references to the previously descriptor heap are finished). If all of the descriptor heaps that an application creates fit into the applicable hardware heap's maximum capacities, then no such waits will occur when switching API descriptor heaps during rendering. Applications must allow for the possibility, however, that switching the current descriptor heap may incur a wait for idle.</a:t>
+            </a:r>
             <a:endParaRPr lang="zh-CN" altLang="en-US" dirty="0"/>
           </a:p>
         </p:txBody>
@@ -2565,7 +2621,90 @@
             </a:r>
             <a:r>
               <a:rPr lang="zh-CN" altLang="en-US" dirty="0" smtClean="0"/>
-              <a:t>，会引发这个操作</a:t>
+              <a:t>，会引发这个</a:t>
+            </a:r>
+            <a:r>
+              <a:rPr lang="zh-CN" altLang="en-US" dirty="0" smtClean="0"/>
+              <a:t>操作</a:t>
+            </a:r>
+            <a:endParaRPr lang="en-US" altLang="zh-CN" dirty="0" smtClean="0"/>
+          </a:p>
+          <a:p>
+            <a:endParaRPr lang="en-US" altLang="zh-CN" dirty="0" smtClean="0"/>
+          </a:p>
+          <a:p>
+            <a:r>
+              <a:rPr lang="en-US" altLang="zh-CN" sz="2400" b="0" i="0" kern="1200" dirty="0" smtClean="0">
+                <a:solidFill>
+                  <a:schemeClr val="tx1"/>
+                </a:solidFill>
+                <a:effectLst/>
+                <a:latin typeface="+mn-lt"/>
+                <a:ea typeface="+mn-ea"/>
+                <a:cs typeface="+mn-cs"/>
+              </a:rPr>
+              <a:t>In Direct3D 12, you create one buffer to accommodate different types of resource data for uploading, and you copy resource data to the same buffer in a similar way for different resource data. Individual views are then created to bind those resource data to the graphics pipeline in the Direct3D 12 resource binding model.</a:t>
+            </a:r>
+          </a:p>
+          <a:p>
+            <a:endParaRPr lang="en-US" altLang="zh-CN" sz="2400" b="0" i="0" kern="1200" dirty="0" smtClean="0">
+              <a:solidFill>
+                <a:schemeClr val="tx1"/>
+              </a:solidFill>
+              <a:effectLst/>
+              <a:latin typeface="+mn-lt"/>
+              <a:ea typeface="+mn-ea"/>
+              <a:cs typeface="+mn-cs"/>
+            </a:endParaRPr>
+          </a:p>
+          <a:p>
+            <a:r>
+              <a:rPr lang="en-US" altLang="zh-CN" sz="2400" b="0" i="0" kern="1200" dirty="0" smtClean="0">
+                <a:solidFill>
+                  <a:schemeClr val="tx1"/>
+                </a:solidFill>
+                <a:effectLst/>
+                <a:latin typeface="+mn-lt"/>
+                <a:ea typeface="+mn-ea"/>
+                <a:cs typeface="+mn-cs"/>
+              </a:rPr>
+              <a:t>In Direct3D 11, you create separate buffers for different types of resource data (note the different </a:t>
+            </a:r>
+            <a:r>
+              <a:rPr lang="en-US" altLang="zh-CN" sz="2400" b="0" i="0" kern="1200" dirty="0" err="1" smtClean="0">
+                <a:solidFill>
+                  <a:schemeClr val="tx1"/>
+                </a:solidFill>
+                <a:effectLst/>
+                <a:latin typeface="+mn-lt"/>
+                <a:ea typeface="+mn-ea"/>
+                <a:cs typeface="+mn-cs"/>
+              </a:rPr>
+              <a:t>BindFlags</a:t>
+            </a:r>
+            <a:r>
+              <a:rPr lang="en-US" altLang="zh-CN" sz="2400" b="0" i="0" kern="1200" dirty="0" smtClean="0">
+                <a:solidFill>
+                  <a:schemeClr val="tx1"/>
+                </a:solidFill>
+                <a:effectLst/>
+                <a:latin typeface="+mn-lt"/>
+                <a:ea typeface="+mn-ea"/>
+                <a:cs typeface="+mn-cs"/>
+              </a:rPr>
+              <a:t> used in the Direct3D 11 sample code below), explicitly binding each resource buffer to the graphics pipeline, and update the resource data with different methods based on different resource types.</a:t>
+            </a:r>
+          </a:p>
+          <a:p>
+            <a:endParaRPr lang="en-US" altLang="zh-CN" dirty="0" smtClean="0"/>
+          </a:p>
+          <a:p>
+            <a:endParaRPr lang="en-US" altLang="zh-CN" dirty="0" smtClean="0"/>
+          </a:p>
+          <a:p>
+            <a:r>
+              <a:rPr lang="en-US" altLang="zh-CN" dirty="0" smtClean="0"/>
+              <a:t>https://docs.microsoft.com/en-us/windows/win32/direct3d12/uploading-resources</a:t>
             </a:r>
             <a:endParaRPr lang="zh-CN" altLang="en-US" dirty="0"/>
           </a:p>
@@ -4119,6 +4258,372 @@
           <a:bodyPr/>
           <a:lstStyle/>
           <a:p>
+            <a:r>
+              <a:rPr lang="en-US" altLang="zh-CN" sz="2400" b="1" i="0" kern="1200" dirty="0" smtClean="0">
+                <a:solidFill>
+                  <a:schemeClr val="tx1"/>
+                </a:solidFill>
+                <a:effectLst/>
+                <a:latin typeface="+mn-lt"/>
+                <a:ea typeface="+mn-ea"/>
+                <a:cs typeface="+mn-cs"/>
+              </a:rPr>
+              <a:t>Memory limits and costs</a:t>
+            </a:r>
+          </a:p>
+          <a:p>
+            <a:r>
+              <a:rPr lang="en-US" altLang="zh-CN" sz="2400" b="0" i="0" kern="1200" dirty="0" smtClean="0">
+                <a:solidFill>
+                  <a:schemeClr val="tx1"/>
+                </a:solidFill>
+                <a:effectLst/>
+                <a:latin typeface="+mn-lt"/>
+                <a:ea typeface="+mn-ea"/>
+                <a:cs typeface="+mn-cs"/>
+              </a:rPr>
+              <a:t>The maximum size of a root signature is 64 DWORDs.</a:t>
+            </a:r>
+          </a:p>
+          <a:p>
+            <a:r>
+              <a:rPr lang="en-US" altLang="zh-CN" sz="2400" b="0" i="0" kern="1200" dirty="0" smtClean="0">
+                <a:solidFill>
+                  <a:schemeClr val="tx1"/>
+                </a:solidFill>
+                <a:effectLst/>
+                <a:latin typeface="+mn-lt"/>
+                <a:ea typeface="+mn-ea"/>
+                <a:cs typeface="+mn-cs"/>
+              </a:rPr>
+              <a:t>This maximum size is chosen to prevent abuse of the root signature as a way of storing bulk data. Each entry in the root signature has a cost towards this 64 DWORD limit:</a:t>
+            </a:r>
+          </a:p>
+          <a:p>
+            <a:r>
+              <a:rPr lang="en-US" altLang="zh-CN" sz="2400" b="0" i="0" kern="1200" dirty="0" smtClean="0">
+                <a:solidFill>
+                  <a:schemeClr val="tx1"/>
+                </a:solidFill>
+                <a:effectLst/>
+                <a:latin typeface="+mn-lt"/>
+                <a:ea typeface="+mn-ea"/>
+                <a:cs typeface="+mn-cs"/>
+              </a:rPr>
+              <a:t>Descriptor tables cost 1 DWORD each.</a:t>
+            </a:r>
+          </a:p>
+          <a:p>
+            <a:r>
+              <a:rPr lang="en-US" altLang="zh-CN" sz="2400" b="0" i="0" kern="1200" dirty="0" smtClean="0">
+                <a:solidFill>
+                  <a:schemeClr val="tx1"/>
+                </a:solidFill>
+                <a:effectLst/>
+                <a:latin typeface="+mn-lt"/>
+                <a:ea typeface="+mn-ea"/>
+                <a:cs typeface="+mn-cs"/>
+              </a:rPr>
+              <a:t>Root constants cost 1 DWORD each, since they are 32-bit values.</a:t>
+            </a:r>
+          </a:p>
+          <a:p>
+            <a:r>
+              <a:rPr lang="en-US" altLang="zh-CN" sz="2400" b="0" i="0" kern="1200" dirty="0" smtClean="0">
+                <a:solidFill>
+                  <a:schemeClr val="tx1"/>
+                </a:solidFill>
+                <a:effectLst/>
+                <a:latin typeface="+mn-lt"/>
+                <a:ea typeface="+mn-ea"/>
+                <a:cs typeface="+mn-cs"/>
+              </a:rPr>
+              <a:t>Root descriptors (64-bit GPU virtual addresses) cost 2 DWORDs each.</a:t>
+            </a:r>
+          </a:p>
+          <a:p>
+            <a:r>
+              <a:rPr lang="en-US" altLang="zh-CN" sz="2400" b="0" i="0" kern="1200" dirty="0" smtClean="0">
+                <a:solidFill>
+                  <a:schemeClr val="tx1"/>
+                </a:solidFill>
+                <a:effectLst/>
+                <a:latin typeface="+mn-lt"/>
+                <a:ea typeface="+mn-ea"/>
+                <a:cs typeface="+mn-cs"/>
+              </a:rPr>
+              <a:t>Static samplers do not have any cost in the size of the root signature.</a:t>
+            </a:r>
+          </a:p>
+          <a:p>
+            <a:r>
+              <a:rPr lang="en-US" altLang="zh-CN" sz="2400" b="1" i="0" kern="1200" dirty="0" smtClean="0">
+                <a:solidFill>
+                  <a:schemeClr val="tx1"/>
+                </a:solidFill>
+                <a:effectLst/>
+                <a:latin typeface="+mn-lt"/>
+                <a:ea typeface="+mn-ea"/>
+                <a:cs typeface="+mn-cs"/>
+              </a:rPr>
+              <a:t>Performance costs</a:t>
+            </a:r>
+          </a:p>
+          <a:p>
+            <a:r>
+              <a:rPr lang="en-US" altLang="zh-CN" sz="2400" b="0" i="0" kern="1200" dirty="0" smtClean="0">
+                <a:solidFill>
+                  <a:schemeClr val="tx1"/>
+                </a:solidFill>
+                <a:effectLst/>
+                <a:latin typeface="+mn-lt"/>
+                <a:ea typeface="+mn-ea"/>
+                <a:cs typeface="+mn-cs"/>
+              </a:rPr>
+              <a:t>The performance cost (in terms of levels of indirection) are zero for a root constant, 1 for a root descriptor, and 2 for a descriptor table. If a root signature is large and overflows out of the fastest memory into slightly slower memory (which can happen on some hardware), then add 1 to the performance cost for the overflowing items at the end of the root signature.</a:t>
+            </a:r>
+          </a:p>
+          <a:p>
+            <a:r>
+              <a:rPr lang="en-US" altLang="zh-CN" sz="2400" b="0" i="0" kern="1200" dirty="0" smtClean="0">
+                <a:solidFill>
+                  <a:schemeClr val="tx1"/>
+                </a:solidFill>
+                <a:effectLst/>
+                <a:latin typeface="+mn-lt"/>
+                <a:ea typeface="+mn-ea"/>
+                <a:cs typeface="+mn-cs"/>
+              </a:rPr>
+              <a:t>An overflow can occur on hardware that might have, for example, a fixed size of 16 DWORDs for root argument space. This limit might be further reduced by one if the Input Assembler is used. In this case there is overflow into slightly slower memory if the root signature is too large for the 15 or 16 DWORD native memory. In other hardware there is no fixed native root argument memory (so the overflow situation never occurs).</a:t>
+            </a:r>
+          </a:p>
+          <a:p>
+            <a:r>
+              <a:rPr lang="en-US" altLang="zh-CN" sz="2400" b="0" i="0" kern="1200" dirty="0" smtClean="0">
+                <a:solidFill>
+                  <a:schemeClr val="tx1"/>
+                </a:solidFill>
+                <a:effectLst/>
+                <a:latin typeface="+mn-lt"/>
+                <a:ea typeface="+mn-ea"/>
+                <a:cs typeface="+mn-cs"/>
+              </a:rPr>
+              <a:t>For all hardware, if any root argument changes, the driver must maintain a version of all the root arguments (unlike other storage such as descriptor heaps and buffer resources, which are not versioned by the driver). In hardware that an overflow situation occurs, only the native or overflow area needs to be versioned, depending on where the change occurred. The amount of versioning should obviously be kept to the necessary minimum.</a:t>
+            </a:r>
+          </a:p>
+          <a:p>
+            <a:r>
+              <a:rPr lang="en-US" altLang="zh-CN" sz="2400" b="0" i="0" kern="1200" dirty="0" smtClean="0">
+                <a:solidFill>
+                  <a:schemeClr val="tx1"/>
+                </a:solidFill>
+                <a:effectLst/>
+                <a:latin typeface="+mn-lt"/>
+                <a:ea typeface="+mn-ea"/>
+                <a:cs typeface="+mn-cs"/>
+              </a:rPr>
+              <a:t>Generally, consider the following guidelines:</a:t>
+            </a:r>
+          </a:p>
+          <a:p>
+            <a:r>
+              <a:rPr lang="en-US" altLang="zh-CN" sz="2400" b="0" i="0" kern="1200" dirty="0" smtClean="0">
+                <a:solidFill>
+                  <a:schemeClr val="tx1"/>
+                </a:solidFill>
+                <a:effectLst/>
+                <a:latin typeface="+mn-lt"/>
+                <a:ea typeface="+mn-ea"/>
+                <a:cs typeface="+mn-cs"/>
+              </a:rPr>
+              <a:t>Use a small a root signature as necessary, though balance this with the flexibility of a larger root signature.</a:t>
+            </a:r>
+          </a:p>
+          <a:p>
+            <a:r>
+              <a:rPr lang="en-US" altLang="zh-CN" sz="2400" b="0" i="0" kern="1200" dirty="0" smtClean="0">
+                <a:solidFill>
+                  <a:schemeClr val="tx1"/>
+                </a:solidFill>
+                <a:effectLst/>
+                <a:latin typeface="+mn-lt"/>
+                <a:ea typeface="+mn-ea"/>
+                <a:cs typeface="+mn-cs"/>
+              </a:rPr>
+              <a:t>Arrange parameters in a large root signature so that the parameters most likely to change often, or if low access latency for a given parameter is important, occur first.</a:t>
+            </a:r>
+          </a:p>
+          <a:p>
+            <a:r>
+              <a:rPr lang="en-US" altLang="zh-CN" sz="2400" b="0" i="0" kern="1200" dirty="0" smtClean="0">
+                <a:solidFill>
+                  <a:schemeClr val="tx1"/>
+                </a:solidFill>
+                <a:effectLst/>
+                <a:latin typeface="+mn-lt"/>
+                <a:ea typeface="+mn-ea"/>
+                <a:cs typeface="+mn-cs"/>
+              </a:rPr>
+              <a:t>If convenient, use root constants or root constant buffer views over putting constant buffer views in a descriptor heap.</a:t>
+            </a:r>
+          </a:p>
+          <a:p>
+            <a:r>
+              <a:rPr lang="en-US" altLang="zh-CN" sz="2400" b="1" i="0" kern="1200" dirty="0" smtClean="0">
+                <a:solidFill>
+                  <a:schemeClr val="tx1"/>
+                </a:solidFill>
+                <a:effectLst/>
+                <a:latin typeface="+mn-lt"/>
+                <a:ea typeface="+mn-ea"/>
+                <a:cs typeface="+mn-cs"/>
+              </a:rPr>
+              <a:t>Static samplers</a:t>
+            </a:r>
+          </a:p>
+          <a:p>
+            <a:r>
+              <a:rPr lang="en-US" altLang="zh-CN" sz="2400" b="0" i="0" kern="1200" dirty="0" smtClean="0">
+                <a:solidFill>
+                  <a:schemeClr val="tx1"/>
+                </a:solidFill>
+                <a:effectLst/>
+                <a:latin typeface="+mn-lt"/>
+                <a:ea typeface="+mn-ea"/>
+                <a:cs typeface="+mn-cs"/>
+              </a:rPr>
+              <a:t>Static samplers (samplers where the state is fully defined and immutable) are part of root signatures, but do not count towards the 64 DWORD limit. If a sampler can be defined as static, there is no need for the sampler to be part of a descriptor heap.</a:t>
+            </a:r>
+          </a:p>
+          <a:p>
+            <a:r>
+              <a:rPr lang="en-US" altLang="zh-CN" sz="2400" b="0" i="0" kern="1200" dirty="0" smtClean="0">
+                <a:solidFill>
+                  <a:schemeClr val="tx1"/>
+                </a:solidFill>
+                <a:effectLst/>
+                <a:latin typeface="+mn-lt"/>
+                <a:ea typeface="+mn-ea"/>
+                <a:cs typeface="+mn-cs"/>
+              </a:rPr>
+              <a:t>There is no performance cost to using static samplers, and a root signature can contain a mix of static samplers (stored in the root signature, or in reserved space on some hardware) and dynamic samplers (stored in a sampler descriptor heap). Samplers in a descriptor heap can be dynamically assigned and indexed, which static samplers cannot.</a:t>
+            </a:r>
+          </a:p>
+          <a:p>
+            <a:r>
+              <a:rPr lang="en-US" altLang="zh-CN" sz="2400" b="0" i="0" kern="1200" dirty="0" smtClean="0">
+                <a:solidFill>
+                  <a:schemeClr val="tx1"/>
+                </a:solidFill>
+                <a:effectLst/>
+                <a:latin typeface="+mn-lt"/>
+                <a:ea typeface="+mn-ea"/>
+                <a:cs typeface="+mn-cs"/>
+              </a:rPr>
+              <a:t>Static samplers can be written as part of the root signature in HLSL </a:t>
+            </a:r>
+            <a:r>
+              <a:rPr lang="en-US" altLang="zh-CN" sz="2400" b="0" i="0" kern="1200" dirty="0" err="1" smtClean="0">
+                <a:solidFill>
+                  <a:schemeClr val="tx1"/>
+                </a:solidFill>
+                <a:effectLst/>
+                <a:latin typeface="+mn-lt"/>
+                <a:ea typeface="+mn-ea"/>
+                <a:cs typeface="+mn-cs"/>
+              </a:rPr>
+              <a:t>shaders</a:t>
+            </a:r>
+            <a:r>
+              <a:rPr lang="en-US" altLang="zh-CN" sz="2400" b="0" i="0" kern="1200" dirty="0" smtClean="0">
+                <a:solidFill>
+                  <a:schemeClr val="tx1"/>
+                </a:solidFill>
+                <a:effectLst/>
+                <a:latin typeface="+mn-lt"/>
+                <a:ea typeface="+mn-ea"/>
+                <a:cs typeface="+mn-cs"/>
+              </a:rPr>
+              <a:t> (refer to </a:t>
+            </a:r>
+            <a:r>
+              <a:rPr lang="en-US" altLang="zh-CN" sz="2400" b="0" i="0" u="none" strike="noStrike" kern="1200" dirty="0" smtClean="0">
+                <a:solidFill>
+                  <a:schemeClr val="tx1"/>
+                </a:solidFill>
+                <a:effectLst/>
+                <a:latin typeface="+mn-lt"/>
+                <a:ea typeface="+mn-ea"/>
+                <a:cs typeface="+mn-cs"/>
+                <a:hlinkClick r:id="rId3"/>
+              </a:rPr>
+              <a:t>Specifying Root Signatures in HLSL</a:t>
+            </a:r>
+            <a:r>
+              <a:rPr lang="en-US" altLang="zh-CN" sz="2400" b="0" i="0" kern="1200" dirty="0" smtClean="0">
+                <a:solidFill>
+                  <a:schemeClr val="tx1"/>
+                </a:solidFill>
+                <a:effectLst/>
+                <a:latin typeface="+mn-lt"/>
+                <a:ea typeface="+mn-ea"/>
+                <a:cs typeface="+mn-cs"/>
+              </a:rPr>
+              <a:t>)</a:t>
+            </a:r>
+          </a:p>
+          <a:p>
+            <a:endParaRPr lang="en-US" altLang="zh-CN" sz="2400" b="0" i="0" kern="1200" dirty="0" smtClean="0">
+              <a:solidFill>
+                <a:schemeClr val="tx1"/>
+              </a:solidFill>
+              <a:effectLst/>
+              <a:latin typeface="+mn-lt"/>
+              <a:ea typeface="+mn-ea"/>
+              <a:cs typeface="+mn-cs"/>
+            </a:endParaRPr>
+          </a:p>
+          <a:p>
+            <a:pPr marL="0" marR="0" lvl="0" indent="0" algn="l" defTabSz="1828800" rtl="0" eaLnBrk="1" fontAlgn="auto" latinLnBrk="0" hangingPunct="1">
+              <a:lnSpc>
+                <a:spcPct val="100000"/>
+              </a:lnSpc>
+              <a:spcBef>
+                <a:spcPts val="0"/>
+              </a:spcBef>
+              <a:spcAft>
+                <a:spcPts val="0"/>
+              </a:spcAft>
+              <a:buClrTx/>
+              <a:buSzTx/>
+              <a:buFontTx/>
+              <a:buNone/>
+              <a:tabLst/>
+              <a:defRPr/>
+            </a:pPr>
+            <a:r>
+              <a:rPr lang="en-US" altLang="zh-CN" sz="2400" b="1" i="0" kern="1200" dirty="0" smtClean="0">
+                <a:solidFill>
+                  <a:schemeClr val="tx1"/>
+                </a:solidFill>
+                <a:effectLst/>
+                <a:latin typeface="+mn-lt"/>
+                <a:ea typeface="+mn-ea"/>
+                <a:cs typeface="+mn-cs"/>
+              </a:rPr>
+              <a:t>Hardware Tiers</a:t>
+            </a:r>
+            <a:endParaRPr lang="en-US" altLang="zh-CN" sz="2400" b="0" i="0" kern="1200" dirty="0" smtClean="0">
+              <a:solidFill>
+                <a:schemeClr val="tx1"/>
+              </a:solidFill>
+              <a:effectLst/>
+              <a:latin typeface="+mn-lt"/>
+              <a:ea typeface="+mn-ea"/>
+              <a:cs typeface="+mn-cs"/>
+            </a:endParaRPr>
+          </a:p>
+          <a:p>
             <a:endParaRPr lang="zh-CN" altLang="en-US" dirty="0"/>
           </a:p>
         </p:txBody>
@@ -4149,7 +4654,7 @@
     </p:spTree>
     <p:extLst>
       <p:ext uri="{BB962C8B-B14F-4D97-AF65-F5344CB8AC3E}">
-        <p14:creationId xmlns:p14="http://schemas.microsoft.com/office/powerpoint/2010/main" val="2743825271"/>
+        <p14:creationId xmlns:p14="http://schemas.microsoft.com/office/powerpoint/2010/main" val="3434692922"/>
       </p:ext>
     </p:extLst>
   </p:cSld>
@@ -4233,7 +4738,7 @@
     </p:spTree>
     <p:extLst>
       <p:ext uri="{BB962C8B-B14F-4D97-AF65-F5344CB8AC3E}">
-        <p14:creationId xmlns:p14="http://schemas.microsoft.com/office/powerpoint/2010/main" val="333066843"/>
+        <p14:creationId xmlns:p14="http://schemas.microsoft.com/office/powerpoint/2010/main" val="2743825271"/>
       </p:ext>
     </p:extLst>
   </p:cSld>
@@ -4288,371 +4793,13 @@
           <a:lstStyle/>
           <a:p>
             <a:r>
-              <a:rPr lang="en-US" altLang="zh-CN" sz="2400" b="1" i="0" kern="1200" dirty="0" smtClean="0">
-                <a:solidFill>
-                  <a:schemeClr val="tx1"/>
-                </a:solidFill>
-                <a:effectLst/>
-                <a:latin typeface="+mn-lt"/>
-                <a:ea typeface="+mn-ea"/>
-                <a:cs typeface="+mn-cs"/>
-              </a:rPr>
-              <a:t>Memory limits and costs</a:t>
-            </a:r>
-          </a:p>
-          <a:p>
-            <a:r>
-              <a:rPr lang="en-US" altLang="zh-CN" sz="2400" b="0" i="0" kern="1200" dirty="0" smtClean="0">
-                <a:solidFill>
-                  <a:schemeClr val="tx1"/>
-                </a:solidFill>
-                <a:effectLst/>
-                <a:latin typeface="+mn-lt"/>
-                <a:ea typeface="+mn-ea"/>
-                <a:cs typeface="+mn-cs"/>
-              </a:rPr>
-              <a:t>The maximum size of a root signature is 64 DWORDs.</a:t>
-            </a:r>
-          </a:p>
-          <a:p>
-            <a:r>
-              <a:rPr lang="en-US" altLang="zh-CN" sz="2400" b="0" i="0" kern="1200" dirty="0" smtClean="0">
-                <a:solidFill>
-                  <a:schemeClr val="tx1"/>
-                </a:solidFill>
-                <a:effectLst/>
-                <a:latin typeface="+mn-lt"/>
-                <a:ea typeface="+mn-ea"/>
-                <a:cs typeface="+mn-cs"/>
-              </a:rPr>
-              <a:t>This maximum size is chosen to prevent abuse of the root signature as a way of storing bulk data. Each entry in the root signature has a cost towards this 64 DWORD limit:</a:t>
-            </a:r>
-          </a:p>
-          <a:p>
-            <a:r>
-              <a:rPr lang="en-US" altLang="zh-CN" sz="2400" b="0" i="0" kern="1200" dirty="0" smtClean="0">
-                <a:solidFill>
-                  <a:schemeClr val="tx1"/>
-                </a:solidFill>
-                <a:effectLst/>
-                <a:latin typeface="+mn-lt"/>
-                <a:ea typeface="+mn-ea"/>
-                <a:cs typeface="+mn-cs"/>
-              </a:rPr>
-              <a:t>Descriptor tables cost 1 DWORD each.</a:t>
-            </a:r>
-          </a:p>
-          <a:p>
-            <a:r>
-              <a:rPr lang="en-US" altLang="zh-CN" sz="2400" b="0" i="0" kern="1200" dirty="0" smtClean="0">
-                <a:solidFill>
-                  <a:schemeClr val="tx1"/>
-                </a:solidFill>
-                <a:effectLst/>
-                <a:latin typeface="+mn-lt"/>
-                <a:ea typeface="+mn-ea"/>
-                <a:cs typeface="+mn-cs"/>
-              </a:rPr>
-              <a:t>Root constants cost 1 DWORD each, since they are 32-bit values.</a:t>
-            </a:r>
-          </a:p>
-          <a:p>
-            <a:r>
-              <a:rPr lang="en-US" altLang="zh-CN" sz="2400" b="0" i="0" kern="1200" dirty="0" smtClean="0">
-                <a:solidFill>
-                  <a:schemeClr val="tx1"/>
-                </a:solidFill>
-                <a:effectLst/>
-                <a:latin typeface="+mn-lt"/>
-                <a:ea typeface="+mn-ea"/>
-                <a:cs typeface="+mn-cs"/>
-              </a:rPr>
-              <a:t>Root descriptors (64-bit GPU virtual addresses) cost 2 DWORDs each.</a:t>
-            </a:r>
-          </a:p>
-          <a:p>
-            <a:r>
-              <a:rPr lang="en-US" altLang="zh-CN" sz="2400" b="0" i="0" kern="1200" dirty="0" smtClean="0">
-                <a:solidFill>
-                  <a:schemeClr val="tx1"/>
-                </a:solidFill>
-                <a:effectLst/>
-                <a:latin typeface="+mn-lt"/>
-                <a:ea typeface="+mn-ea"/>
-                <a:cs typeface="+mn-cs"/>
-              </a:rPr>
-              <a:t>Static samplers do not have any cost in the size of the root signature.</a:t>
-            </a:r>
-          </a:p>
-          <a:p>
-            <a:r>
-              <a:rPr lang="en-US" altLang="zh-CN" sz="2400" b="1" i="0" kern="1200" dirty="0" smtClean="0">
-                <a:solidFill>
-                  <a:schemeClr val="tx1"/>
-                </a:solidFill>
-                <a:effectLst/>
-                <a:latin typeface="+mn-lt"/>
-                <a:ea typeface="+mn-ea"/>
-                <a:cs typeface="+mn-cs"/>
-              </a:rPr>
-              <a:t>Performance costs</a:t>
-            </a:r>
-          </a:p>
-          <a:p>
-            <a:r>
-              <a:rPr lang="en-US" altLang="zh-CN" sz="2400" b="0" i="0" kern="1200" dirty="0" smtClean="0">
-                <a:solidFill>
-                  <a:schemeClr val="tx1"/>
-                </a:solidFill>
-                <a:effectLst/>
-                <a:latin typeface="+mn-lt"/>
-                <a:ea typeface="+mn-ea"/>
-                <a:cs typeface="+mn-cs"/>
-              </a:rPr>
-              <a:t>The performance cost (in terms of levels of indirection) are zero for a root constant, 1 for a root descriptor, and 2 for a descriptor table. If a root signature is large and overflows out of the fastest memory into slightly slower memory (which can happen on some hardware), then add 1 to the performance cost for the overflowing items at the end of the root signature.</a:t>
-            </a:r>
-          </a:p>
-          <a:p>
-            <a:r>
-              <a:rPr lang="en-US" altLang="zh-CN" sz="2400" b="0" i="0" kern="1200" dirty="0" smtClean="0">
-                <a:solidFill>
-                  <a:schemeClr val="tx1"/>
-                </a:solidFill>
-                <a:effectLst/>
-                <a:latin typeface="+mn-lt"/>
-                <a:ea typeface="+mn-ea"/>
-                <a:cs typeface="+mn-cs"/>
-              </a:rPr>
-              <a:t>An overflow can occur on hardware that might have, for example, a fixed size of 16 DWORDs for root argument space. This limit might be further reduced by one if the Input Assembler is used. In this case there is overflow into slightly slower memory if the root signature is too large for the 15 or 16 DWORD native memory. In other hardware there is no fixed native root argument memory (so the overflow situation never occurs).</a:t>
-            </a:r>
-          </a:p>
-          <a:p>
-            <a:r>
-              <a:rPr lang="en-US" altLang="zh-CN" sz="2400" b="0" i="0" kern="1200" dirty="0" smtClean="0">
-                <a:solidFill>
-                  <a:schemeClr val="tx1"/>
-                </a:solidFill>
-                <a:effectLst/>
-                <a:latin typeface="+mn-lt"/>
-                <a:ea typeface="+mn-ea"/>
-                <a:cs typeface="+mn-cs"/>
-              </a:rPr>
-              <a:t>For all hardware, if any root argument changes, the driver must maintain a version of all the root arguments (unlike other storage such as descriptor heaps and buffer resources, which are not versioned by the driver). In hardware that an overflow situation occurs, only the native or overflow area needs to be versioned, depending on where the change occurred. The amount of versioning should obviously be kept to the necessary minimum.</a:t>
-            </a:r>
-          </a:p>
-          <a:p>
-            <a:r>
-              <a:rPr lang="en-US" altLang="zh-CN" sz="2400" b="0" i="0" kern="1200" dirty="0" smtClean="0">
-                <a:solidFill>
-                  <a:schemeClr val="tx1"/>
-                </a:solidFill>
-                <a:effectLst/>
-                <a:latin typeface="+mn-lt"/>
-                <a:ea typeface="+mn-ea"/>
-                <a:cs typeface="+mn-cs"/>
-              </a:rPr>
-              <a:t>Generally, consider the following guidelines:</a:t>
-            </a:r>
-          </a:p>
-          <a:p>
-            <a:r>
-              <a:rPr lang="en-US" altLang="zh-CN" sz="2400" b="0" i="0" kern="1200" dirty="0" smtClean="0">
-                <a:solidFill>
-                  <a:schemeClr val="tx1"/>
-                </a:solidFill>
-                <a:effectLst/>
-                <a:latin typeface="+mn-lt"/>
-                <a:ea typeface="+mn-ea"/>
-                <a:cs typeface="+mn-cs"/>
-              </a:rPr>
-              <a:t>Use a small a root signature as necessary, though balance this with the flexibility of a larger root signature.</a:t>
-            </a:r>
-          </a:p>
-          <a:p>
-            <a:r>
-              <a:rPr lang="en-US" altLang="zh-CN" sz="2400" b="0" i="0" kern="1200" dirty="0" smtClean="0">
-                <a:solidFill>
-                  <a:schemeClr val="tx1"/>
-                </a:solidFill>
-                <a:effectLst/>
-                <a:latin typeface="+mn-lt"/>
-                <a:ea typeface="+mn-ea"/>
-                <a:cs typeface="+mn-cs"/>
-              </a:rPr>
-              <a:t>Arrange parameters in a large root signature so that the parameters most likely to change often, or if low access latency for a given parameter is important, occur first.</a:t>
-            </a:r>
-          </a:p>
-          <a:p>
-            <a:r>
-              <a:rPr lang="en-US" altLang="zh-CN" sz="2400" b="0" i="0" kern="1200" dirty="0" smtClean="0">
-                <a:solidFill>
-                  <a:schemeClr val="tx1"/>
-                </a:solidFill>
-                <a:effectLst/>
-                <a:latin typeface="+mn-lt"/>
-                <a:ea typeface="+mn-ea"/>
-                <a:cs typeface="+mn-cs"/>
-              </a:rPr>
-              <a:t>If convenient, use root constants or root constant buffer views over putting constant buffer views in a descriptor heap.</a:t>
-            </a:r>
-          </a:p>
-          <a:p>
-            <a:r>
-              <a:rPr lang="en-US" altLang="zh-CN" sz="2400" b="1" i="0" kern="1200" dirty="0" smtClean="0">
-                <a:solidFill>
-                  <a:schemeClr val="tx1"/>
-                </a:solidFill>
-                <a:effectLst/>
-                <a:latin typeface="+mn-lt"/>
-                <a:ea typeface="+mn-ea"/>
-                <a:cs typeface="+mn-cs"/>
-              </a:rPr>
-              <a:t>Static samplers</a:t>
-            </a:r>
-          </a:p>
-          <a:p>
-            <a:r>
-              <a:rPr lang="en-US" altLang="zh-CN" sz="2400" b="0" i="0" kern="1200" dirty="0" smtClean="0">
-                <a:solidFill>
-                  <a:schemeClr val="tx1"/>
-                </a:solidFill>
-                <a:effectLst/>
-                <a:latin typeface="+mn-lt"/>
-                <a:ea typeface="+mn-ea"/>
-                <a:cs typeface="+mn-cs"/>
-              </a:rPr>
-              <a:t>Static samplers (samplers where the state is fully defined and immutable) are part of root signatures, but do not count towards the 64 DWORD limit. If a sampler can be defined as static, there is no need for the sampler to be part of a descriptor heap.</a:t>
-            </a:r>
-          </a:p>
-          <a:p>
-            <a:r>
-              <a:rPr lang="en-US" altLang="zh-CN" sz="2400" b="0" i="0" kern="1200" dirty="0" smtClean="0">
-                <a:solidFill>
-                  <a:schemeClr val="tx1"/>
-                </a:solidFill>
-                <a:effectLst/>
-                <a:latin typeface="+mn-lt"/>
-                <a:ea typeface="+mn-ea"/>
-                <a:cs typeface="+mn-cs"/>
-              </a:rPr>
-              <a:t>There is no performance cost to using static samplers, and a root signature can contain a mix of static samplers (stored in the root signature, or in reserved space on some hardware) and dynamic samplers (stored in a sampler descriptor heap). Samplers in a descriptor heap can be dynamically assigned and indexed, which static samplers cannot.</a:t>
-            </a:r>
-          </a:p>
-          <a:p>
-            <a:r>
-              <a:rPr lang="en-US" altLang="zh-CN" sz="2400" b="0" i="0" kern="1200" dirty="0" smtClean="0">
-                <a:solidFill>
-                  <a:schemeClr val="tx1"/>
-                </a:solidFill>
-                <a:effectLst/>
-                <a:latin typeface="+mn-lt"/>
-                <a:ea typeface="+mn-ea"/>
-                <a:cs typeface="+mn-cs"/>
-              </a:rPr>
-              <a:t>Static samplers can be written as part of the root signature in HLSL </a:t>
-            </a:r>
-            <a:r>
-              <a:rPr lang="en-US" altLang="zh-CN" sz="2400" b="0" i="0" kern="1200" dirty="0" err="1" smtClean="0">
-                <a:solidFill>
-                  <a:schemeClr val="tx1"/>
-                </a:solidFill>
-                <a:effectLst/>
-                <a:latin typeface="+mn-lt"/>
-                <a:ea typeface="+mn-ea"/>
-                <a:cs typeface="+mn-cs"/>
-              </a:rPr>
-              <a:t>shaders</a:t>
-            </a:r>
-            <a:r>
-              <a:rPr lang="en-US" altLang="zh-CN" sz="2400" b="0" i="0" kern="1200" dirty="0" smtClean="0">
-                <a:solidFill>
-                  <a:schemeClr val="tx1"/>
-                </a:solidFill>
-                <a:effectLst/>
-                <a:latin typeface="+mn-lt"/>
-                <a:ea typeface="+mn-ea"/>
-                <a:cs typeface="+mn-cs"/>
-              </a:rPr>
-              <a:t> (refer to </a:t>
-            </a:r>
-            <a:r>
-              <a:rPr lang="en-US" altLang="zh-CN" sz="2400" b="0" i="0" u="none" strike="noStrike" kern="1200" dirty="0" smtClean="0">
-                <a:solidFill>
-                  <a:schemeClr val="tx1"/>
-                </a:solidFill>
-                <a:effectLst/>
-                <a:latin typeface="+mn-lt"/>
-                <a:ea typeface="+mn-ea"/>
-                <a:cs typeface="+mn-cs"/>
-                <a:hlinkClick r:id="rId3"/>
-              </a:rPr>
-              <a:t>Specifying Root Signatures in HLSL</a:t>
-            </a:r>
-            <a:r>
-              <a:rPr lang="en-US" altLang="zh-CN" sz="2400" b="0" i="0" kern="1200" dirty="0" smtClean="0">
-                <a:solidFill>
-                  <a:schemeClr val="tx1"/>
-                </a:solidFill>
-                <a:effectLst/>
-                <a:latin typeface="+mn-lt"/>
-                <a:ea typeface="+mn-ea"/>
-                <a:cs typeface="+mn-cs"/>
-              </a:rPr>
-              <a:t>)</a:t>
-            </a:r>
-          </a:p>
-          <a:p>
-            <a:endParaRPr lang="en-US" altLang="zh-CN" sz="2400" b="0" i="0" kern="1200" dirty="0" smtClean="0">
-              <a:solidFill>
-                <a:schemeClr val="tx1"/>
-              </a:solidFill>
-              <a:effectLst/>
-              <a:latin typeface="+mn-lt"/>
-              <a:ea typeface="+mn-ea"/>
-              <a:cs typeface="+mn-cs"/>
-            </a:endParaRPr>
-          </a:p>
-          <a:p>
-            <a:pPr marL="0" marR="0" lvl="0" indent="0" algn="l" defTabSz="1828800" rtl="0" eaLnBrk="1" fontAlgn="auto" latinLnBrk="0" hangingPunct="1">
-              <a:lnSpc>
-                <a:spcPct val="100000"/>
-              </a:lnSpc>
-              <a:spcBef>
-                <a:spcPts val="0"/>
-              </a:spcBef>
-              <a:spcAft>
-                <a:spcPts val="0"/>
-              </a:spcAft>
-              <a:buClrTx/>
-              <a:buSzTx/>
-              <a:buFontTx/>
-              <a:buNone/>
-              <a:tabLst/>
-              <a:defRPr/>
-            </a:pPr>
-            <a:r>
-              <a:rPr lang="en-US" altLang="zh-CN" sz="2400" b="1" i="0" kern="1200" dirty="0" smtClean="0">
-                <a:solidFill>
-                  <a:schemeClr val="tx1"/>
-                </a:solidFill>
-                <a:effectLst/>
-                <a:latin typeface="+mn-lt"/>
-                <a:ea typeface="+mn-ea"/>
-                <a:cs typeface="+mn-cs"/>
-              </a:rPr>
-              <a:t>Hardware Tiers</a:t>
-            </a:r>
-            <a:endParaRPr lang="en-US" altLang="zh-CN" sz="2400" b="0" i="0" kern="1200" dirty="0" smtClean="0">
-              <a:solidFill>
-                <a:schemeClr val="tx1"/>
-              </a:solidFill>
-              <a:effectLst/>
-              <a:latin typeface="+mn-lt"/>
-              <a:ea typeface="+mn-ea"/>
-              <a:cs typeface="+mn-cs"/>
-            </a:endParaRPr>
-          </a:p>
-          <a:p>
+              <a:rPr lang="en-US" altLang="zh-CN" dirty="0" smtClean="0"/>
+              <a:t>d3dxbook\Chapter 9 Texturing\Crate </a:t>
+            </a:r>
+            <a:r>
+              <a:rPr lang="zh-CN" altLang="en-US" dirty="0" smtClean="0"/>
+              <a:t>示例</a:t>
+            </a:r>
             <a:endParaRPr lang="zh-CN" altLang="en-US" dirty="0"/>
           </a:p>
         </p:txBody>
@@ -4683,7 +4830,7 @@
     </p:spTree>
     <p:extLst>
       <p:ext uri="{BB962C8B-B14F-4D97-AF65-F5344CB8AC3E}">
-        <p14:creationId xmlns:p14="http://schemas.microsoft.com/office/powerpoint/2010/main" val="3434692922"/>
+        <p14:creationId xmlns:p14="http://schemas.microsoft.com/office/powerpoint/2010/main" val="333066843"/>
       </p:ext>
     </p:extLst>
   </p:cSld>
@@ -5722,15 +5869,6 @@
               </a:rPr>
               <a:t>Shader resources (such as textures, constant tables, images, buffers and so on) </a:t>
             </a:r>
-            <a:endParaRPr lang="en-US" altLang="zh-CN" sz="2400" b="0" i="0" kern="1200" dirty="0" smtClean="0">
-              <a:solidFill>
-                <a:schemeClr val="tx1"/>
-              </a:solidFill>
-              <a:effectLst/>
-              <a:latin typeface="+mn-lt"/>
-              <a:ea typeface="+mn-ea"/>
-              <a:cs typeface="+mn-cs"/>
-            </a:endParaRPr>
           </a:p>
           <a:p>
             <a:endParaRPr lang="en-US" altLang="zh-CN" sz="2400" b="0" i="0" kern="1200" dirty="0" smtClean="0">
@@ -6103,10 +6241,10 @@
                 <a:ea typeface="+mn-ea"/>
                 <a:cs typeface="+mn-cs"/>
               </a:rPr>
-              <a:t>The </a:t>
-            </a:r>
-            <a:r>
-              <a:rPr lang="en-US" altLang="zh-CN" sz="2400" b="0" i="0" kern="1200" dirty="0" smtClean="0">
+              <a:t>The main advantage of the D3D12 Binding Model is that it enables apps to change texture bindings frequently, without a huge CPU performance cost. Other benefits are that </a:t>
+            </a:r>
+            <a:r>
+              <a:rPr lang="en-US" altLang="zh-CN" sz="2400" b="0" i="0" kern="1200" dirty="0" err="1" smtClean="0">
                 <a:solidFill>
                   <a:schemeClr val="tx1"/>
                 </a:solidFill>
@@ -6115,7 +6253,7 @@
                 <a:ea typeface="+mn-ea"/>
                 <a:cs typeface="+mn-cs"/>
               </a:rPr>
-              <a:t>main advantage of the D3D12 Binding Model is that it enables apps to change texture bindings </a:t>
+              <a:t>shaders</a:t>
             </a:r>
             <a:r>
               <a:rPr lang="en-US" altLang="zh-CN" sz="2400" b="0" i="0" kern="1200" dirty="0" smtClean="0">
@@ -6127,10 +6265,10 @@
                 <a:ea typeface="+mn-ea"/>
                 <a:cs typeface="+mn-cs"/>
               </a:rPr>
-              <a:t>frequently</a:t>
-            </a:r>
-            <a:r>
-              <a:rPr lang="en-US" altLang="zh-CN" sz="2400" b="0" i="0" kern="1200" dirty="0" smtClean="0">
+              <a:t> have access to a very large number of resources, </a:t>
+            </a:r>
+            <a:r>
+              <a:rPr lang="en-US" altLang="zh-CN" sz="2400" b="0" i="0" kern="1200" dirty="0" err="1" smtClean="0">
                 <a:solidFill>
                   <a:schemeClr val="tx1"/>
                 </a:solidFill>
@@ -6139,10 +6277,10 @@
                 <a:ea typeface="+mn-ea"/>
                 <a:cs typeface="+mn-cs"/>
               </a:rPr>
-              <a:t>, without a huge CPU performance cost. Other benefits are that </a:t>
-            </a:r>
-            <a:r>
-              <a:rPr lang="en-US" altLang="zh-CN" sz="2400" b="0" i="0" kern="1200" dirty="0" err="1" smtClean="0">
+              <a:t>shaders</a:t>
+            </a:r>
+            <a:r>
+              <a:rPr lang="en-US" altLang="zh-CN" sz="2400" b="0" i="0" kern="1200" dirty="0" smtClean="0">
                 <a:solidFill>
                   <a:schemeClr val="tx1"/>
                 </a:solidFill>
@@ -6151,55 +6289,7 @@
                 <a:ea typeface="+mn-ea"/>
                 <a:cs typeface="+mn-cs"/>
               </a:rPr>
-              <a:t>shaders</a:t>
-            </a:r>
-            <a:r>
-              <a:rPr lang="en-US" altLang="zh-CN" sz="2400" b="0" i="0" kern="1200" dirty="0" smtClean="0">
-                <a:solidFill>
-                  <a:schemeClr val="tx1"/>
-                </a:solidFill>
-                <a:effectLst/>
-                <a:latin typeface="+mn-lt"/>
-                <a:ea typeface="+mn-ea"/>
-                <a:cs typeface="+mn-cs"/>
-              </a:rPr>
-              <a:t> have access to a very large number of resources, </a:t>
-            </a:r>
-            <a:r>
-              <a:rPr lang="en-US" altLang="zh-CN" sz="2400" b="0" i="0" kern="1200" dirty="0" err="1" smtClean="0">
-                <a:solidFill>
-                  <a:schemeClr val="tx1"/>
-                </a:solidFill>
-                <a:effectLst/>
-                <a:latin typeface="+mn-lt"/>
-                <a:ea typeface="+mn-ea"/>
-                <a:cs typeface="+mn-cs"/>
-              </a:rPr>
-              <a:t>shaders</a:t>
-            </a:r>
-            <a:r>
-              <a:rPr lang="en-US" altLang="zh-CN" sz="2400" b="0" i="0" kern="1200" dirty="0" smtClean="0">
-                <a:solidFill>
-                  <a:schemeClr val="tx1"/>
-                </a:solidFill>
-                <a:effectLst/>
-                <a:latin typeface="+mn-lt"/>
-                <a:ea typeface="+mn-ea"/>
-                <a:cs typeface="+mn-cs"/>
-              </a:rPr>
-              <a:t> need not know in advance how many resources will be bound, and that a unified resource binding model can be used regardless of hardware or the apps content flow</a:t>
-            </a:r>
-            <a:r>
-              <a:rPr lang="en-US" altLang="zh-CN" sz="2400" b="0" i="0" kern="1200" dirty="0" smtClean="0">
-                <a:solidFill>
-                  <a:schemeClr val="tx1"/>
-                </a:solidFill>
-                <a:effectLst/>
-                <a:latin typeface="+mn-lt"/>
-                <a:ea typeface="+mn-ea"/>
-                <a:cs typeface="+mn-cs"/>
-              </a:rPr>
-              <a:t>.</a:t>
+              <a:t> need not know in advance how many resources will be bound, and that a unified resource binding model can be used regardless of hardware or the apps content flow.</a:t>
             </a:r>
           </a:p>
           <a:p>
@@ -6224,19 +6314,7 @@
                 <a:ea typeface="+mn-ea"/>
                 <a:cs typeface="+mn-cs"/>
               </a:rPr>
-              <a:t>To </a:t>
-            </a:r>
-            <a:r>
-              <a:rPr lang="en-US" altLang="zh-CN" sz="2400" b="0" i="0" kern="1200" dirty="0" smtClean="0">
-                <a:solidFill>
-                  <a:schemeClr val="tx1"/>
-                </a:solidFill>
-                <a:effectLst/>
-                <a:latin typeface="+mn-lt"/>
-                <a:ea typeface="+mn-ea"/>
-                <a:cs typeface="+mn-cs"/>
-              </a:rPr>
-              <a:t>improve performance, the binding model does not require the system to keep track of what bindings an app has requested the GPU to use, and there is a clean integration between binding and multi-threaded command lists.</a:t>
+              <a:t>To improve performance, the binding model does not require the system to keep track of what bindings an app has requested the GPU to use, and there is a clean integration between binding and multi-threaded command lists.</a:t>
             </a:r>
           </a:p>
           <a:p>
@@ -12645,17 +12723,7 @@
                 <a:latin typeface="微软雅黑 Light" panose="020B0502040204020203" pitchFamily="34" charset="-122"/>
                 <a:ea typeface="微软雅黑 Light" panose="020B0502040204020203" pitchFamily="34" charset="-122"/>
               </a:rPr>
-              <a:t>exture </a:t>
-            </a:r>
-            <a:r>
-              <a:rPr lang="en-US" altLang="zh-CN" sz="3200" b="1" dirty="0" smtClean="0">
-                <a:solidFill>
-                  <a:srgbClr val="171717"/>
-                </a:solidFill>
-                <a:latin typeface="微软雅黑 Light" panose="020B0502040204020203" pitchFamily="34" charset="-122"/>
-                <a:ea typeface="微软雅黑 Light" panose="020B0502040204020203" pitchFamily="34" charset="-122"/>
-              </a:rPr>
-              <a:t>resource</a:t>
+              <a:t>exture resource</a:t>
             </a:r>
             <a:r>
               <a:rPr lang="zh-CN" altLang="en-US" sz="3200" b="1" dirty="0" smtClean="0">
@@ -12750,17 +12818,7 @@
                 <a:latin typeface="微软雅黑 Light" panose="020B0502040204020203" pitchFamily="34" charset="-122"/>
                 <a:ea typeface="微软雅黑 Light" panose="020B0502040204020203" pitchFamily="34" charset="-122"/>
               </a:rPr>
-              <a:t> </a:t>
-            </a:r>
-            <a:r>
-              <a:rPr lang="en-US" altLang="zh-CN" sz="3200" b="1" dirty="0" smtClean="0">
-                <a:solidFill>
-                  <a:srgbClr val="171717"/>
-                </a:solidFill>
-                <a:latin typeface="微软雅黑 Light" panose="020B0502040204020203" pitchFamily="34" charset="-122"/>
-                <a:ea typeface="微软雅黑 Light" panose="020B0502040204020203" pitchFamily="34" charset="-122"/>
-              </a:rPr>
-              <a:t>address, </a:t>
+              <a:t> address, </a:t>
             </a:r>
             <a:r>
               <a:rPr lang="en-US" altLang="zh-CN" sz="3200" b="1" dirty="0" err="1" smtClean="0">
@@ -13105,17 +13163,7 @@
                 <a:latin typeface="微软雅黑 Light" panose="020B0502040204020203" pitchFamily="34" charset="-122"/>
                 <a:ea typeface="微软雅黑 Light" panose="020B0502040204020203" pitchFamily="34" charset="-122"/>
               </a:rPr>
-              <a:t>Shader Visible Descriptor </a:t>
-            </a:r>
-            <a:r>
-              <a:rPr lang="en-US" altLang="zh-CN" sz="3200" b="1" dirty="0" smtClean="0">
-                <a:solidFill>
-                  <a:srgbClr val="171717"/>
-                </a:solidFill>
-                <a:latin typeface="微软雅黑 Light" panose="020B0502040204020203" pitchFamily="34" charset="-122"/>
-                <a:ea typeface="微软雅黑 Light" panose="020B0502040204020203" pitchFamily="34" charset="-122"/>
-              </a:rPr>
-              <a:t>Heaps</a:t>
+              <a:t>Shader Visible Descriptor Heaps</a:t>
             </a:r>
           </a:p>
           <a:p>
@@ -13249,15 +13297,18 @@
                 <a:latin typeface="微软雅黑 Light" panose="020B0502040204020203" pitchFamily="34" charset="-122"/>
                 <a:ea typeface="微软雅黑 Light" panose="020B0502040204020203" pitchFamily="34" charset="-122"/>
               </a:rPr>
-              <a:t>Size Limit</a:t>
-            </a:r>
-            <a:endParaRPr lang="en-US" altLang="zh-CN" sz="2800" b="1" dirty="0" smtClean="0">
-              <a:solidFill>
-                <a:srgbClr val="171717"/>
-              </a:solidFill>
-              <a:latin typeface="微软雅黑 Light" panose="020B0502040204020203" pitchFamily="34" charset="-122"/>
-              <a:ea typeface="微软雅黑 Light" panose="020B0502040204020203" pitchFamily="34" charset="-122"/>
-            </a:endParaRPr>
+              <a:t>Hardware Size </a:t>
+            </a:r>
+            <a:r>
+              <a:rPr lang="en-US" altLang="zh-CN" sz="2800" b="1" dirty="0" smtClean="0">
+                <a:solidFill>
+                  <a:srgbClr val="171717"/>
+                </a:solidFill>
+                <a:latin typeface="微软雅黑 Light" panose="020B0502040204020203" pitchFamily="34" charset="-122"/>
+                <a:ea typeface="微软雅黑 Light" panose="020B0502040204020203" pitchFamily="34" charset="-122"/>
+              </a:rPr>
+              <a:t>Limit</a:t>
+            </a:r>
           </a:p>
         </p:txBody>
       </p:sp>
@@ -13561,7 +13612,7 @@
         <p:spPr>
           <a:xfrm>
             <a:off x="2756485" y="4232124"/>
-            <a:ext cx="11578079" cy="584775"/>
+            <a:ext cx="11578079" cy="1908215"/>
           </a:xfrm>
           <a:prstGeom prst="rect">
             <a:avLst/>
@@ -13585,9 +13636,44 @@
                 <a:latin typeface="微软雅黑 Light" panose="020B0502040204020203" pitchFamily="34" charset="-122"/>
                 <a:ea typeface="微软雅黑 Light" panose="020B0502040204020203" pitchFamily="34" charset="-122"/>
               </a:rPr>
-              <a:t>Descriptor Heap Sub Allocation</a:t>
-            </a:r>
-            <a:endParaRPr lang="en-US" altLang="zh-CN" sz="3200" b="1" dirty="0">
+              <a:t>Descriptor Heap Sub </a:t>
+            </a:r>
+            <a:r>
+              <a:rPr lang="en-US" altLang="zh-CN" sz="3200" b="1" dirty="0" smtClean="0">
+                <a:latin typeface="微软雅黑 Light" panose="020B0502040204020203" pitchFamily="34" charset="-122"/>
+                <a:ea typeface="微软雅黑 Light" panose="020B0502040204020203" pitchFamily="34" charset="-122"/>
+              </a:rPr>
+              <a:t>Allocation</a:t>
+            </a:r>
+          </a:p>
+          <a:p>
+            <a:pPr lvl="1">
+              <a:spcBef>
+                <a:spcPts val="1800"/>
+              </a:spcBef>
+            </a:pPr>
+            <a:r>
+              <a:rPr lang="en-US" altLang="zh-CN" sz="2800" b="1" dirty="0" smtClean="0">
+                <a:latin typeface="微软雅黑 Light" panose="020B0502040204020203" pitchFamily="34" charset="-122"/>
+                <a:ea typeface="微软雅黑 Light" panose="020B0502040204020203" pitchFamily="34" charset="-122"/>
+              </a:rPr>
+              <a:t>DX11 Separate Buffers for Different Resource Types</a:t>
+            </a:r>
+          </a:p>
+          <a:p>
+            <a:pPr lvl="1">
+              <a:spcBef>
+                <a:spcPts val="1800"/>
+              </a:spcBef>
+            </a:pPr>
+            <a:r>
+              <a:rPr lang="en-US" altLang="zh-CN" sz="2800" b="1" dirty="0" smtClean="0">
+                <a:latin typeface="微软雅黑 Light" panose="020B0502040204020203" pitchFamily="34" charset="-122"/>
+                <a:ea typeface="微软雅黑 Light" panose="020B0502040204020203" pitchFamily="34" charset="-122"/>
+              </a:rPr>
+              <a:t>DX12 One Buffer to Accommodate Different Resource Types</a:t>
+            </a:r>
+            <a:endParaRPr lang="en-US" altLang="zh-CN" sz="2800" b="1" dirty="0">
               <a:latin typeface="微软雅黑 Light" panose="020B0502040204020203" pitchFamily="34" charset="-122"/>
               <a:ea typeface="微软雅黑 Light" panose="020B0502040204020203" pitchFamily="34" charset="-122"/>
             </a:endParaRPr>
@@ -14340,7 +14426,7 @@
         <p:spPr>
           <a:xfrm>
             <a:off x="2756485" y="4232124"/>
-            <a:ext cx="11578079" cy="3416320"/>
+            <a:ext cx="11076247" cy="3354765"/>
           </a:xfrm>
           <a:prstGeom prst="rect">
             <a:avLst/>
@@ -14353,247 +14439,282 @@
           <a:lstStyle/>
           <a:p>
             <a:pPr marL="742950" indent="-742950">
+              <a:spcBef>
+                <a:spcPts val="1200"/>
+              </a:spcBef>
               <a:buAutoNum type="arabicPeriod"/>
             </a:pPr>
             <a:r>
-              <a:rPr lang="zh-CN" altLang="en-US" b="1" dirty="0" smtClean="0">
+              <a:rPr lang="zh-CN" altLang="en-US" sz="3200" b="1" dirty="0" smtClean="0">
                 <a:solidFill>
                   <a:srgbClr val="171717"/>
                 </a:solidFill>
-                <a:latin typeface="Segoe UI" panose="020B0502040204020203" pitchFamily="34" charset="0"/>
+                <a:latin typeface="微软雅黑 Light" panose="020B0502040204020203" pitchFamily="34" charset="-122"/>
+                <a:ea typeface="微软雅黑 Light" panose="020B0502040204020203" pitchFamily="34" charset="-122"/>
               </a:rPr>
               <a:t>保存的是</a:t>
             </a:r>
             <a:r>
-              <a:rPr lang="en-US" altLang="zh-CN" b="1" dirty="0" smtClean="0">
+              <a:rPr lang="en-US" altLang="zh-CN" sz="3200" b="1" dirty="0" smtClean="0">
                 <a:solidFill>
                   <a:srgbClr val="171717"/>
                 </a:solidFill>
-                <a:latin typeface="Segoe UI" panose="020B0502040204020203" pitchFamily="34" charset="0"/>
+                <a:latin typeface="微软雅黑 Light" panose="020B0502040204020203" pitchFamily="34" charset="-122"/>
+                <a:ea typeface="微软雅黑 Light" panose="020B0502040204020203" pitchFamily="34" charset="-122"/>
               </a:rPr>
               <a:t>Descriptor Heap</a:t>
             </a:r>
             <a:r>
-              <a:rPr lang="zh-CN" altLang="en-US" b="1" dirty="0" smtClean="0">
+              <a:rPr lang="zh-CN" altLang="en-US" sz="3200" b="1" dirty="0" smtClean="0">
                 <a:solidFill>
                   <a:srgbClr val="171717"/>
                 </a:solidFill>
-                <a:latin typeface="Segoe UI" panose="020B0502040204020203" pitchFamily="34" charset="0"/>
+                <a:latin typeface="微软雅黑 Light" panose="020B0502040204020203" pitchFamily="34" charset="-122"/>
+                <a:ea typeface="微软雅黑 Light" panose="020B0502040204020203" pitchFamily="34" charset="-122"/>
               </a:rPr>
               <a:t>上的一段</a:t>
             </a:r>
             <a:r>
-              <a:rPr lang="en-US" altLang="zh-CN" b="1" dirty="0" smtClean="0">
+              <a:rPr lang="en-US" altLang="zh-CN" sz="3200" b="1" dirty="0" smtClean="0">
                 <a:solidFill>
                   <a:srgbClr val="171717"/>
                 </a:solidFill>
-                <a:latin typeface="Segoe UI" panose="020B0502040204020203" pitchFamily="34" charset="0"/>
+                <a:latin typeface="微软雅黑 Light" panose="020B0502040204020203" pitchFamily="34" charset="-122"/>
+                <a:ea typeface="微软雅黑 Light" panose="020B0502040204020203" pitchFamily="34" charset="-122"/>
               </a:rPr>
               <a:t>Descriptors </a:t>
             </a:r>
             <a:r>
-              <a:rPr lang="zh-CN" altLang="en-US" b="1" dirty="0" smtClean="0">
+              <a:rPr lang="zh-CN" altLang="en-US" sz="3200" b="1" dirty="0" smtClean="0">
                 <a:solidFill>
                   <a:srgbClr val="171717"/>
                 </a:solidFill>
-                <a:latin typeface="Segoe UI" panose="020B0502040204020203" pitchFamily="34" charset="0"/>
+                <a:latin typeface="微软雅黑 Light" panose="020B0502040204020203" pitchFamily="34" charset="-122"/>
+                <a:ea typeface="微软雅黑 Light" panose="020B0502040204020203" pitchFamily="34" charset="-122"/>
               </a:rPr>
               <a:t>索引（</a:t>
             </a:r>
             <a:r>
-              <a:rPr lang="en-US" altLang="zh-CN" b="1" dirty="0" smtClean="0">
+              <a:rPr lang="en-US" altLang="zh-CN" sz="3200" b="1" dirty="0" smtClean="0">
                 <a:solidFill>
                   <a:srgbClr val="171717"/>
                 </a:solidFill>
-                <a:latin typeface="Segoe UI" panose="020B0502040204020203" pitchFamily="34" charset="0"/>
+                <a:latin typeface="微软雅黑 Light" panose="020B0502040204020203" pitchFamily="34" charset="-122"/>
+                <a:ea typeface="微软雅黑 Light" panose="020B0502040204020203" pitchFamily="34" charset="-122"/>
               </a:rPr>
               <a:t>Offset + Length</a:t>
             </a:r>
             <a:r>
-              <a:rPr lang="zh-CN" altLang="en-US" b="1" dirty="0" smtClean="0">
+              <a:rPr lang="zh-CN" altLang="en-US" sz="3200" b="1" dirty="0" smtClean="0">
                 <a:solidFill>
                   <a:srgbClr val="171717"/>
                 </a:solidFill>
-                <a:latin typeface="Segoe UI" panose="020B0502040204020203" pitchFamily="34" charset="0"/>
+                <a:latin typeface="微软雅黑 Light" panose="020B0502040204020203" pitchFamily="34" charset="-122"/>
+                <a:ea typeface="微软雅黑 Light" panose="020B0502040204020203" pitchFamily="34" charset="-122"/>
               </a:rPr>
               <a:t>）</a:t>
             </a:r>
-            <a:endParaRPr lang="en-US" altLang="zh-CN" b="1" dirty="0" smtClean="0">
+            <a:endParaRPr lang="en-US" altLang="zh-CN" sz="3200" b="1" dirty="0" smtClean="0">
               <a:solidFill>
                 <a:srgbClr val="171717"/>
               </a:solidFill>
-              <a:latin typeface="Segoe UI" panose="020B0502040204020203" pitchFamily="34" charset="0"/>
+              <a:latin typeface="微软雅黑 Light" panose="020B0502040204020203" pitchFamily="34" charset="-122"/>
+              <a:ea typeface="微软雅黑 Light" panose="020B0502040204020203" pitchFamily="34" charset="-122"/>
             </a:endParaRPr>
           </a:p>
           <a:p>
             <a:pPr marL="742950" indent="-742950">
+              <a:spcBef>
+                <a:spcPts val="1200"/>
+              </a:spcBef>
               <a:buFontTx/>
               <a:buAutoNum type="arabicPeriod"/>
             </a:pPr>
             <a:r>
-              <a:rPr lang="zh-CN" altLang="en-US" b="1" dirty="0" smtClean="0">
+              <a:rPr lang="zh-CN" altLang="en-US" sz="3200" b="1" dirty="0" smtClean="0">
                 <a:solidFill>
                   <a:srgbClr val="171717"/>
                 </a:solidFill>
-                <a:latin typeface="Segoe UI" panose="020B0502040204020203" pitchFamily="34" charset="0"/>
+                <a:latin typeface="微软雅黑 Light" panose="020B0502040204020203" pitchFamily="34" charset="-122"/>
+                <a:ea typeface="微软雅黑 Light" panose="020B0502040204020203" pitchFamily="34" charset="-122"/>
               </a:rPr>
               <a:t>图形管线使用</a:t>
             </a:r>
             <a:r>
-              <a:rPr lang="en-US" altLang="zh-CN" b="1" dirty="0" smtClean="0">
+              <a:rPr lang="en-US" altLang="zh-CN" sz="3200" b="1" dirty="0" smtClean="0">
                 <a:solidFill>
                   <a:srgbClr val="171717"/>
                 </a:solidFill>
-                <a:latin typeface="Segoe UI" panose="020B0502040204020203" pitchFamily="34" charset="0"/>
+                <a:latin typeface="微软雅黑 Light" panose="020B0502040204020203" pitchFamily="34" charset="-122"/>
+                <a:ea typeface="微软雅黑 Light" panose="020B0502040204020203" pitchFamily="34" charset="-122"/>
               </a:rPr>
               <a:t>Descriptor</a:t>
             </a:r>
             <a:r>
-              <a:rPr lang="zh-CN" altLang="en-US" b="1" dirty="0" smtClean="0">
+              <a:rPr lang="zh-CN" altLang="en-US" sz="3200" b="1" dirty="0" smtClean="0">
                 <a:solidFill>
                   <a:srgbClr val="171717"/>
                 </a:solidFill>
-                <a:latin typeface="Segoe UI" panose="020B0502040204020203" pitchFamily="34" charset="0"/>
+                <a:latin typeface="微软雅黑 Light" panose="020B0502040204020203" pitchFamily="34" charset="-122"/>
+                <a:ea typeface="微软雅黑 Light" panose="020B0502040204020203" pitchFamily="34" charset="-122"/>
               </a:rPr>
               <a:t>的索引访问</a:t>
             </a:r>
             <a:r>
-              <a:rPr lang="en-US" altLang="zh-CN" b="1" dirty="0" smtClean="0">
+              <a:rPr lang="en-US" altLang="zh-CN" sz="3200" b="1" dirty="0" smtClean="0">
                 <a:solidFill>
                   <a:srgbClr val="171717"/>
                 </a:solidFill>
-                <a:latin typeface="Segoe UI" panose="020B0502040204020203" pitchFamily="34" charset="0"/>
+                <a:latin typeface="微软雅黑 Light" panose="020B0502040204020203" pitchFamily="34" charset="-122"/>
+                <a:ea typeface="微软雅黑 Light" panose="020B0502040204020203" pitchFamily="34" charset="-122"/>
               </a:rPr>
               <a:t>Resource</a:t>
             </a:r>
           </a:p>
           <a:p>
             <a:pPr marL="742950" indent="-742950">
+              <a:spcBef>
+                <a:spcPts val="1200"/>
+              </a:spcBef>
               <a:buFontTx/>
               <a:buAutoNum type="arabicPeriod"/>
             </a:pPr>
             <a:r>
-              <a:rPr lang="zh-CN" altLang="en-US" b="1" dirty="0" smtClean="0">
+              <a:rPr lang="zh-CN" altLang="en-US" sz="3200" b="1" dirty="0" smtClean="0">
                 <a:solidFill>
                   <a:srgbClr val="171717"/>
                 </a:solidFill>
-                <a:latin typeface="Segoe UI" panose="020B0502040204020203" pitchFamily="34" charset="0"/>
+                <a:latin typeface="微软雅黑 Light" panose="020B0502040204020203" pitchFamily="34" charset="-122"/>
+                <a:ea typeface="微软雅黑 Light" panose="020B0502040204020203" pitchFamily="34" charset="-122"/>
               </a:rPr>
               <a:t>所以，与</a:t>
             </a:r>
             <a:r>
-              <a:rPr lang="en-US" altLang="zh-CN" b="1" dirty="0" smtClean="0">
+              <a:rPr lang="en-US" altLang="zh-CN" sz="3200" b="1" dirty="0" smtClean="0">
                 <a:solidFill>
                   <a:srgbClr val="171717"/>
                 </a:solidFill>
-                <a:latin typeface="Segoe UI" panose="020B0502040204020203" pitchFamily="34" charset="0"/>
+                <a:latin typeface="微软雅黑 Light" panose="020B0502040204020203" pitchFamily="34" charset="-122"/>
+                <a:ea typeface="微软雅黑 Light" panose="020B0502040204020203" pitchFamily="34" charset="-122"/>
               </a:rPr>
               <a:t>Root Signature</a:t>
             </a:r>
             <a:r>
-              <a:rPr lang="zh-CN" altLang="en-US" b="1" dirty="0" smtClean="0">
+              <a:rPr lang="zh-CN" altLang="en-US" sz="3200" b="1" dirty="0" smtClean="0">
                 <a:solidFill>
                   <a:srgbClr val="171717"/>
                 </a:solidFill>
-                <a:latin typeface="Segoe UI" panose="020B0502040204020203" pitchFamily="34" charset="0"/>
+                <a:latin typeface="微软雅黑 Light" panose="020B0502040204020203" pitchFamily="34" charset="-122"/>
+                <a:ea typeface="微软雅黑 Light" panose="020B0502040204020203" pitchFamily="34" charset="-122"/>
               </a:rPr>
               <a:t>和</a:t>
             </a:r>
             <a:r>
-              <a:rPr lang="en-US" altLang="zh-CN" b="1" dirty="0" smtClean="0">
+              <a:rPr lang="en-US" altLang="zh-CN" sz="3200" b="1" dirty="0" smtClean="0">
                 <a:solidFill>
                   <a:srgbClr val="171717"/>
                 </a:solidFill>
-                <a:latin typeface="Segoe UI" panose="020B0502040204020203" pitchFamily="34" charset="0"/>
+                <a:latin typeface="微软雅黑 Light" panose="020B0502040204020203" pitchFamily="34" charset="-122"/>
+                <a:ea typeface="微软雅黑 Light" panose="020B0502040204020203" pitchFamily="34" charset="-122"/>
               </a:rPr>
               <a:t>Shader</a:t>
             </a:r>
             <a:r>
-              <a:rPr lang="zh-CN" altLang="en-US" b="1" dirty="0" smtClean="0">
+              <a:rPr lang="zh-CN" altLang="en-US" sz="3200" b="1" dirty="0" smtClean="0">
                 <a:solidFill>
                   <a:srgbClr val="171717"/>
                 </a:solidFill>
-                <a:latin typeface="Segoe UI" panose="020B0502040204020203" pitchFamily="34" charset="0"/>
+                <a:latin typeface="微软雅黑 Light" panose="020B0502040204020203" pitchFamily="34" charset="-122"/>
+                <a:ea typeface="微软雅黑 Light" panose="020B0502040204020203" pitchFamily="34" charset="-122"/>
               </a:rPr>
               <a:t>关联性；</a:t>
             </a:r>
             <a:r>
-              <a:rPr lang="en-US" altLang="zh-CN" b="1" dirty="0" smtClean="0">
+              <a:rPr lang="en-US" altLang="zh-CN" sz="3200" b="1" dirty="0" smtClean="0">
                 <a:solidFill>
                   <a:srgbClr val="171717"/>
                 </a:solidFill>
-                <a:latin typeface="Segoe UI" panose="020B0502040204020203" pitchFamily="34" charset="0"/>
+                <a:latin typeface="微软雅黑 Light" panose="020B0502040204020203" pitchFamily="34" charset="-122"/>
+                <a:ea typeface="微软雅黑 Light" panose="020B0502040204020203" pitchFamily="34" charset="-122"/>
               </a:rPr>
               <a:t>graphics pipeline</a:t>
             </a:r>
             <a:r>
-              <a:rPr lang="zh-CN" altLang="en-US" b="1" dirty="0" smtClean="0">
+              <a:rPr lang="zh-CN" altLang="en-US" sz="3200" b="1" dirty="0" smtClean="0">
                 <a:solidFill>
                   <a:srgbClr val="171717"/>
                 </a:solidFill>
-                <a:latin typeface="Segoe UI" panose="020B0502040204020203" pitchFamily="34" charset="0"/>
+                <a:latin typeface="微软雅黑 Light" panose="020B0502040204020203" pitchFamily="34" charset="-122"/>
+                <a:ea typeface="微软雅黑 Light" panose="020B0502040204020203" pitchFamily="34" charset="-122"/>
               </a:rPr>
               <a:t>通过</a:t>
             </a:r>
             <a:r>
-              <a:rPr lang="en-US" altLang="zh-CN" b="1" dirty="0" smtClean="0">
+              <a:rPr lang="en-US" altLang="zh-CN" sz="3200" b="1" dirty="0" smtClean="0">
                 <a:solidFill>
                   <a:srgbClr val="171717"/>
                 </a:solidFill>
-                <a:latin typeface="Segoe UI" panose="020B0502040204020203" pitchFamily="34" charset="0"/>
+                <a:latin typeface="微软雅黑 Light" panose="020B0502040204020203" pitchFamily="34" charset="-122"/>
+                <a:ea typeface="微软雅黑 Light" panose="020B0502040204020203" pitchFamily="34" charset="-122"/>
               </a:rPr>
               <a:t>Root Signature</a:t>
             </a:r>
             <a:r>
-              <a:rPr lang="zh-CN" altLang="en-US" b="1" dirty="0" smtClean="0">
+              <a:rPr lang="zh-CN" altLang="en-US" sz="3200" b="1" dirty="0" smtClean="0">
                 <a:solidFill>
                   <a:srgbClr val="171717"/>
                 </a:solidFill>
-                <a:latin typeface="Segoe UI" panose="020B0502040204020203" pitchFamily="34" charset="0"/>
+                <a:latin typeface="微软雅黑 Light" panose="020B0502040204020203" pitchFamily="34" charset="-122"/>
+                <a:ea typeface="微软雅黑 Light" panose="020B0502040204020203" pitchFamily="34" charset="-122"/>
               </a:rPr>
               <a:t>使用</a:t>
             </a:r>
             <a:r>
-              <a:rPr lang="en-US" altLang="zh-CN" b="1" dirty="0" smtClean="0">
+              <a:rPr lang="en-US" altLang="zh-CN" sz="3200" b="1" dirty="0" smtClean="0">
                 <a:solidFill>
                   <a:srgbClr val="171717"/>
                 </a:solidFill>
-                <a:latin typeface="Segoe UI" panose="020B0502040204020203" pitchFamily="34" charset="0"/>
+                <a:latin typeface="微软雅黑 Light" panose="020B0502040204020203" pitchFamily="34" charset="-122"/>
+                <a:ea typeface="微软雅黑 Light" panose="020B0502040204020203" pitchFamily="34" charset="-122"/>
               </a:rPr>
               <a:t>Descriptor Table</a:t>
             </a:r>
             <a:r>
-              <a:rPr lang="zh-CN" altLang="en-US" b="1" dirty="0" smtClean="0">
+              <a:rPr lang="zh-CN" altLang="en-US" sz="3200" b="1" dirty="0" smtClean="0">
                 <a:solidFill>
                   <a:srgbClr val="171717"/>
                 </a:solidFill>
-                <a:latin typeface="Segoe UI" panose="020B0502040204020203" pitchFamily="34" charset="0"/>
+                <a:latin typeface="微软雅黑 Light" panose="020B0502040204020203" pitchFamily="34" charset="-122"/>
+                <a:ea typeface="微软雅黑 Light" panose="020B0502040204020203" pitchFamily="34" charset="-122"/>
               </a:rPr>
               <a:t>，给管线访问</a:t>
             </a:r>
             <a:r>
-              <a:rPr lang="en-US" altLang="zh-CN" b="1" dirty="0" smtClean="0">
+              <a:rPr lang="en-US" altLang="zh-CN" sz="3200" b="1" dirty="0" smtClean="0">
                 <a:solidFill>
                   <a:srgbClr val="171717"/>
                 </a:solidFill>
-                <a:latin typeface="Segoe UI" panose="020B0502040204020203" pitchFamily="34" charset="0"/>
+                <a:latin typeface="微软雅黑 Light" panose="020B0502040204020203" pitchFamily="34" charset="-122"/>
+                <a:ea typeface="微软雅黑 Light" panose="020B0502040204020203" pitchFamily="34" charset="-122"/>
               </a:rPr>
               <a:t>resource</a:t>
             </a:r>
             <a:r>
-              <a:rPr lang="zh-CN" altLang="en-US" b="1" dirty="0" smtClean="0">
+              <a:rPr lang="zh-CN" altLang="en-US" sz="3200" b="1" dirty="0" smtClean="0">
                 <a:solidFill>
                   <a:srgbClr val="171717"/>
                 </a:solidFill>
-                <a:latin typeface="Segoe UI" panose="020B0502040204020203" pitchFamily="34" charset="0"/>
+                <a:latin typeface="微软雅黑 Light" panose="020B0502040204020203" pitchFamily="34" charset="-122"/>
+                <a:ea typeface="微软雅黑 Light" panose="020B0502040204020203" pitchFamily="34" charset="-122"/>
               </a:rPr>
               <a:t>的权限</a:t>
             </a:r>
-            <a:endParaRPr lang="en-US" altLang="zh-CN" b="1" dirty="0" smtClean="0">
+            <a:endParaRPr lang="en-US" altLang="zh-CN" sz="3200" b="1" dirty="0" smtClean="0">
               <a:solidFill>
                 <a:srgbClr val="171717"/>
               </a:solidFill>
-              <a:latin typeface="Segoe UI" panose="020B0502040204020203" pitchFamily="34" charset="0"/>
+              <a:latin typeface="微软雅黑 Light" panose="020B0502040204020203" pitchFamily="34" charset="-122"/>
+              <a:ea typeface="微软雅黑 Light" panose="020B0502040204020203" pitchFamily="34" charset="-122"/>
             </a:endParaRPr>
           </a:p>
         </p:txBody>
@@ -14873,8 +14994,8 @@
         </p:nvSpPr>
         <p:spPr>
           <a:xfrm>
-            <a:off x="2756485" y="4232124"/>
-            <a:ext cx="11578079" cy="1200329"/>
+            <a:off x="2756486" y="4141781"/>
+            <a:ext cx="11578079" cy="1231106"/>
           </a:xfrm>
           <a:prstGeom prst="rect">
             <a:avLst/>
@@ -14887,80 +15008,94 @@
           <a:lstStyle/>
           <a:p>
             <a:pPr marL="742950" indent="-742950">
+              <a:spcBef>
+                <a:spcPts val="1200"/>
+              </a:spcBef>
               <a:buFontTx/>
               <a:buAutoNum type="arabicPeriod"/>
             </a:pPr>
             <a:r>
-              <a:rPr lang="zh-CN" altLang="en-US" b="1" dirty="0" smtClean="0">
+              <a:rPr lang="zh-CN" altLang="en-US" sz="3200" b="1" dirty="0" smtClean="0">
                 <a:solidFill>
                   <a:srgbClr val="171717"/>
                 </a:solidFill>
-                <a:latin typeface="Segoe UI" panose="020B0502040204020203" pitchFamily="34" charset="0"/>
+                <a:latin typeface="微软雅黑 Light" panose="020B0502040204020203" pitchFamily="34" charset="-122"/>
+                <a:ea typeface="微软雅黑 Light" panose="020B0502040204020203" pitchFamily="34" charset="-122"/>
               </a:rPr>
               <a:t>是否是</a:t>
             </a:r>
             <a:r>
-              <a:rPr lang="en-US" altLang="zh-CN" b="1" dirty="0" smtClean="0">
+              <a:rPr lang="en-US" altLang="zh-CN" sz="3200" b="1" dirty="0" smtClean="0">
                 <a:solidFill>
                   <a:srgbClr val="171717"/>
                 </a:solidFill>
-                <a:latin typeface="Segoe UI" panose="020B0502040204020203" pitchFamily="34" charset="0"/>
+                <a:latin typeface="微软雅黑 Light" panose="020B0502040204020203" pitchFamily="34" charset="-122"/>
+                <a:ea typeface="微软雅黑 Light" panose="020B0502040204020203" pitchFamily="34" charset="-122"/>
               </a:rPr>
               <a:t>Memory Allocation</a:t>
             </a:r>
             <a:r>
-              <a:rPr lang="zh-CN" altLang="en-US" b="1" dirty="0" smtClean="0">
+              <a:rPr lang="zh-CN" altLang="en-US" sz="3200" b="1" dirty="0" smtClean="0">
                 <a:solidFill>
                   <a:srgbClr val="171717"/>
                 </a:solidFill>
-                <a:latin typeface="Segoe UI" panose="020B0502040204020203" pitchFamily="34" charset="0"/>
+                <a:latin typeface="微软雅黑 Light" panose="020B0502040204020203" pitchFamily="34" charset="-122"/>
+                <a:ea typeface="微软雅黑 Light" panose="020B0502040204020203" pitchFamily="34" charset="-122"/>
               </a:rPr>
               <a:t>？</a:t>
             </a:r>
-            <a:endParaRPr lang="en-US" altLang="zh-CN" b="1" dirty="0" smtClean="0">
+            <a:endParaRPr lang="en-US" altLang="zh-CN" sz="3200" b="1" dirty="0" smtClean="0">
               <a:solidFill>
                 <a:srgbClr val="171717"/>
               </a:solidFill>
-              <a:latin typeface="Segoe UI" panose="020B0502040204020203" pitchFamily="34" charset="0"/>
+              <a:latin typeface="微软雅黑 Light" panose="020B0502040204020203" pitchFamily="34" charset="-122"/>
+              <a:ea typeface="微软雅黑 Light" panose="020B0502040204020203" pitchFamily="34" charset="-122"/>
             </a:endParaRPr>
           </a:p>
           <a:p>
             <a:pPr marL="742950" indent="-742950">
+              <a:spcBef>
+                <a:spcPts val="1200"/>
+              </a:spcBef>
               <a:buFontTx/>
               <a:buAutoNum type="arabicPeriod"/>
             </a:pPr>
             <a:r>
-              <a:rPr lang="zh-CN" altLang="en-US" b="1" dirty="0" smtClean="0">
+              <a:rPr lang="zh-CN" altLang="en-US" sz="3200" b="1" dirty="0" smtClean="0">
                 <a:solidFill>
                   <a:srgbClr val="171717"/>
                 </a:solidFill>
-                <a:latin typeface="Segoe UI" panose="020B0502040204020203" pitchFamily="34" charset="0"/>
+                <a:latin typeface="微软雅黑 Light" panose="020B0502040204020203" pitchFamily="34" charset="-122"/>
+                <a:ea typeface="微软雅黑 Light" panose="020B0502040204020203" pitchFamily="34" charset="-122"/>
               </a:rPr>
               <a:t>与</a:t>
             </a:r>
             <a:r>
-              <a:rPr lang="en-US" altLang="zh-CN" b="1" dirty="0" smtClean="0">
+              <a:rPr lang="en-US" altLang="zh-CN" sz="3200" b="1" dirty="0" smtClean="0">
                 <a:solidFill>
                   <a:srgbClr val="171717"/>
                 </a:solidFill>
-                <a:latin typeface="Segoe UI" panose="020B0502040204020203" pitchFamily="34" charset="0"/>
+                <a:latin typeface="微软雅黑 Light" panose="020B0502040204020203" pitchFamily="34" charset="-122"/>
+                <a:ea typeface="微软雅黑 Light" panose="020B0502040204020203" pitchFamily="34" charset="-122"/>
               </a:rPr>
               <a:t>Graphics pipeline</a:t>
             </a:r>
             <a:r>
-              <a:rPr lang="zh-CN" altLang="en-US" b="1" dirty="0" smtClean="0">
+              <a:rPr lang="zh-CN" altLang="en-US" sz="3200" b="1" dirty="0" smtClean="0">
                 <a:solidFill>
                   <a:srgbClr val="171717"/>
                 </a:solidFill>
-                <a:latin typeface="Segoe UI" panose="020B0502040204020203" pitchFamily="34" charset="0"/>
+                <a:latin typeface="微软雅黑 Light" panose="020B0502040204020203" pitchFamily="34" charset="-122"/>
+                <a:ea typeface="微软雅黑 Light" panose="020B0502040204020203" pitchFamily="34" charset="-122"/>
               </a:rPr>
               <a:t>的关联性</a:t>
             </a:r>
-            <a:endParaRPr lang="en-US" altLang="zh-CN" b="1" dirty="0" smtClean="0">
+            <a:endParaRPr lang="en-US" altLang="zh-CN" sz="3200" b="1" dirty="0" smtClean="0">
               <a:solidFill>
                 <a:srgbClr val="171717"/>
               </a:solidFill>
-              <a:latin typeface="Segoe UI" panose="020B0502040204020203" pitchFamily="34" charset="0"/>
+              <a:latin typeface="微软雅黑 Light" panose="020B0502040204020203" pitchFamily="34" charset="-122"/>
+              <a:ea typeface="微软雅黑 Light" panose="020B0502040204020203" pitchFamily="34" charset="-122"/>
             </a:endParaRPr>
           </a:p>
         </p:txBody>
@@ -15973,7 +16108,7 @@
         <p:spPr>
           <a:xfrm>
             <a:off x="2379968" y="4278140"/>
-            <a:ext cx="11578079" cy="2308324"/>
+            <a:ext cx="11578079" cy="2369880"/>
           </a:xfrm>
           <a:prstGeom prst="rect">
             <a:avLst/>
@@ -15986,164 +16121,190 @@
           <a:lstStyle/>
           <a:p>
             <a:pPr marL="742950" indent="-742950">
+              <a:spcBef>
+                <a:spcPts val="1200"/>
+              </a:spcBef>
               <a:buFontTx/>
               <a:buAutoNum type="arabicPeriod"/>
             </a:pPr>
             <a:r>
-              <a:rPr lang="en-US" altLang="zh-CN" b="1" dirty="0" smtClean="0">
+              <a:rPr lang="en-US" altLang="zh-CN" sz="3200" b="1" dirty="0" smtClean="0">
                 <a:solidFill>
                   <a:srgbClr val="171717"/>
                 </a:solidFill>
-                <a:latin typeface="Segoe UI" panose="020B0502040204020203" pitchFamily="34" charset="0"/>
+                <a:latin typeface="微软雅黑 Light" panose="020B0502040204020203" pitchFamily="34" charset="-122"/>
+                <a:ea typeface="微软雅黑 Light" panose="020B0502040204020203" pitchFamily="34" charset="-122"/>
               </a:rPr>
               <a:t>App</a:t>
             </a:r>
             <a:r>
-              <a:rPr lang="zh-CN" altLang="en-US" b="1" dirty="0" smtClean="0">
+              <a:rPr lang="zh-CN" altLang="en-US" sz="3200" b="1" dirty="0" smtClean="0">
                 <a:solidFill>
                   <a:srgbClr val="171717"/>
                 </a:solidFill>
-                <a:latin typeface="Segoe UI" panose="020B0502040204020203" pitchFamily="34" charset="0"/>
+                <a:latin typeface="微软雅黑 Light" panose="020B0502040204020203" pitchFamily="34" charset="-122"/>
+                <a:ea typeface="微软雅黑 Light" panose="020B0502040204020203" pitchFamily="34" charset="-122"/>
               </a:rPr>
               <a:t>层配置</a:t>
             </a:r>
             <a:r>
-              <a:rPr lang="en-US" altLang="zh-CN" b="1" dirty="0" smtClean="0">
+              <a:rPr lang="en-US" altLang="zh-CN" sz="3200" b="1" dirty="0" smtClean="0">
                 <a:solidFill>
                   <a:srgbClr val="171717"/>
                 </a:solidFill>
-                <a:latin typeface="Segoe UI" panose="020B0502040204020203" pitchFamily="34" charset="0"/>
+                <a:latin typeface="微软雅黑 Light" panose="020B0502040204020203" pitchFamily="34" charset="-122"/>
+                <a:ea typeface="微软雅黑 Light" panose="020B0502040204020203" pitchFamily="34" charset="-122"/>
               </a:rPr>
               <a:t>; </a:t>
             </a:r>
             <a:r>
-              <a:rPr lang="zh-CN" altLang="en-US" b="1" dirty="0" smtClean="0">
+              <a:rPr lang="zh-CN" altLang="en-US" sz="3200" b="1" dirty="0" smtClean="0">
                 <a:solidFill>
                   <a:srgbClr val="171717"/>
                 </a:solidFill>
-                <a:latin typeface="Segoe UI" panose="020B0502040204020203" pitchFamily="34" charset="0"/>
+                <a:latin typeface="微软雅黑 Light" panose="020B0502040204020203" pitchFamily="34" charset="-122"/>
+                <a:ea typeface="微软雅黑 Light" panose="020B0502040204020203" pitchFamily="34" charset="-122"/>
               </a:rPr>
               <a:t>定义</a:t>
             </a:r>
             <a:r>
-              <a:rPr lang="en-US" altLang="zh-CN" b="1" dirty="0" smtClean="0">
+              <a:rPr lang="en-US" altLang="zh-CN" sz="3200" b="1" dirty="0" smtClean="0">
                 <a:solidFill>
                   <a:srgbClr val="171717"/>
                 </a:solidFill>
-                <a:latin typeface="Segoe UI" panose="020B0502040204020203" pitchFamily="34" charset="0"/>
+                <a:latin typeface="微软雅黑 Light" panose="020B0502040204020203" pitchFamily="34" charset="-122"/>
+                <a:ea typeface="微软雅黑 Light" panose="020B0502040204020203" pitchFamily="34" charset="-122"/>
               </a:rPr>
               <a:t>shader</a:t>
             </a:r>
             <a:r>
-              <a:rPr lang="zh-CN" altLang="en-US" b="1" dirty="0" smtClean="0">
+              <a:rPr lang="zh-CN" altLang="en-US" sz="3200" b="1" dirty="0" smtClean="0">
                 <a:solidFill>
                   <a:srgbClr val="171717"/>
                 </a:solidFill>
-                <a:latin typeface="Segoe UI" panose="020B0502040204020203" pitchFamily="34" charset="0"/>
+                <a:latin typeface="微软雅黑 Light" panose="020B0502040204020203" pitchFamily="34" charset="-122"/>
+                <a:ea typeface="微软雅黑 Light" panose="020B0502040204020203" pitchFamily="34" charset="-122"/>
               </a:rPr>
               <a:t>计算时需要的</a:t>
             </a:r>
             <a:r>
-              <a:rPr lang="en-US" altLang="zh-CN" b="1" dirty="0" smtClean="0">
+              <a:rPr lang="en-US" altLang="zh-CN" sz="3200" b="1" dirty="0" smtClean="0">
                 <a:solidFill>
                   <a:srgbClr val="171717"/>
                 </a:solidFill>
-                <a:latin typeface="Segoe UI" panose="020B0502040204020203" pitchFamily="34" charset="0"/>
+                <a:latin typeface="微软雅黑 Light" panose="020B0502040204020203" pitchFamily="34" charset="-122"/>
+                <a:ea typeface="微软雅黑 Light" panose="020B0502040204020203" pitchFamily="34" charset="-122"/>
               </a:rPr>
               <a:t>Resource</a:t>
             </a:r>
             <a:r>
-              <a:rPr lang="zh-CN" altLang="en-US" b="1" dirty="0" smtClean="0">
+              <a:rPr lang="zh-CN" altLang="en-US" sz="3200" b="1" dirty="0" smtClean="0">
                 <a:solidFill>
                   <a:srgbClr val="171717"/>
                 </a:solidFill>
-                <a:latin typeface="Segoe UI" panose="020B0502040204020203" pitchFamily="34" charset="0"/>
+                <a:latin typeface="微软雅黑 Light" panose="020B0502040204020203" pitchFamily="34" charset="-122"/>
+                <a:ea typeface="微软雅黑 Light" panose="020B0502040204020203" pitchFamily="34" charset="-122"/>
               </a:rPr>
               <a:t>类型</a:t>
             </a:r>
-            <a:endParaRPr lang="en-US" altLang="zh-CN" b="1" dirty="0" smtClean="0">
+            <a:endParaRPr lang="en-US" altLang="zh-CN" sz="3200" b="1" dirty="0" smtClean="0">
               <a:solidFill>
                 <a:srgbClr val="171717"/>
               </a:solidFill>
-              <a:latin typeface="Segoe UI" panose="020B0502040204020203" pitchFamily="34" charset="0"/>
+              <a:latin typeface="微软雅黑 Light" panose="020B0502040204020203" pitchFamily="34" charset="-122"/>
+              <a:ea typeface="微软雅黑 Light" panose="020B0502040204020203" pitchFamily="34" charset="-122"/>
             </a:endParaRPr>
           </a:p>
           <a:p>
             <a:pPr marL="742950" indent="-742950">
+              <a:spcBef>
+                <a:spcPts val="1200"/>
+              </a:spcBef>
               <a:buFontTx/>
               <a:buAutoNum type="arabicPeriod"/>
             </a:pPr>
             <a:r>
-              <a:rPr lang="zh-CN" altLang="en-US" b="1" dirty="0" smtClean="0">
+              <a:rPr lang="zh-CN" altLang="en-US" sz="3200" b="1" dirty="0" smtClean="0">
                 <a:solidFill>
                   <a:srgbClr val="171717"/>
                 </a:solidFill>
-                <a:latin typeface="Segoe UI" panose="020B0502040204020203" pitchFamily="34" charset="0"/>
+                <a:latin typeface="微软雅黑 Light" panose="020B0502040204020203" pitchFamily="34" charset="-122"/>
+                <a:ea typeface="微软雅黑 Light" panose="020B0502040204020203" pitchFamily="34" charset="-122"/>
               </a:rPr>
               <a:t>类似接口的定义，定义</a:t>
             </a:r>
             <a:r>
-              <a:rPr lang="en-US" altLang="zh-CN" b="1" dirty="0" smtClean="0">
+              <a:rPr lang="en-US" altLang="zh-CN" sz="3200" b="1" dirty="0" smtClean="0">
                 <a:solidFill>
                   <a:srgbClr val="171717"/>
                 </a:solidFill>
-                <a:latin typeface="Segoe UI" panose="020B0502040204020203" pitchFamily="34" charset="0"/>
+                <a:latin typeface="微软雅黑 Light" panose="020B0502040204020203" pitchFamily="34" charset="-122"/>
+                <a:ea typeface="微软雅黑 Light" panose="020B0502040204020203" pitchFamily="34" charset="-122"/>
               </a:rPr>
               <a:t>shader</a:t>
             </a:r>
             <a:r>
-              <a:rPr lang="zh-CN" altLang="en-US" b="1" dirty="0" smtClean="0">
+              <a:rPr lang="zh-CN" altLang="en-US" sz="3200" b="1" dirty="0" smtClean="0">
                 <a:solidFill>
                   <a:srgbClr val="171717"/>
                 </a:solidFill>
-                <a:latin typeface="Segoe UI" panose="020B0502040204020203" pitchFamily="34" charset="0"/>
+                <a:latin typeface="微软雅黑 Light" panose="020B0502040204020203" pitchFamily="34" charset="-122"/>
+                <a:ea typeface="微软雅黑 Light" panose="020B0502040204020203" pitchFamily="34" charset="-122"/>
               </a:rPr>
               <a:t>希望的数据类型，但不定义具体的数据</a:t>
             </a:r>
-            <a:endParaRPr lang="en-US" altLang="zh-CN" b="1" dirty="0" smtClean="0">
+            <a:endParaRPr lang="en-US" altLang="zh-CN" sz="3200" b="1" dirty="0" smtClean="0">
               <a:solidFill>
                 <a:srgbClr val="171717"/>
               </a:solidFill>
-              <a:latin typeface="Segoe UI" panose="020B0502040204020203" pitchFamily="34" charset="0"/>
+              <a:latin typeface="微软雅黑 Light" panose="020B0502040204020203" pitchFamily="34" charset="-122"/>
+              <a:ea typeface="微软雅黑 Light" panose="020B0502040204020203" pitchFamily="34" charset="-122"/>
             </a:endParaRPr>
           </a:p>
           <a:p>
             <a:pPr marL="742950" indent="-742950">
+              <a:spcBef>
+                <a:spcPts val="1200"/>
+              </a:spcBef>
               <a:buFontTx/>
               <a:buAutoNum type="arabicPeriod"/>
             </a:pPr>
             <a:r>
-              <a:rPr lang="zh-CN" altLang="en-US" b="1" dirty="0" smtClean="0">
+              <a:rPr lang="zh-CN" altLang="en-US" sz="3200" b="1" dirty="0" smtClean="0">
                 <a:solidFill>
                   <a:srgbClr val="171717"/>
                 </a:solidFill>
-                <a:latin typeface="Segoe UI" panose="020B0502040204020203" pitchFamily="34" charset="0"/>
+                <a:latin typeface="微软雅黑 Light" panose="020B0502040204020203" pitchFamily="34" charset="-122"/>
+                <a:ea typeface="微软雅黑 Light" panose="020B0502040204020203" pitchFamily="34" charset="-122"/>
               </a:rPr>
               <a:t>通过</a:t>
             </a:r>
             <a:r>
-              <a:rPr lang="en-US" altLang="zh-CN" b="1" dirty="0" smtClean="0">
+              <a:rPr lang="en-US" altLang="zh-CN" sz="3200" b="1" dirty="0" smtClean="0">
                 <a:solidFill>
                   <a:srgbClr val="171717"/>
                 </a:solidFill>
-                <a:latin typeface="Segoe UI" panose="020B0502040204020203" pitchFamily="34" charset="0"/>
+                <a:latin typeface="微软雅黑 Light" panose="020B0502040204020203" pitchFamily="34" charset="-122"/>
+                <a:ea typeface="微软雅黑 Light" panose="020B0502040204020203" pitchFamily="34" charset="-122"/>
               </a:rPr>
               <a:t>Root Parameter</a:t>
             </a:r>
             <a:r>
-              <a:rPr lang="zh-CN" altLang="en-US" b="1" dirty="0" smtClean="0">
+              <a:rPr lang="zh-CN" altLang="en-US" sz="3200" b="1" dirty="0" smtClean="0">
                 <a:solidFill>
                   <a:srgbClr val="171717"/>
                 </a:solidFill>
-                <a:latin typeface="Segoe UI" panose="020B0502040204020203" pitchFamily="34" charset="0"/>
+                <a:latin typeface="微软雅黑 Light" panose="020B0502040204020203" pitchFamily="34" charset="-122"/>
+                <a:ea typeface="微软雅黑 Light" panose="020B0502040204020203" pitchFamily="34" charset="-122"/>
               </a:rPr>
               <a:t>指定</a:t>
             </a:r>
-            <a:endParaRPr lang="en-US" altLang="zh-CN" b="1" dirty="0" smtClean="0">
+            <a:endParaRPr lang="en-US" altLang="zh-CN" sz="3200" b="1" dirty="0" smtClean="0">
               <a:solidFill>
                 <a:srgbClr val="171717"/>
               </a:solidFill>
-              <a:latin typeface="Segoe UI" panose="020B0502040204020203" pitchFamily="34" charset="0"/>
+              <a:latin typeface="微软雅黑 Light" panose="020B0502040204020203" pitchFamily="34" charset="-122"/>
+              <a:ea typeface="微软雅黑 Light" panose="020B0502040204020203" pitchFamily="34" charset="-122"/>
             </a:endParaRPr>
           </a:p>
         </p:txBody>
@@ -16522,7 +16683,7 @@
         <p:spPr>
           <a:xfrm>
             <a:off x="2379968" y="4278140"/>
-            <a:ext cx="11578079" cy="2308324"/>
+            <a:ext cx="11578079" cy="1877437"/>
           </a:xfrm>
           <a:prstGeom prst="rect">
             <a:avLst/>
@@ -16535,114 +16696,134 @@
           <a:lstStyle/>
           <a:p>
             <a:pPr marL="742950" indent="-742950">
+              <a:spcBef>
+                <a:spcPts val="1200"/>
+              </a:spcBef>
               <a:buFontTx/>
               <a:buAutoNum type="arabicPeriod"/>
             </a:pPr>
             <a:r>
-              <a:rPr lang="en-US" altLang="zh-CN" b="1" dirty="0" smtClean="0">
+              <a:rPr lang="en-US" altLang="zh-CN" sz="3200" b="1" dirty="0" smtClean="0">
                 <a:solidFill>
                   <a:srgbClr val="171717"/>
                 </a:solidFill>
-                <a:latin typeface="Segoe UI" panose="020B0502040204020203" pitchFamily="34" charset="0"/>
+                <a:latin typeface="微软雅黑 Light" panose="020B0502040204020203" pitchFamily="34" charset="-122"/>
+                <a:ea typeface="微软雅黑 Light" panose="020B0502040204020203" pitchFamily="34" charset="-122"/>
               </a:rPr>
               <a:t>Root Constants</a:t>
             </a:r>
           </a:p>
           <a:p>
             <a:pPr marL="742950" indent="-742950">
+              <a:spcBef>
+                <a:spcPts val="1200"/>
+              </a:spcBef>
               <a:buFontTx/>
               <a:buAutoNum type="arabicPeriod"/>
             </a:pPr>
             <a:r>
-              <a:rPr lang="en-US" altLang="zh-CN" b="1" dirty="0" smtClean="0">
+              <a:rPr lang="en-US" altLang="zh-CN" sz="3200" b="1" dirty="0" smtClean="0">
                 <a:solidFill>
                   <a:srgbClr val="171717"/>
                 </a:solidFill>
-                <a:latin typeface="Segoe UI" panose="020B0502040204020203" pitchFamily="34" charset="0"/>
+                <a:latin typeface="微软雅黑 Light" panose="020B0502040204020203" pitchFamily="34" charset="-122"/>
+                <a:ea typeface="微软雅黑 Light" panose="020B0502040204020203" pitchFamily="34" charset="-122"/>
               </a:rPr>
               <a:t>Root Descriptor</a:t>
             </a:r>
             <a:r>
-              <a:rPr lang="zh-CN" altLang="en-US" b="1" dirty="0" smtClean="0">
+              <a:rPr lang="zh-CN" altLang="en-US" sz="3200" b="1" dirty="0" smtClean="0">
                 <a:solidFill>
                   <a:srgbClr val="171717"/>
                 </a:solidFill>
-                <a:latin typeface="Segoe UI" panose="020B0502040204020203" pitchFamily="34" charset="0"/>
+                <a:latin typeface="微软雅黑 Light" panose="020B0502040204020203" pitchFamily="34" charset="-122"/>
+                <a:ea typeface="微软雅黑 Light" panose="020B0502040204020203" pitchFamily="34" charset="-122"/>
               </a:rPr>
               <a:t>（</a:t>
             </a:r>
             <a:r>
-              <a:rPr lang="en-US" altLang="zh-CN" b="1" dirty="0" smtClean="0">
+              <a:rPr lang="en-US" altLang="zh-CN" sz="3200" b="1" dirty="0" smtClean="0">
                 <a:solidFill>
                   <a:srgbClr val="171717"/>
                 </a:solidFill>
-                <a:latin typeface="Segoe UI" panose="020B0502040204020203" pitchFamily="34" charset="0"/>
+                <a:latin typeface="微软雅黑 Light" panose="020B0502040204020203" pitchFamily="34" charset="-122"/>
+                <a:ea typeface="微软雅黑 Light" panose="020B0502040204020203" pitchFamily="34" charset="-122"/>
               </a:rPr>
               <a:t>inline Descriptor</a:t>
             </a:r>
             <a:r>
-              <a:rPr lang="zh-CN" altLang="en-US" b="1" dirty="0" smtClean="0">
+              <a:rPr lang="zh-CN" altLang="en-US" sz="3200" b="1" dirty="0" smtClean="0">
                 <a:solidFill>
                   <a:srgbClr val="171717"/>
                 </a:solidFill>
-                <a:latin typeface="Segoe UI" panose="020B0502040204020203" pitchFamily="34" charset="0"/>
+                <a:latin typeface="微软雅黑 Light" panose="020B0502040204020203" pitchFamily="34" charset="-122"/>
+                <a:ea typeface="微软雅黑 Light" panose="020B0502040204020203" pitchFamily="34" charset="-122"/>
               </a:rPr>
               <a:t>，</a:t>
             </a:r>
             <a:r>
-              <a:rPr lang="en-US" altLang="zh-CN" b="1" dirty="0" smtClean="0">
+              <a:rPr lang="en-US" altLang="zh-CN" sz="3200" b="1" dirty="0" smtClean="0">
                 <a:solidFill>
                   <a:srgbClr val="171717"/>
                 </a:solidFill>
-                <a:latin typeface="Segoe UI" panose="020B0502040204020203" pitchFamily="34" charset="0"/>
+                <a:latin typeface="微软雅黑 Light" panose="020B0502040204020203" pitchFamily="34" charset="-122"/>
+                <a:ea typeface="微软雅黑 Light" panose="020B0502040204020203" pitchFamily="34" charset="-122"/>
               </a:rPr>
               <a:t>used many times</a:t>
             </a:r>
             <a:r>
-              <a:rPr lang="zh-CN" altLang="en-US" b="1" dirty="0" smtClean="0">
+              <a:rPr lang="zh-CN" altLang="en-US" sz="3200" b="1" dirty="0" smtClean="0">
                 <a:solidFill>
                   <a:srgbClr val="171717"/>
                 </a:solidFill>
-                <a:latin typeface="Segoe UI" panose="020B0502040204020203" pitchFamily="34" charset="0"/>
+                <a:latin typeface="微软雅黑 Light" panose="020B0502040204020203" pitchFamily="34" charset="-122"/>
+                <a:ea typeface="微软雅黑 Light" panose="020B0502040204020203" pitchFamily="34" charset="-122"/>
               </a:rPr>
               <a:t>）</a:t>
             </a:r>
-            <a:endParaRPr lang="en-US" altLang="zh-CN" b="1" dirty="0" smtClean="0">
+            <a:endParaRPr lang="en-US" altLang="zh-CN" sz="3200" b="1" dirty="0" smtClean="0">
               <a:solidFill>
                 <a:srgbClr val="171717"/>
               </a:solidFill>
-              <a:latin typeface="Segoe UI" panose="020B0502040204020203" pitchFamily="34" charset="0"/>
+              <a:latin typeface="微软雅黑 Light" panose="020B0502040204020203" pitchFamily="34" charset="-122"/>
+              <a:ea typeface="微软雅黑 Light" panose="020B0502040204020203" pitchFamily="34" charset="-122"/>
             </a:endParaRPr>
           </a:p>
           <a:p>
             <a:pPr marL="742950" indent="-742950">
+              <a:spcBef>
+                <a:spcPts val="1200"/>
+              </a:spcBef>
               <a:buFontTx/>
               <a:buAutoNum type="arabicPeriod"/>
             </a:pPr>
             <a:r>
-              <a:rPr lang="en-US" altLang="zh-CN" b="1" dirty="0" smtClean="0">
+              <a:rPr lang="en-US" altLang="zh-CN" sz="3200" b="1" dirty="0" smtClean="0">
                 <a:solidFill>
                   <a:srgbClr val="171717"/>
                 </a:solidFill>
-                <a:latin typeface="Segoe UI" panose="020B0502040204020203" pitchFamily="34" charset="0"/>
+                <a:latin typeface="微软雅黑 Light" panose="020B0502040204020203" pitchFamily="34" charset="-122"/>
+                <a:ea typeface="微软雅黑 Light" panose="020B0502040204020203" pitchFamily="34" charset="-122"/>
               </a:rPr>
               <a:t>Descriptor</a:t>
             </a:r>
             <a:r>
-              <a:rPr lang="en-US" altLang="zh-CN" b="1" dirty="0">
+              <a:rPr lang="en-US" altLang="zh-CN" sz="3200" b="1" dirty="0">
                 <a:solidFill>
                   <a:srgbClr val="171717"/>
                 </a:solidFill>
-                <a:latin typeface="Segoe UI" panose="020B0502040204020203" pitchFamily="34" charset="0"/>
+                <a:latin typeface="微软雅黑 Light" panose="020B0502040204020203" pitchFamily="34" charset="-122"/>
+                <a:ea typeface="微软雅黑 Light" panose="020B0502040204020203" pitchFamily="34" charset="-122"/>
               </a:rPr>
               <a:t> </a:t>
             </a:r>
             <a:r>
-              <a:rPr lang="en-US" altLang="zh-CN" b="1" dirty="0" smtClean="0">
+              <a:rPr lang="en-US" altLang="zh-CN" sz="3200" b="1" dirty="0" smtClean="0">
                 <a:solidFill>
                   <a:srgbClr val="171717"/>
                 </a:solidFill>
-                <a:latin typeface="Segoe UI" panose="020B0502040204020203" pitchFamily="34" charset="0"/>
+                <a:latin typeface="微软雅黑 Light" panose="020B0502040204020203" pitchFamily="34" charset="-122"/>
+                <a:ea typeface="微软雅黑 Light" panose="020B0502040204020203" pitchFamily="34" charset="-122"/>
               </a:rPr>
               <a:t>Tables</a:t>
             </a:r>
@@ -16965,7 +17146,7 @@
         <p:spPr>
           <a:xfrm>
             <a:off x="2379968" y="4278140"/>
-            <a:ext cx="11578079" cy="7294305"/>
+            <a:ext cx="11578079" cy="5478423"/>
           </a:xfrm>
           <a:prstGeom prst="rect">
             <a:avLst/>
@@ -16978,419 +17159,476 @@
           <a:lstStyle/>
           <a:p>
             <a:pPr marL="742950" indent="-742950">
+              <a:spcBef>
+                <a:spcPts val="1200"/>
+              </a:spcBef>
               <a:buFontTx/>
               <a:buAutoNum type="arabicPeriod"/>
             </a:pPr>
             <a:r>
-              <a:rPr lang="en-US" altLang="zh-CN" b="1" dirty="0" smtClean="0">
+              <a:rPr lang="en-US" altLang="zh-CN" sz="3200" b="1" dirty="0" smtClean="0">
                 <a:solidFill>
                   <a:srgbClr val="171717"/>
                 </a:solidFill>
-                <a:latin typeface="Segoe UI" panose="020B0502040204020203" pitchFamily="34" charset="0"/>
+                <a:latin typeface="微软雅黑 Light" panose="020B0502040204020203" pitchFamily="34" charset="-122"/>
+                <a:ea typeface="微软雅黑 Light" panose="020B0502040204020203" pitchFamily="34" charset="-122"/>
               </a:rPr>
               <a:t>Root Signature</a:t>
             </a:r>
             <a:r>
-              <a:rPr lang="zh-CN" altLang="en-US" b="1" dirty="0" smtClean="0">
+              <a:rPr lang="zh-CN" altLang="en-US" sz="3200" b="1" dirty="0" smtClean="0">
                 <a:solidFill>
                   <a:srgbClr val="171717"/>
                 </a:solidFill>
-                <a:latin typeface="Segoe UI" panose="020B0502040204020203" pitchFamily="34" charset="0"/>
+                <a:latin typeface="微软雅黑 Light" panose="020B0502040204020203" pitchFamily="34" charset="-122"/>
+                <a:ea typeface="微软雅黑 Light" panose="020B0502040204020203" pitchFamily="34" charset="-122"/>
               </a:rPr>
               <a:t>的布局灵活，但</a:t>
             </a:r>
             <a:r>
-              <a:rPr lang="en-US" altLang="zh-CN" b="1" dirty="0" smtClean="0">
+              <a:rPr lang="en-US" altLang="zh-CN" sz="3200" b="1" dirty="0" smtClean="0">
                 <a:solidFill>
                   <a:srgbClr val="171717"/>
                 </a:solidFill>
-                <a:latin typeface="Segoe UI" panose="020B0502040204020203" pitchFamily="34" charset="0"/>
+                <a:latin typeface="微软雅黑 Light" panose="020B0502040204020203" pitchFamily="34" charset="-122"/>
+                <a:ea typeface="微软雅黑 Light" panose="020B0502040204020203" pitchFamily="34" charset="-122"/>
               </a:rPr>
               <a:t>app</a:t>
             </a:r>
             <a:r>
-              <a:rPr lang="zh-CN" altLang="en-US" b="1" dirty="0" smtClean="0">
+              <a:rPr lang="zh-CN" altLang="en-US" sz="3200" b="1" dirty="0" smtClean="0">
                 <a:solidFill>
                   <a:srgbClr val="171717"/>
                 </a:solidFill>
-                <a:latin typeface="Segoe UI" panose="020B0502040204020203" pitchFamily="34" charset="0"/>
+                <a:latin typeface="微软雅黑 Light" panose="020B0502040204020203" pitchFamily="34" charset="-122"/>
+                <a:ea typeface="微软雅黑 Light" panose="020B0502040204020203" pitchFamily="34" charset="-122"/>
               </a:rPr>
               <a:t>层应当控制</a:t>
             </a:r>
             <a:r>
-              <a:rPr lang="en-US" altLang="zh-CN" b="1" dirty="0" smtClean="0">
+              <a:rPr lang="en-US" altLang="zh-CN" sz="3200" b="1" dirty="0" smtClean="0">
                 <a:solidFill>
                   <a:srgbClr val="171717"/>
                 </a:solidFill>
-                <a:latin typeface="Segoe UI" panose="020B0502040204020203" pitchFamily="34" charset="0"/>
+                <a:latin typeface="微软雅黑 Light" panose="020B0502040204020203" pitchFamily="34" charset="-122"/>
+                <a:ea typeface="微软雅黑 Light" panose="020B0502040204020203" pitchFamily="34" charset="-122"/>
               </a:rPr>
               <a:t>Root Signature </a:t>
             </a:r>
             <a:r>
-              <a:rPr lang="zh-CN" altLang="en-US" b="1" dirty="0" smtClean="0">
+              <a:rPr lang="zh-CN" altLang="en-US" sz="3200" b="1" dirty="0" smtClean="0">
                 <a:solidFill>
                   <a:srgbClr val="171717"/>
                 </a:solidFill>
-                <a:latin typeface="Segoe UI" panose="020B0502040204020203" pitchFamily="34" charset="0"/>
+                <a:latin typeface="微软雅黑 Light" panose="020B0502040204020203" pitchFamily="34" charset="-122"/>
+                <a:ea typeface="微软雅黑 Light" panose="020B0502040204020203" pitchFamily="34" charset="-122"/>
               </a:rPr>
               <a:t>越小越好</a:t>
             </a:r>
-            <a:endParaRPr lang="en-US" altLang="zh-CN" b="1" dirty="0" smtClean="0">
+            <a:endParaRPr lang="en-US" altLang="zh-CN" sz="3200" b="1" dirty="0" smtClean="0">
               <a:solidFill>
                 <a:srgbClr val="171717"/>
               </a:solidFill>
-              <a:latin typeface="Segoe UI" panose="020B0502040204020203" pitchFamily="34" charset="0"/>
+              <a:latin typeface="微软雅黑 Light" panose="020B0502040204020203" pitchFamily="34" charset="-122"/>
+              <a:ea typeface="微软雅黑 Light" panose="020B0502040204020203" pitchFamily="34" charset="-122"/>
             </a:endParaRPr>
           </a:p>
           <a:p>
             <a:pPr marL="742950" indent="-742950">
+              <a:spcBef>
+                <a:spcPts val="1200"/>
+              </a:spcBef>
               <a:buFontTx/>
               <a:buAutoNum type="arabicPeriod"/>
             </a:pPr>
             <a:r>
-              <a:rPr lang="zh-CN" altLang="en-US" b="1" dirty="0" smtClean="0">
+              <a:rPr lang="zh-CN" altLang="en-US" sz="3200" b="1" dirty="0" smtClean="0">
                 <a:solidFill>
                   <a:srgbClr val="171717"/>
                 </a:solidFill>
-                <a:latin typeface="Segoe UI" panose="020B0502040204020203" pitchFamily="34" charset="0"/>
+                <a:latin typeface="微软雅黑 Light" panose="020B0502040204020203" pitchFamily="34" charset="-122"/>
+                <a:ea typeface="微软雅黑 Light" panose="020B0502040204020203" pitchFamily="34" charset="-122"/>
               </a:rPr>
               <a:t>绘制时通过</a:t>
             </a:r>
             <a:r>
-              <a:rPr lang="en-US" altLang="zh-CN" b="1" dirty="0" smtClean="0">
+              <a:rPr lang="en-US" altLang="zh-CN" sz="3200" b="1" dirty="0" smtClean="0">
                 <a:solidFill>
                   <a:srgbClr val="171717"/>
                 </a:solidFill>
-                <a:latin typeface="Segoe UI" panose="020B0502040204020203" pitchFamily="34" charset="0"/>
+                <a:latin typeface="微软雅黑 Light" panose="020B0502040204020203" pitchFamily="34" charset="-122"/>
+                <a:ea typeface="微软雅黑 Light" panose="020B0502040204020203" pitchFamily="34" charset="-122"/>
               </a:rPr>
               <a:t>Root Signature </a:t>
             </a:r>
             <a:r>
-              <a:rPr lang="zh-CN" altLang="en-US" b="1" dirty="0" smtClean="0">
+              <a:rPr lang="zh-CN" altLang="en-US" sz="3200" b="1" dirty="0" smtClean="0">
                 <a:solidFill>
                   <a:srgbClr val="171717"/>
                 </a:solidFill>
-                <a:latin typeface="Segoe UI" panose="020B0502040204020203" pitchFamily="34" charset="0"/>
+                <a:latin typeface="微软雅黑 Light" panose="020B0502040204020203" pitchFamily="34" charset="-122"/>
+                <a:ea typeface="微软雅黑 Light" panose="020B0502040204020203" pitchFamily="34" charset="-122"/>
               </a:rPr>
               <a:t>传给</a:t>
             </a:r>
             <a:r>
-              <a:rPr lang="en-US" altLang="zh-CN" b="1" dirty="0" smtClean="0">
+              <a:rPr lang="en-US" altLang="zh-CN" sz="3200" b="1" dirty="0" smtClean="0">
                 <a:solidFill>
                   <a:srgbClr val="171717"/>
                 </a:solidFill>
-                <a:latin typeface="Segoe UI" panose="020B0502040204020203" pitchFamily="34" charset="0"/>
+                <a:latin typeface="微软雅黑 Light" panose="020B0502040204020203" pitchFamily="34" charset="-122"/>
+                <a:ea typeface="微软雅黑 Light" panose="020B0502040204020203" pitchFamily="34" charset="-122"/>
               </a:rPr>
               <a:t>shader</a:t>
             </a:r>
             <a:r>
-              <a:rPr lang="zh-CN" altLang="en-US" b="1" dirty="0" smtClean="0">
+              <a:rPr lang="zh-CN" altLang="en-US" sz="3200" b="1" dirty="0" smtClean="0">
                 <a:solidFill>
                   <a:srgbClr val="171717"/>
                 </a:solidFill>
-                <a:latin typeface="Segoe UI" panose="020B0502040204020203" pitchFamily="34" charset="0"/>
+                <a:latin typeface="微软雅黑 Light" panose="020B0502040204020203" pitchFamily="34" charset="-122"/>
+                <a:ea typeface="微软雅黑 Light" panose="020B0502040204020203" pitchFamily="34" charset="-122"/>
               </a:rPr>
               <a:t>计算的</a:t>
             </a:r>
             <a:r>
-              <a:rPr lang="en-US" altLang="zh-CN" b="1" dirty="0" smtClean="0">
+              <a:rPr lang="en-US" altLang="zh-CN" sz="3200" b="1" dirty="0" smtClean="0">
                 <a:solidFill>
                   <a:srgbClr val="171717"/>
                 </a:solidFill>
-                <a:latin typeface="Segoe UI" panose="020B0502040204020203" pitchFamily="34" charset="0"/>
+                <a:latin typeface="微软雅黑 Light" panose="020B0502040204020203" pitchFamily="34" charset="-122"/>
+                <a:ea typeface="微软雅黑 Light" panose="020B0502040204020203" pitchFamily="34" charset="-122"/>
               </a:rPr>
               <a:t>resource</a:t>
             </a:r>
             <a:r>
-              <a:rPr lang="zh-CN" altLang="en-US" b="1" dirty="0" smtClean="0">
+              <a:rPr lang="zh-CN" altLang="en-US" sz="3200" b="1" dirty="0" smtClean="0">
                 <a:solidFill>
                   <a:srgbClr val="171717"/>
                 </a:solidFill>
-                <a:latin typeface="Segoe UI" panose="020B0502040204020203" pitchFamily="34" charset="0"/>
+                <a:latin typeface="微软雅黑 Light" panose="020B0502040204020203" pitchFamily="34" charset="-122"/>
+                <a:ea typeface="微软雅黑 Light" panose="020B0502040204020203" pitchFamily="34" charset="-122"/>
               </a:rPr>
               <a:t>会根据</a:t>
             </a:r>
             <a:r>
-              <a:rPr lang="en-US" altLang="zh-CN" b="1" dirty="0" err="1" smtClean="0">
+              <a:rPr lang="en-US" altLang="zh-CN" sz="3200" b="1" dirty="0" err="1" smtClean="0">
                 <a:solidFill>
                   <a:srgbClr val="171717"/>
                 </a:solidFill>
-                <a:latin typeface="Segoe UI" panose="020B0502040204020203" pitchFamily="34" charset="0"/>
+                <a:latin typeface="微软雅黑 Light" panose="020B0502040204020203" pitchFamily="34" charset="-122"/>
+                <a:ea typeface="微软雅黑 Light" panose="020B0502040204020203" pitchFamily="34" charset="-122"/>
               </a:rPr>
               <a:t>drawcall</a:t>
             </a:r>
             <a:r>
-              <a:rPr lang="zh-CN" altLang="en-US" b="1" dirty="0" smtClean="0">
+              <a:rPr lang="zh-CN" altLang="en-US" sz="3200" b="1" dirty="0" smtClean="0">
                 <a:solidFill>
                   <a:srgbClr val="171717"/>
                 </a:solidFill>
-                <a:latin typeface="Segoe UI" panose="020B0502040204020203" pitchFamily="34" charset="0"/>
+                <a:latin typeface="微软雅黑 Light" panose="020B0502040204020203" pitchFamily="34" charset="-122"/>
+                <a:ea typeface="微软雅黑 Light" panose="020B0502040204020203" pitchFamily="34" charset="-122"/>
               </a:rPr>
               <a:t>变化，所以，在绘制时每个</a:t>
             </a:r>
             <a:r>
-              <a:rPr lang="en-US" altLang="zh-CN" b="1" dirty="0" err="1" smtClean="0">
+              <a:rPr lang="en-US" altLang="zh-CN" sz="3200" b="1" dirty="0" err="1" smtClean="0">
                 <a:solidFill>
                   <a:srgbClr val="171717"/>
                 </a:solidFill>
-                <a:latin typeface="Segoe UI" panose="020B0502040204020203" pitchFamily="34" charset="0"/>
-              </a:rPr>
-              <a:t>Drawcacll</a:t>
-            </a:r>
-            <a:r>
-              <a:rPr lang="zh-CN" altLang="en-US" b="1" dirty="0" smtClean="0">
+                <a:latin typeface="微软雅黑 Light" panose="020B0502040204020203" pitchFamily="34" charset="-122"/>
+                <a:ea typeface="微软雅黑 Light" panose="020B0502040204020203" pitchFamily="34" charset="-122"/>
+              </a:rPr>
+              <a:t>Drawcall</a:t>
+            </a:r>
+            <a:r>
+              <a:rPr lang="zh-CN" altLang="en-US" sz="3200" b="1" dirty="0" smtClean="0">
                 <a:solidFill>
                   <a:srgbClr val="171717"/>
                 </a:solidFill>
-                <a:latin typeface="Segoe UI" panose="020B0502040204020203" pitchFamily="34" charset="0"/>
+                <a:latin typeface="微软雅黑 Light" panose="020B0502040204020203" pitchFamily="34" charset="-122"/>
+                <a:ea typeface="微软雅黑 Light" panose="020B0502040204020203" pitchFamily="34" charset="-122"/>
               </a:rPr>
               <a:t>可能有一套独一无二的</a:t>
             </a:r>
             <a:r>
-              <a:rPr lang="en-US" altLang="zh-CN" b="1" dirty="0" smtClean="0">
+              <a:rPr lang="en-US" altLang="zh-CN" sz="3200" b="1" dirty="0" smtClean="0">
                 <a:solidFill>
                   <a:srgbClr val="171717"/>
                 </a:solidFill>
-                <a:latin typeface="Segoe UI" panose="020B0502040204020203" pitchFamily="34" charset="0"/>
+                <a:latin typeface="微软雅黑 Light" panose="020B0502040204020203" pitchFamily="34" charset="-122"/>
+                <a:ea typeface="微软雅黑 Light" panose="020B0502040204020203" pitchFamily="34" charset="-122"/>
               </a:rPr>
               <a:t>Root Signature</a:t>
             </a:r>
             <a:r>
-              <a:rPr lang="zh-CN" altLang="en-US" b="1" dirty="0" smtClean="0">
+              <a:rPr lang="zh-CN" altLang="en-US" sz="3200" b="1" dirty="0" smtClean="0">
                 <a:solidFill>
                   <a:srgbClr val="171717"/>
                 </a:solidFill>
-                <a:latin typeface="Segoe UI" panose="020B0502040204020203" pitchFamily="34" charset="0"/>
+                <a:latin typeface="微软雅黑 Light" panose="020B0502040204020203" pitchFamily="34" charset="-122"/>
+                <a:ea typeface="微软雅黑 Light" panose="020B0502040204020203" pitchFamily="34" charset="-122"/>
               </a:rPr>
               <a:t>状态；这就是所说的，</a:t>
             </a:r>
             <a:r>
-              <a:rPr lang="en-US" altLang="zh-CN" b="1" dirty="0" smtClean="0">
+              <a:rPr lang="en-US" altLang="zh-CN" sz="3200" b="1" dirty="0" smtClean="0">
                 <a:solidFill>
                   <a:srgbClr val="171717"/>
                 </a:solidFill>
-                <a:latin typeface="Segoe UI" panose="020B0502040204020203" pitchFamily="34" charset="0"/>
+                <a:latin typeface="微软雅黑 Light" panose="020B0502040204020203" pitchFamily="34" charset="-122"/>
+                <a:ea typeface="微软雅黑 Light" panose="020B0502040204020203" pitchFamily="34" charset="-122"/>
               </a:rPr>
               <a:t>Root Signature</a:t>
             </a:r>
             <a:r>
-              <a:rPr lang="zh-CN" altLang="en-US" b="1" dirty="0" smtClean="0">
+              <a:rPr lang="zh-CN" altLang="en-US" sz="3200" b="1" dirty="0" smtClean="0">
                 <a:solidFill>
                   <a:srgbClr val="171717"/>
                 </a:solidFill>
-                <a:latin typeface="Segoe UI" panose="020B0502040204020203" pitchFamily="34" charset="0"/>
+                <a:latin typeface="微软雅黑 Light" panose="020B0502040204020203" pitchFamily="34" charset="-122"/>
+                <a:ea typeface="微软雅黑 Light" panose="020B0502040204020203" pitchFamily="34" charset="-122"/>
               </a:rPr>
               <a:t>定义时只定义数据类型（</a:t>
             </a:r>
             <a:r>
-              <a:rPr lang="en-US" altLang="zh-CN" b="1" dirty="0" smtClean="0">
+              <a:rPr lang="en-US" altLang="zh-CN" sz="3200" b="1" dirty="0" smtClean="0">
                 <a:solidFill>
                   <a:srgbClr val="171717"/>
                 </a:solidFill>
-                <a:latin typeface="Segoe UI" panose="020B0502040204020203" pitchFamily="34" charset="0"/>
+                <a:latin typeface="微软雅黑 Light" panose="020B0502040204020203" pitchFamily="34" charset="-122"/>
+                <a:ea typeface="微软雅黑 Light" panose="020B0502040204020203" pitchFamily="34" charset="-122"/>
               </a:rPr>
               <a:t>Data Type</a:t>
             </a:r>
             <a:r>
-              <a:rPr lang="zh-CN" altLang="en-US" b="1" dirty="0" smtClean="0">
+              <a:rPr lang="zh-CN" altLang="en-US" sz="3200" b="1" dirty="0" smtClean="0">
                 <a:solidFill>
                   <a:srgbClr val="171717"/>
                 </a:solidFill>
-                <a:latin typeface="Segoe UI" panose="020B0502040204020203" pitchFamily="34" charset="0"/>
+                <a:latin typeface="微软雅黑 Light" panose="020B0502040204020203" pitchFamily="34" charset="-122"/>
+                <a:ea typeface="微软雅黑 Light" panose="020B0502040204020203" pitchFamily="34" charset="-122"/>
               </a:rPr>
               <a:t>），不定义数据内容（</a:t>
             </a:r>
             <a:r>
-              <a:rPr lang="en-US" altLang="zh-CN" b="1" dirty="0" smtClean="0">
+              <a:rPr lang="en-US" altLang="zh-CN" sz="3200" b="1" dirty="0" smtClean="0">
                 <a:solidFill>
                   <a:srgbClr val="171717"/>
                 </a:solidFill>
-                <a:latin typeface="Segoe UI" panose="020B0502040204020203" pitchFamily="34" charset="0"/>
+                <a:latin typeface="微软雅黑 Light" panose="020B0502040204020203" pitchFamily="34" charset="-122"/>
+                <a:ea typeface="微软雅黑 Light" panose="020B0502040204020203" pitchFamily="34" charset="-122"/>
               </a:rPr>
               <a:t>Data Content</a:t>
             </a:r>
             <a:r>
-              <a:rPr lang="zh-CN" altLang="en-US" b="1" dirty="0" smtClean="0">
+              <a:rPr lang="zh-CN" altLang="en-US" sz="3200" b="1" dirty="0" smtClean="0">
                 <a:solidFill>
                   <a:srgbClr val="171717"/>
                 </a:solidFill>
-                <a:latin typeface="Segoe UI" panose="020B0502040204020203" pitchFamily="34" charset="0"/>
+                <a:latin typeface="微软雅黑 Light" panose="020B0502040204020203" pitchFamily="34" charset="-122"/>
+                <a:ea typeface="微软雅黑 Light" panose="020B0502040204020203" pitchFamily="34" charset="-122"/>
               </a:rPr>
               <a:t>）</a:t>
             </a:r>
-            <a:endParaRPr lang="en-US" altLang="zh-CN" b="1" dirty="0" smtClean="0">
+            <a:endParaRPr lang="en-US" altLang="zh-CN" sz="3200" b="1" dirty="0" smtClean="0">
               <a:solidFill>
                 <a:srgbClr val="171717"/>
               </a:solidFill>
-              <a:latin typeface="Segoe UI" panose="020B0502040204020203" pitchFamily="34" charset="0"/>
+              <a:latin typeface="微软雅黑 Light" panose="020B0502040204020203" pitchFamily="34" charset="-122"/>
+              <a:ea typeface="微软雅黑 Light" panose="020B0502040204020203" pitchFamily="34" charset="-122"/>
             </a:endParaRPr>
           </a:p>
           <a:p>
             <a:pPr marL="742950" indent="-742950">
+              <a:spcBef>
+                <a:spcPts val="1200"/>
+              </a:spcBef>
               <a:buFontTx/>
               <a:buAutoNum type="arabicPeriod"/>
             </a:pPr>
             <a:r>
-              <a:rPr lang="zh-CN" altLang="en-US" b="1" dirty="0">
+              <a:rPr lang="zh-CN" altLang="en-US" sz="3200" b="1" dirty="0">
                 <a:solidFill>
                   <a:srgbClr val="171717"/>
                 </a:solidFill>
-                <a:latin typeface="Segoe UI" panose="020B0502040204020203" pitchFamily="34" charset="0"/>
+                <a:latin typeface="微软雅黑 Light" panose="020B0502040204020203" pitchFamily="34" charset="-122"/>
+                <a:ea typeface="微软雅黑 Light" panose="020B0502040204020203" pitchFamily="34" charset="-122"/>
               </a:rPr>
               <a:t>理想情况</a:t>
             </a:r>
             <a:r>
-              <a:rPr lang="zh-CN" altLang="en-US" b="1" dirty="0" smtClean="0">
+              <a:rPr lang="zh-CN" altLang="en-US" sz="3200" b="1" dirty="0" smtClean="0">
                 <a:solidFill>
                   <a:srgbClr val="171717"/>
                 </a:solidFill>
-                <a:latin typeface="Segoe UI" panose="020B0502040204020203" pitchFamily="34" charset="0"/>
+                <a:latin typeface="微软雅黑 Light" panose="020B0502040204020203" pitchFamily="34" charset="-122"/>
+                <a:ea typeface="微软雅黑 Light" panose="020B0502040204020203" pitchFamily="34" charset="-122"/>
               </a:rPr>
               <a:t>下，会有一组</a:t>
             </a:r>
             <a:r>
-              <a:rPr lang="en-US" altLang="zh-CN" b="1" dirty="0" smtClean="0">
+              <a:rPr lang="en-US" altLang="zh-CN" sz="3200" b="1" dirty="0" smtClean="0">
                 <a:solidFill>
                   <a:srgbClr val="171717"/>
                 </a:solidFill>
-                <a:latin typeface="Segoe UI" panose="020B0502040204020203" pitchFamily="34" charset="0"/>
+                <a:latin typeface="微软雅黑 Light" panose="020B0502040204020203" pitchFamily="34" charset="-122"/>
+                <a:ea typeface="微软雅黑 Light" panose="020B0502040204020203" pitchFamily="34" charset="-122"/>
               </a:rPr>
               <a:t>PSO</a:t>
             </a:r>
             <a:r>
-              <a:rPr lang="zh-CN" altLang="en-US" b="1" dirty="0" smtClean="0">
+              <a:rPr lang="zh-CN" altLang="en-US" sz="3200" b="1" dirty="0" smtClean="0">
                 <a:solidFill>
                   <a:srgbClr val="171717"/>
                 </a:solidFill>
-                <a:latin typeface="Segoe UI" panose="020B0502040204020203" pitchFamily="34" charset="0"/>
+                <a:latin typeface="微软雅黑 Light" panose="020B0502040204020203" pitchFamily="34" charset="-122"/>
+                <a:ea typeface="微软雅黑 Light" panose="020B0502040204020203" pitchFamily="34" charset="-122"/>
               </a:rPr>
               <a:t>对应一个相同的</a:t>
             </a:r>
             <a:r>
-              <a:rPr lang="en-US" altLang="zh-CN" b="1" dirty="0" smtClean="0">
+              <a:rPr lang="en-US" altLang="zh-CN" sz="3200" b="1" dirty="0" smtClean="0">
                 <a:solidFill>
                   <a:srgbClr val="171717"/>
                 </a:solidFill>
-                <a:latin typeface="Segoe UI" panose="020B0502040204020203" pitchFamily="34" charset="0"/>
+                <a:latin typeface="微软雅黑 Light" panose="020B0502040204020203" pitchFamily="34" charset="-122"/>
+                <a:ea typeface="微软雅黑 Light" panose="020B0502040204020203" pitchFamily="34" charset="-122"/>
               </a:rPr>
               <a:t>Root Signature</a:t>
             </a:r>
             <a:r>
-              <a:rPr lang="zh-CN" altLang="en-US" b="1" dirty="0" smtClean="0">
+              <a:rPr lang="zh-CN" altLang="en-US" sz="3200" b="1" dirty="0" smtClean="0">
                 <a:solidFill>
                   <a:srgbClr val="171717"/>
                 </a:solidFill>
-                <a:latin typeface="Segoe UI" panose="020B0502040204020203" pitchFamily="34" charset="0"/>
+                <a:latin typeface="微软雅黑 Light" panose="020B0502040204020203" pitchFamily="34" charset="-122"/>
+                <a:ea typeface="微软雅黑 Light" panose="020B0502040204020203" pitchFamily="34" charset="-122"/>
               </a:rPr>
               <a:t>，每个</a:t>
             </a:r>
             <a:r>
-              <a:rPr lang="en-US" altLang="zh-CN" b="1" dirty="0" err="1" smtClean="0">
+              <a:rPr lang="en-US" altLang="zh-CN" sz="3200" b="1" dirty="0" err="1" smtClean="0">
                 <a:solidFill>
                   <a:srgbClr val="171717"/>
                 </a:solidFill>
-                <a:latin typeface="Segoe UI" panose="020B0502040204020203" pitchFamily="34" charset="0"/>
+                <a:latin typeface="微软雅黑 Light" panose="020B0502040204020203" pitchFamily="34" charset="-122"/>
+                <a:ea typeface="微软雅黑 Light" panose="020B0502040204020203" pitchFamily="34" charset="-122"/>
               </a:rPr>
               <a:t>pso</a:t>
             </a:r>
             <a:r>
-              <a:rPr lang="zh-CN" altLang="en-US" b="1" dirty="0" smtClean="0">
+              <a:rPr lang="zh-CN" altLang="en-US" sz="3200" b="1" dirty="0" smtClean="0">
                 <a:solidFill>
                   <a:srgbClr val="171717"/>
                 </a:solidFill>
-                <a:latin typeface="Segoe UI" panose="020B0502040204020203" pitchFamily="34" charset="0"/>
+                <a:latin typeface="微软雅黑 Light" panose="020B0502040204020203" pitchFamily="34" charset="-122"/>
+                <a:ea typeface="微软雅黑 Light" panose="020B0502040204020203" pitchFamily="34" charset="-122"/>
               </a:rPr>
               <a:t>执行时可以单个设置自己的</a:t>
             </a:r>
             <a:r>
-              <a:rPr lang="en-US" altLang="zh-CN" b="1" dirty="0" smtClean="0">
+              <a:rPr lang="en-US" altLang="zh-CN" sz="3200" b="1" dirty="0" smtClean="0">
                 <a:solidFill>
                   <a:srgbClr val="171717"/>
                 </a:solidFill>
-                <a:latin typeface="Segoe UI" panose="020B0502040204020203" pitchFamily="34" charset="0"/>
+                <a:latin typeface="微软雅黑 Light" panose="020B0502040204020203" pitchFamily="34" charset="-122"/>
+                <a:ea typeface="微软雅黑 Light" panose="020B0502040204020203" pitchFamily="34" charset="-122"/>
               </a:rPr>
               <a:t>binding</a:t>
             </a:r>
             <a:r>
-              <a:rPr lang="zh-CN" altLang="en-US" b="1" dirty="0" smtClean="0">
+              <a:rPr lang="zh-CN" altLang="en-US" sz="3200" b="1" dirty="0" smtClean="0">
                 <a:solidFill>
                   <a:srgbClr val="171717"/>
                 </a:solidFill>
-                <a:latin typeface="Segoe UI" panose="020B0502040204020203" pitchFamily="34" charset="0"/>
+                <a:latin typeface="微软雅黑 Light" panose="020B0502040204020203" pitchFamily="34" charset="-122"/>
+                <a:ea typeface="微软雅黑 Light" panose="020B0502040204020203" pitchFamily="34" charset="-122"/>
               </a:rPr>
               <a:t>数据</a:t>
             </a:r>
-            <a:endParaRPr lang="en-US" altLang="zh-CN" b="1" dirty="0" smtClean="0">
+            <a:endParaRPr lang="en-US" altLang="zh-CN" sz="3200" b="1" dirty="0" smtClean="0">
               <a:solidFill>
                 <a:srgbClr val="171717"/>
               </a:solidFill>
-              <a:latin typeface="Segoe UI" panose="020B0502040204020203" pitchFamily="34" charset="0"/>
+              <a:latin typeface="微软雅黑 Light" panose="020B0502040204020203" pitchFamily="34" charset="-122"/>
+              <a:ea typeface="微软雅黑 Light" panose="020B0502040204020203" pitchFamily="34" charset="-122"/>
             </a:endParaRPr>
           </a:p>
           <a:p>
             <a:pPr marL="742950" indent="-742950">
+              <a:spcBef>
+                <a:spcPts val="1200"/>
+              </a:spcBef>
               <a:buFontTx/>
               <a:buAutoNum type="arabicPeriod"/>
             </a:pPr>
             <a:r>
-              <a:rPr lang="en-US" altLang="zh-CN" b="1" dirty="0" smtClean="0">
+              <a:rPr lang="en-US" altLang="zh-CN" sz="3200" b="1" dirty="0" smtClean="0">
                 <a:solidFill>
                   <a:srgbClr val="171717"/>
                 </a:solidFill>
-                <a:latin typeface="Segoe UI" panose="020B0502040204020203" pitchFamily="34" charset="0"/>
+                <a:latin typeface="微软雅黑 Light" panose="020B0502040204020203" pitchFamily="34" charset="-122"/>
+                <a:ea typeface="微软雅黑 Light" panose="020B0502040204020203" pitchFamily="34" charset="-122"/>
               </a:rPr>
               <a:t>App</a:t>
             </a:r>
             <a:r>
-              <a:rPr lang="zh-CN" altLang="en-US" b="1" dirty="0" smtClean="0">
+              <a:rPr lang="zh-CN" altLang="en-US" sz="3200" b="1" dirty="0" smtClean="0">
                 <a:solidFill>
                   <a:srgbClr val="171717"/>
                 </a:solidFill>
-                <a:latin typeface="Segoe UI" panose="020B0502040204020203" pitchFamily="34" charset="0"/>
+                <a:latin typeface="微软雅黑 Light" panose="020B0502040204020203" pitchFamily="34" charset="-122"/>
+                <a:ea typeface="微软雅黑 Light" panose="020B0502040204020203" pitchFamily="34" charset="-122"/>
               </a:rPr>
               <a:t>层可以控制</a:t>
             </a:r>
             <a:r>
-              <a:rPr lang="en-US" altLang="zh-CN" b="1" dirty="0" smtClean="0">
+              <a:rPr lang="en-US" altLang="zh-CN" sz="3200" b="1" dirty="0" smtClean="0">
                 <a:solidFill>
                   <a:srgbClr val="171717"/>
                 </a:solidFill>
-                <a:latin typeface="Segoe UI" panose="020B0502040204020203" pitchFamily="34" charset="0"/>
+                <a:latin typeface="微软雅黑 Light" panose="020B0502040204020203" pitchFamily="34" charset="-122"/>
+                <a:ea typeface="微软雅黑 Light" panose="020B0502040204020203" pitchFamily="34" charset="-122"/>
               </a:rPr>
               <a:t>descriptor table </a:t>
             </a:r>
             <a:r>
-              <a:rPr lang="zh-CN" altLang="en-US" b="1" dirty="0" smtClean="0">
+              <a:rPr lang="zh-CN" altLang="en-US" sz="3200" b="1" dirty="0" smtClean="0">
                 <a:solidFill>
                   <a:srgbClr val="171717"/>
                 </a:solidFill>
-                <a:latin typeface="Segoe UI" panose="020B0502040204020203" pitchFamily="34" charset="0"/>
+                <a:latin typeface="微软雅黑 Light" panose="020B0502040204020203" pitchFamily="34" charset="-122"/>
+                <a:ea typeface="微软雅黑 Light" panose="020B0502040204020203" pitchFamily="34" charset="-122"/>
               </a:rPr>
               <a:t>和</a:t>
             </a:r>
             <a:r>
-              <a:rPr lang="en-US" altLang="zh-CN" b="1" dirty="0" smtClean="0">
+              <a:rPr lang="en-US" altLang="zh-CN" sz="3200" b="1" dirty="0" smtClean="0">
                 <a:solidFill>
                   <a:srgbClr val="171717"/>
                 </a:solidFill>
-                <a:latin typeface="Segoe UI" panose="020B0502040204020203" pitchFamily="34" charset="0"/>
+                <a:latin typeface="微软雅黑 Light" panose="020B0502040204020203" pitchFamily="34" charset="-122"/>
+                <a:ea typeface="微软雅黑 Light" panose="020B0502040204020203" pitchFamily="34" charset="-122"/>
               </a:rPr>
               <a:t>inline descriptor</a:t>
             </a:r>
             <a:r>
-              <a:rPr lang="zh-CN" altLang="en-US" b="1" dirty="0" smtClean="0">
+              <a:rPr lang="zh-CN" altLang="en-US" sz="3200" b="1" dirty="0" smtClean="0">
                 <a:solidFill>
                   <a:srgbClr val="171717"/>
                 </a:solidFill>
-                <a:latin typeface="Segoe UI" panose="020B0502040204020203" pitchFamily="34" charset="0"/>
+                <a:latin typeface="微软雅黑 Light" panose="020B0502040204020203" pitchFamily="34" charset="-122"/>
+                <a:ea typeface="微软雅黑 Light" panose="020B0502040204020203" pitchFamily="34" charset="-122"/>
               </a:rPr>
               <a:t>的数量</a:t>
             </a:r>
-            <a:endParaRPr lang="en-US" altLang="zh-CN" b="1" dirty="0" smtClean="0">
+            <a:endParaRPr lang="en-US" altLang="zh-CN" sz="3200" b="1" dirty="0" smtClean="0">
               <a:solidFill>
                 <a:srgbClr val="171717"/>
               </a:solidFill>
-              <a:latin typeface="Segoe UI" panose="020B0502040204020203" pitchFamily="34" charset="0"/>
+              <a:latin typeface="微软雅黑 Light" panose="020B0502040204020203" pitchFamily="34" charset="-122"/>
+              <a:ea typeface="微软雅黑 Light" panose="020B0502040204020203" pitchFamily="34" charset="-122"/>
             </a:endParaRPr>
           </a:p>
         </p:txBody>
@@ -17651,7 +17889,7 @@
                 <a:ea typeface="方正姚体" panose="02010601030101010101" pitchFamily="2" charset="-122"/>
                 <a:sym typeface="Helvetica Light"/>
               </a:rPr>
-              <a:t>. Case</a:t>
+              <a:t>. Limits</a:t>
             </a:r>
             <a:endParaRPr lang="en-US" altLang="zh-CN" sz="3200" dirty="0" smtClean="0">
               <a:solidFill>
@@ -17671,7 +17909,7 @@
         <p:spPr>
           <a:xfrm>
             <a:off x="2379968" y="4278140"/>
-            <a:ext cx="11578079" cy="646331"/>
+            <a:ext cx="11578079" cy="1754326"/>
           </a:xfrm>
           <a:prstGeom prst="rect">
             <a:avLst/>
@@ -17688,20 +17926,34 @@
               <a:buAutoNum type="arabicPeriod"/>
             </a:pPr>
             <a:r>
-              <a:rPr lang="zh-CN" altLang="en-US" b="1" dirty="0" smtClean="0">
-                <a:solidFill>
-                  <a:srgbClr val="171717"/>
-                </a:solidFill>
-                <a:latin typeface="Segoe UI" panose="020B0502040204020203" pitchFamily="34" charset="0"/>
-              </a:rPr>
-              <a:t>关系总结</a:t>
-            </a:r>
-            <a:endParaRPr lang="en-US" altLang="zh-CN" b="1" dirty="0" smtClean="0">
-              <a:solidFill>
-                <a:srgbClr val="171717"/>
-              </a:solidFill>
-              <a:latin typeface="Segoe UI" panose="020B0502040204020203" pitchFamily="34" charset="0"/>
-            </a:endParaRPr>
+              <a:rPr lang="en-US" altLang="zh-CN" b="1" dirty="0"/>
+              <a:t>Memory limits and costs</a:t>
+            </a:r>
+          </a:p>
+          <a:p>
+            <a:pPr marL="742950" indent="-742950">
+              <a:buFontTx/>
+              <a:buAutoNum type="arabicPeriod"/>
+            </a:pPr>
+            <a:r>
+              <a:rPr lang="en-US" altLang="zh-CN" b="1" dirty="0"/>
+              <a:t>Performance costs</a:t>
+            </a:r>
+          </a:p>
+          <a:p>
+            <a:pPr marL="742950" indent="-742950">
+              <a:buFontTx/>
+              <a:buAutoNum type="arabicPeriod"/>
+            </a:pPr>
+            <a:r>
+              <a:rPr lang="en-US" altLang="zh-CN" b="1" dirty="0"/>
+              <a:t>Static </a:t>
+            </a:r>
+            <a:r>
+              <a:rPr lang="en-US" altLang="zh-CN" b="1" dirty="0" smtClean="0"/>
+              <a:t>samplers</a:t>
+            </a:r>
+            <a:endParaRPr lang="en-US" altLang="zh-CN" b="1" dirty="0"/>
           </a:p>
         </p:txBody>
       </p:sp>
@@ -17721,8 +17973,8 @@
         </p:blipFill>
         <p:spPr>
           <a:xfrm>
-            <a:off x="14772499" y="3295650"/>
-            <a:ext cx="8830266" cy="6607475"/>
+            <a:off x="15656895" y="2141710"/>
+            <a:ext cx="7384122" cy="8371021"/>
           </a:xfrm>
           <a:prstGeom prst="rect">
             <a:avLst/>
@@ -17732,7 +17984,7 @@
     </p:spTree>
     <p:extLst>
       <p:ext uri="{BB962C8B-B14F-4D97-AF65-F5344CB8AC3E}">
-        <p14:creationId xmlns:p14="http://schemas.microsoft.com/office/powerpoint/2010/main" val="522009141"/>
+        <p14:creationId xmlns:p14="http://schemas.microsoft.com/office/powerpoint/2010/main" val="3169991547"/>
       </p:ext>
     </p:extLst>
   </p:cSld>
@@ -18005,7 +18257,7 @@
         <p:spPr>
           <a:xfrm>
             <a:off x="2379968" y="4278140"/>
-            <a:ext cx="11578079" cy="646331"/>
+            <a:ext cx="11578079" cy="3970318"/>
           </a:xfrm>
           <a:prstGeom prst="rect">
             <a:avLst/>
@@ -18028,7 +18280,16 @@
                 </a:solidFill>
                 <a:latin typeface="Segoe UI" panose="020B0502040204020203" pitchFamily="34" charset="0"/>
               </a:rPr>
-              <a:t>示例</a:t>
+              <a:t>关系</a:t>
+            </a:r>
+            <a:r>
+              <a:rPr lang="zh-CN" altLang="en-US" b="1" dirty="0" smtClean="0">
+                <a:solidFill>
+                  <a:srgbClr val="171717"/>
+                </a:solidFill>
+                <a:latin typeface="Segoe UI" panose="020B0502040204020203" pitchFamily="34" charset="0"/>
+              </a:rPr>
+              <a:t>总结</a:t>
             </a:r>
             <a:endParaRPr lang="en-US" altLang="zh-CN" b="1" dirty="0" smtClean="0">
               <a:solidFill>
@@ -18037,12 +18298,192 @@
               <a:latin typeface="Segoe UI" panose="020B0502040204020203" pitchFamily="34" charset="0"/>
             </a:endParaRPr>
           </a:p>
+          <a:p>
+            <a:pPr marL="1657350" lvl="1" indent="-742950">
+              <a:buFontTx/>
+              <a:buAutoNum type="arabicPeriod"/>
+            </a:pPr>
+            <a:r>
+              <a:rPr lang="en-US" altLang="zh-CN" b="1" dirty="0" smtClean="0">
+                <a:solidFill>
+                  <a:srgbClr val="171717"/>
+                </a:solidFill>
+                <a:latin typeface="Segoe UI" panose="020B0502040204020203" pitchFamily="34" charset="0"/>
+              </a:rPr>
+              <a:t>Root Signature</a:t>
+            </a:r>
+            <a:r>
+              <a:rPr lang="zh-CN" altLang="en-US" b="1" dirty="0" smtClean="0">
+                <a:solidFill>
+                  <a:srgbClr val="171717"/>
+                </a:solidFill>
+                <a:latin typeface="Segoe UI" panose="020B0502040204020203" pitchFamily="34" charset="0"/>
+              </a:rPr>
+              <a:t>相当于函数签名</a:t>
+            </a:r>
+            <a:endParaRPr lang="en-US" altLang="zh-CN" b="1" dirty="0" smtClean="0">
+              <a:solidFill>
+                <a:srgbClr val="171717"/>
+              </a:solidFill>
+              <a:latin typeface="Segoe UI" panose="020B0502040204020203" pitchFamily="34" charset="0"/>
+            </a:endParaRPr>
+          </a:p>
+          <a:p>
+            <a:pPr marL="1657350" lvl="1" indent="-742950">
+              <a:buFontTx/>
+              <a:buAutoNum type="arabicPeriod"/>
+            </a:pPr>
+            <a:r>
+              <a:rPr lang="en-US" altLang="zh-CN" b="1" dirty="0" smtClean="0">
+                <a:solidFill>
+                  <a:srgbClr val="171717"/>
+                </a:solidFill>
+                <a:latin typeface="Segoe UI" panose="020B0502040204020203" pitchFamily="34" charset="0"/>
+              </a:rPr>
+              <a:t>Descriptor Heap</a:t>
+            </a:r>
+            <a:r>
+              <a:rPr lang="zh-CN" altLang="en-US" b="1" dirty="0" smtClean="0">
+                <a:solidFill>
+                  <a:srgbClr val="171717"/>
+                </a:solidFill>
+                <a:latin typeface="Segoe UI" panose="020B0502040204020203" pitchFamily="34" charset="0"/>
+              </a:rPr>
+              <a:t>是存储</a:t>
+            </a:r>
+            <a:r>
+              <a:rPr lang="en-US" altLang="zh-CN" b="1" dirty="0" smtClean="0">
+                <a:solidFill>
+                  <a:srgbClr val="171717"/>
+                </a:solidFill>
+                <a:latin typeface="Segoe UI" panose="020B0502040204020203" pitchFamily="34" charset="0"/>
+              </a:rPr>
+              <a:t>Resource</a:t>
+            </a:r>
+            <a:r>
+              <a:rPr lang="zh-CN" altLang="en-US" b="1" dirty="0" smtClean="0">
+                <a:solidFill>
+                  <a:srgbClr val="171717"/>
+                </a:solidFill>
+                <a:latin typeface="Segoe UI" panose="020B0502040204020203" pitchFamily="34" charset="0"/>
+              </a:rPr>
+              <a:t>地址的连续内存块</a:t>
+            </a:r>
+            <a:endParaRPr lang="en-US" altLang="zh-CN" b="1" dirty="0" smtClean="0">
+              <a:solidFill>
+                <a:srgbClr val="171717"/>
+              </a:solidFill>
+              <a:latin typeface="Segoe UI" panose="020B0502040204020203" pitchFamily="34" charset="0"/>
+            </a:endParaRPr>
+          </a:p>
+          <a:p>
+            <a:pPr marL="1657350" lvl="1" indent="-742950">
+              <a:buFontTx/>
+              <a:buAutoNum type="arabicPeriod"/>
+            </a:pPr>
+            <a:r>
+              <a:rPr lang="en-US" altLang="zh-CN" b="1" dirty="0" smtClean="0">
+                <a:solidFill>
+                  <a:srgbClr val="171717"/>
+                </a:solidFill>
+                <a:latin typeface="Segoe UI" panose="020B0502040204020203" pitchFamily="34" charset="0"/>
+              </a:rPr>
+              <a:t>Descriptor Table</a:t>
+            </a:r>
+            <a:r>
+              <a:rPr lang="zh-CN" altLang="en-US" b="1" dirty="0" smtClean="0">
+                <a:solidFill>
+                  <a:srgbClr val="171717"/>
+                </a:solidFill>
+                <a:latin typeface="Segoe UI" panose="020B0502040204020203" pitchFamily="34" charset="0"/>
+              </a:rPr>
+              <a:t>是</a:t>
+            </a:r>
+            <a:r>
+              <a:rPr lang="en-US" altLang="zh-CN" b="1" dirty="0" smtClean="0">
+                <a:solidFill>
+                  <a:srgbClr val="171717"/>
+                </a:solidFill>
+                <a:latin typeface="Segoe UI" panose="020B0502040204020203" pitchFamily="34" charset="0"/>
+              </a:rPr>
+              <a:t>Descriptor Heap</a:t>
+            </a:r>
+            <a:r>
+              <a:rPr lang="zh-CN" altLang="en-US" b="1" dirty="0" smtClean="0">
+                <a:solidFill>
+                  <a:srgbClr val="171717"/>
+                </a:solidFill>
+                <a:latin typeface="Segoe UI" panose="020B0502040204020203" pitchFamily="34" charset="0"/>
+              </a:rPr>
+              <a:t>上的一段索引，可以根据不同的</a:t>
+            </a:r>
+            <a:r>
+              <a:rPr lang="en-US" altLang="zh-CN" b="1" dirty="0" err="1" smtClean="0">
+                <a:solidFill>
+                  <a:srgbClr val="171717"/>
+                </a:solidFill>
+                <a:latin typeface="Segoe UI" panose="020B0502040204020203" pitchFamily="34" charset="0"/>
+              </a:rPr>
+              <a:t>drawcall</a:t>
+            </a:r>
+            <a:r>
+              <a:rPr lang="zh-CN" altLang="en-US" b="1" dirty="0" smtClean="0">
+                <a:solidFill>
+                  <a:srgbClr val="171717"/>
+                </a:solidFill>
+                <a:latin typeface="Segoe UI" panose="020B0502040204020203" pitchFamily="34" charset="0"/>
+              </a:rPr>
+              <a:t>需求更改</a:t>
+            </a:r>
+            <a:endParaRPr lang="en-US" altLang="zh-CN" b="1" dirty="0" smtClean="0">
+              <a:solidFill>
+                <a:srgbClr val="171717"/>
+              </a:solidFill>
+              <a:latin typeface="Segoe UI" panose="020B0502040204020203" pitchFamily="34" charset="0"/>
+            </a:endParaRPr>
+          </a:p>
+          <a:p>
+            <a:pPr marL="1657350" lvl="1" indent="-742950">
+              <a:buFontTx/>
+              <a:buAutoNum type="arabicPeriod"/>
+            </a:pPr>
+            <a:endParaRPr lang="en-US" altLang="zh-CN" b="1" dirty="0" smtClean="0">
+              <a:solidFill>
+                <a:srgbClr val="171717"/>
+              </a:solidFill>
+              <a:latin typeface="Segoe UI" panose="020B0502040204020203" pitchFamily="34" charset="0"/>
+            </a:endParaRPr>
+          </a:p>
         </p:txBody>
       </p:sp>
+      <p:pic>
+        <p:nvPicPr>
+          <p:cNvPr id="8" name="图片 7"/>
+          <p:cNvPicPr>
+            <a:picLocks noChangeAspect="1"/>
+          </p:cNvPicPr>
+          <p:nvPr/>
+        </p:nvPicPr>
+        <p:blipFill>
+          <a:blip r:embed="rId4"/>
+          <a:stretch>
+            <a:fillRect/>
+          </a:stretch>
+        </p:blipFill>
+        <p:spPr>
+          <a:xfrm>
+            <a:off x="14772499" y="3295650"/>
+            <a:ext cx="8830266" cy="6607475"/>
+          </a:xfrm>
+          <a:prstGeom prst="rect">
+            <a:avLst/>
+          </a:prstGeom>
+        </p:spPr>
+      </p:pic>
     </p:spTree>
     <p:extLst>
       <p:ext uri="{BB962C8B-B14F-4D97-AF65-F5344CB8AC3E}">
-        <p14:creationId xmlns:p14="http://schemas.microsoft.com/office/powerpoint/2010/main" val="4168121856"/>
+        <p14:creationId xmlns:p14="http://schemas.microsoft.com/office/powerpoint/2010/main" val="522009141"/>
       </p:ext>
     </p:extLst>
   </p:cSld>
@@ -18295,7 +18736,7 @@
                 <a:ea typeface="方正姚体" panose="02010601030101010101" pitchFamily="2" charset="-122"/>
                 <a:sym typeface="Helvetica Light"/>
               </a:rPr>
-              <a:t>. Limits</a:t>
+              <a:t>. Case</a:t>
             </a:r>
             <a:endParaRPr lang="en-US" altLang="zh-CN" sz="3200" dirty="0" smtClean="0">
               <a:solidFill>
@@ -18315,7 +18756,7 @@
         <p:spPr>
           <a:xfrm>
             <a:off x="2379968" y="4278140"/>
-            <a:ext cx="11578079" cy="1754326"/>
+            <a:ext cx="11578079" cy="646331"/>
           </a:xfrm>
           <a:prstGeom prst="rect">
             <a:avLst/>
@@ -18332,65 +18773,27 @@
               <a:buAutoNum type="arabicPeriod"/>
             </a:pPr>
             <a:r>
-              <a:rPr lang="en-US" altLang="zh-CN" b="1" dirty="0"/>
-              <a:t>Memory limits and costs</a:t>
-            </a:r>
-          </a:p>
-          <a:p>
-            <a:pPr marL="742950" indent="-742950">
-              <a:buFontTx/>
-              <a:buAutoNum type="arabicPeriod"/>
-            </a:pPr>
-            <a:r>
-              <a:rPr lang="en-US" altLang="zh-CN" b="1" dirty="0"/>
-              <a:t>Performance costs</a:t>
-            </a:r>
-          </a:p>
-          <a:p>
-            <a:pPr marL="742950" indent="-742950">
-              <a:buFontTx/>
-              <a:buAutoNum type="arabicPeriod"/>
-            </a:pPr>
-            <a:r>
-              <a:rPr lang="en-US" altLang="zh-CN" b="1" dirty="0"/>
-              <a:t>Static </a:t>
-            </a:r>
-            <a:r>
-              <a:rPr lang="en-US" altLang="zh-CN" b="1" dirty="0" smtClean="0"/>
-              <a:t>samplers</a:t>
-            </a:r>
-            <a:endParaRPr lang="en-US" altLang="zh-CN" b="1" dirty="0"/>
+              <a:rPr lang="zh-CN" altLang="en-US" b="1" dirty="0" smtClean="0">
+                <a:solidFill>
+                  <a:srgbClr val="171717"/>
+                </a:solidFill>
+                <a:latin typeface="Segoe UI" panose="020B0502040204020203" pitchFamily="34" charset="0"/>
+              </a:rPr>
+              <a:t>示例</a:t>
+            </a:r>
+            <a:endParaRPr lang="en-US" altLang="zh-CN" b="1" dirty="0" smtClean="0">
+              <a:solidFill>
+                <a:srgbClr val="171717"/>
+              </a:solidFill>
+              <a:latin typeface="Segoe UI" panose="020B0502040204020203" pitchFamily="34" charset="0"/>
+            </a:endParaRPr>
           </a:p>
         </p:txBody>
       </p:sp>
-      <p:pic>
-        <p:nvPicPr>
-          <p:cNvPr id="8" name="图片 7"/>
-          <p:cNvPicPr>
-            <a:picLocks noChangeAspect="1"/>
-          </p:cNvPicPr>
-          <p:nvPr/>
-        </p:nvPicPr>
-        <p:blipFill>
-          <a:blip r:embed="rId4"/>
-          <a:stretch>
-            <a:fillRect/>
-          </a:stretch>
-        </p:blipFill>
-        <p:spPr>
-          <a:xfrm>
-            <a:off x="15656895" y="2141710"/>
-            <a:ext cx="7384122" cy="8371021"/>
-          </a:xfrm>
-          <a:prstGeom prst="rect">
-            <a:avLst/>
-          </a:prstGeom>
-        </p:spPr>
-      </p:pic>
     </p:spTree>
     <p:extLst>
       <p:ext uri="{BB962C8B-B14F-4D97-AF65-F5344CB8AC3E}">
-        <p14:creationId xmlns:p14="http://schemas.microsoft.com/office/powerpoint/2010/main" val="3169991547"/>
+        <p14:creationId xmlns:p14="http://schemas.microsoft.com/office/powerpoint/2010/main" val="4168121856"/>
       </p:ext>
     </p:extLst>
   </p:cSld>
@@ -20337,7 +20740,7 @@
         <p:spPr>
           <a:xfrm>
             <a:off x="9989292" y="4183930"/>
-            <a:ext cx="12700000" cy="1210588"/>
+            <a:ext cx="12700000" cy="1764586"/>
           </a:xfrm>
           <a:prstGeom prst="rect">
             <a:avLst/>
@@ -20402,7 +20805,24 @@
             </a:r>
             <a:r>
               <a:rPr lang="zh-CN" altLang="en-US" sz="3600" b="1" dirty="0" smtClean="0"/>
-              <a:t>技术白皮书</a:t>
+              <a:t>技术</a:t>
+            </a:r>
+            <a:r>
+              <a:rPr lang="zh-CN" altLang="en-US" sz="3600" b="1" dirty="0" smtClean="0"/>
+              <a:t>白皮书</a:t>
+            </a:r>
+            <a:endParaRPr lang="en-US" altLang="zh-CN" sz="3600" b="1" dirty="0" smtClean="0"/>
+          </a:p>
+          <a:p>
+            <a:pPr marL="457200" indent="-457200">
+              <a:buFont typeface="Wingdings" panose="05000000000000000000" pitchFamily="2" charset="2"/>
+              <a:buChar char="ü"/>
+            </a:pPr>
+            <a:r>
+              <a:rPr lang="en-US" altLang="zh-CN" sz="3600" dirty="0">
+                <a:hlinkClick r:id="rId4"/>
+              </a:rPr>
+              <a:t>DirectX 12 | 3D Game Engine Programming (3dgep.com)</a:t>
             </a:r>
             <a:endParaRPr lang="en-US" altLang="zh-CN" sz="3600" b="1" dirty="0"/>
           </a:p>
@@ -20417,7 +20837,7 @@
           <p:nvPr/>
         </p:nvPicPr>
         <p:blipFill rotWithShape="1">
-          <a:blip r:embed="rId4" cstate="print">
+          <a:blip r:embed="rId5" cstate="print">
             <a:extLst>
               <a:ext uri="{28A0092B-C50C-407E-A947-70E740481C1C}">
                 <a14:useLocalDpi xmlns:a14="http://schemas.microsoft.com/office/drawing/2010/main" val="0"/>
@@ -20932,23 +21352,7 @@
                 <a:ea typeface="方正姚体" panose="02010601030101010101" pitchFamily="2" charset="-122"/>
                 <a:sym typeface="Helvetica Light"/>
               </a:rPr>
-              <a:t>. </a:t>
-            </a:r>
-            <a:r>
-              <a:rPr kumimoji="0" lang="en-US" altLang="zh-CN" sz="4000" b="0" i="0" u="none" strike="noStrike" cap="none" spc="0" normalizeH="0" baseline="0" dirty="0" smtClean="0">
-                <a:ln>
-                  <a:noFill/>
-                </a:ln>
-                <a:solidFill>
-                  <a:srgbClr val="000000"/>
-                </a:solidFill>
-                <a:effectLst/>
-                <a:uFillTx/>
-                <a:latin typeface="方正姚体" panose="02010601030101010101" pitchFamily="2" charset="-122"/>
-                <a:ea typeface="方正姚体" panose="02010601030101010101" pitchFamily="2" charset="-122"/>
-                <a:sym typeface="Helvetica Light"/>
-              </a:rPr>
-              <a:t>1 </a:t>
+              <a:t>. 1 </a:t>
             </a:r>
             <a:r>
               <a:rPr lang="en-US" altLang="zh-CN" sz="3200" dirty="0" smtClean="0">
@@ -21395,23 +21799,7 @@
                 <a:ea typeface="方正姚体" panose="02010601030101010101" pitchFamily="2" charset="-122"/>
                 <a:sym typeface="Helvetica Light"/>
               </a:rPr>
-              <a:t>. </a:t>
-            </a:r>
-            <a:r>
-              <a:rPr kumimoji="0" lang="en-US" altLang="zh-CN" sz="4000" b="0" i="0" u="none" strike="noStrike" cap="none" spc="0" normalizeH="0" baseline="0" dirty="0" smtClean="0">
-                <a:ln>
-                  <a:noFill/>
-                </a:ln>
-                <a:solidFill>
-                  <a:srgbClr val="000000"/>
-                </a:solidFill>
-                <a:effectLst/>
-                <a:uFillTx/>
-                <a:latin typeface="方正姚体" panose="02010601030101010101" pitchFamily="2" charset="-122"/>
-                <a:ea typeface="方正姚体" panose="02010601030101010101" pitchFamily="2" charset="-122"/>
-                <a:sym typeface="Helvetica Light"/>
-              </a:rPr>
-              <a:t>1 </a:t>
+              <a:t>. 1 </a:t>
             </a:r>
             <a:r>
               <a:rPr lang="en-US" altLang="zh-CN" sz="3200" dirty="0" smtClean="0">
@@ -21492,34 +21880,7 @@
                 </a:solidFill>
                 <a:sym typeface="Helvetica Light"/>
               </a:rPr>
-              <a:t>，</a:t>
-            </a:r>
-            <a:r>
-              <a:rPr lang="zh-CN" altLang="en-US" sz="3200" b="0" dirty="0" smtClean="0">
-                <a:solidFill>
-                  <a:srgbClr val="000000"/>
-                </a:solidFill>
-                <a:sym typeface="Helvetica Light"/>
-              </a:rPr>
-              <a:t>不同的管线</a:t>
-            </a:r>
-            <a:r>
-              <a:rPr lang="zh-CN" altLang="en-US" sz="3200" b="0" dirty="0" smtClean="0">
-                <a:solidFill>
-                  <a:srgbClr val="000000"/>
-                </a:solidFill>
-                <a:sym typeface="Helvetica Light"/>
-              </a:rPr>
-              <a:t>阶段，</a:t>
-            </a:r>
-            <a:r>
-              <a:rPr lang="zh-CN" altLang="en-US" sz="3200" b="0" dirty="0" smtClean="0">
-                <a:solidFill>
-                  <a:srgbClr val="000000"/>
-                </a:solidFill>
-                <a:sym typeface="Helvetica Light"/>
-              </a:rPr>
-              <a:t>等需求都一套比较科学的系统，称之为</a:t>
+              <a:t>，不同的管线阶段，等需求都一套比较科学的系统，称之为</a:t>
             </a:r>
             <a:r>
               <a:rPr lang="en-US" altLang="zh-CN" sz="3200" b="0" dirty="0" smtClean="0">
@@ -21581,16 +21942,7 @@
                 </a:solidFill>
                 <a:sym typeface="Helvetica Light"/>
               </a:rPr>
-              <a:t>的绑定，管理</a:t>
-            </a:r>
-            <a:r>
-              <a:rPr lang="zh-CN" altLang="en-US" sz="3200" b="0" dirty="0" smtClean="0">
-                <a:solidFill>
-                  <a:srgbClr val="000000"/>
-                </a:solidFill>
-                <a:sym typeface="Helvetica Light"/>
-              </a:rPr>
-              <a:t>和使用，资源的生命周期，存储的管理，状态的转换等；</a:t>
+              <a:t>的绑定，管理和使用，资源的生命周期，存储的管理，状态的转换等；</a:t>
             </a:r>
             <a:endParaRPr lang="en-US" altLang="zh-CN" sz="3200" b="0" dirty="0" smtClean="0">
               <a:solidFill>
@@ -22896,11 +23248,7 @@
             </a:pPr>
             <a:r>
               <a:rPr lang="en-US" altLang="zh-CN" sz="3200" b="0" dirty="0"/>
-              <a:t>Resource </a:t>
-            </a:r>
-            <a:r>
-              <a:rPr lang="en-US" altLang="zh-CN" sz="3200" b="0" dirty="0"/>
-              <a:t>State </a:t>
+              <a:t>Resource State </a:t>
             </a:r>
             <a:r>
               <a:rPr lang="zh-CN" altLang="en-US" sz="3200" b="0" dirty="0"/>

--- a/PPTs/05.深入DX12绘制二.pptx
+++ b/PPTs/05.深入DX12绘制二.pptx
@@ -11644,11 +11644,7 @@
             </a:r>
             <a:r>
               <a:rPr lang="zh-CN" altLang="en-US" sz="2800" dirty="0" smtClean="0"/>
-              <a:t>层需要明确</a:t>
-            </a:r>
-            <a:r>
-              <a:rPr lang="zh-CN" altLang="en-US" sz="2800" dirty="0" smtClean="0"/>
-              <a:t>资源</a:t>
+              <a:t>层需要明确资源</a:t>
             </a:r>
             <a:r>
               <a:rPr lang="zh-CN" altLang="en-US" sz="2800" dirty="0"/>
@@ -11656,11 +11652,7 @@
             </a:r>
             <a:r>
               <a:rPr lang="zh-CN" altLang="en-US" sz="2800" dirty="0" smtClean="0"/>
-              <a:t>转换</a:t>
-            </a:r>
-            <a:r>
-              <a:rPr lang="zh-CN" altLang="en-US" sz="2800" dirty="0" smtClean="0"/>
-              <a:t>的时机</a:t>
+              <a:t>转换的时机</a:t>
             </a:r>
             <a:endParaRPr lang="en-US" altLang="zh-CN" sz="2800" dirty="0" smtClean="0"/>
           </a:p>
@@ -16255,16 +16247,7 @@
                 </a:solidFill>
                 <a:sym typeface="Helvetica Light"/>
               </a:rPr>
-              <a:t>掌握相关数据</a:t>
-            </a:r>
-            <a:r>
-              <a:rPr lang="zh-CN" altLang="en-US" sz="3200" b="0" dirty="0" smtClean="0">
-                <a:solidFill>
-                  <a:srgbClr val="000000"/>
-                </a:solidFill>
-                <a:sym typeface="Helvetica Light"/>
-              </a:rPr>
-              <a:t>的封装。</a:t>
+              <a:t>掌握相关数据的封装。</a:t>
             </a:r>
             <a:endParaRPr lang="en-US" altLang="zh-CN" sz="3200" b="0" dirty="0" smtClean="0">
               <a:solidFill>
@@ -18370,17 +18353,7 @@
                 <a:latin typeface="微软雅黑 Light" panose="020B0502040204020203" pitchFamily="34" charset="-122"/>
                 <a:ea typeface="微软雅黑 Light" panose="020B0502040204020203" pitchFamily="34" charset="-122"/>
               </a:rPr>
-              <a:t>Root </a:t>
-            </a:r>
-            <a:r>
-              <a:rPr lang="en-US" altLang="zh-CN" sz="3200" b="1" dirty="0" smtClean="0">
-                <a:solidFill>
-                  <a:srgbClr val="171717"/>
-                </a:solidFill>
-                <a:latin typeface="微软雅黑 Light" panose="020B0502040204020203" pitchFamily="34" charset="-122"/>
-                <a:ea typeface="微软雅黑 Light" panose="020B0502040204020203" pitchFamily="34" charset="-122"/>
-              </a:rPr>
-              <a:t>Constants</a:t>
+              <a:t>Root Constants</a:t>
             </a:r>
           </a:p>
           <a:p>
@@ -18420,6 +18393,75 @@
               </a:rPr>
               <a:t>Constant buffer</a:t>
             </a:r>
+          </a:p>
+          <a:p>
+            <a:pPr marL="742950" indent="-742950">
+              <a:spcBef>
+                <a:spcPts val="1200"/>
+              </a:spcBef>
+              <a:buFontTx/>
+              <a:buAutoNum type="arabicPeriod"/>
+            </a:pPr>
+            <a:r>
+              <a:rPr lang="en-US" altLang="zh-CN" sz="3200" b="1" dirty="0" smtClean="0">
+                <a:solidFill>
+                  <a:srgbClr val="171717"/>
+                </a:solidFill>
+                <a:latin typeface="微软雅黑 Light" panose="020B0502040204020203" pitchFamily="34" charset="-122"/>
+                <a:ea typeface="微软雅黑 Light" panose="020B0502040204020203" pitchFamily="34" charset="-122"/>
+              </a:rPr>
+              <a:t>Root Descriptor</a:t>
+            </a:r>
+            <a:r>
+              <a:rPr lang="zh-CN" altLang="en-US" sz="3200" b="1" dirty="0" smtClean="0">
+                <a:solidFill>
+                  <a:srgbClr val="171717"/>
+                </a:solidFill>
+                <a:latin typeface="微软雅黑 Light" panose="020B0502040204020203" pitchFamily="34" charset="-122"/>
+                <a:ea typeface="微软雅黑 Light" panose="020B0502040204020203" pitchFamily="34" charset="-122"/>
+              </a:rPr>
+              <a:t>（</a:t>
+            </a:r>
+            <a:r>
+              <a:rPr lang="en-US" altLang="zh-CN" sz="3200" b="1" dirty="0" smtClean="0">
+                <a:solidFill>
+                  <a:srgbClr val="171717"/>
+                </a:solidFill>
+                <a:latin typeface="微软雅黑 Light" panose="020B0502040204020203" pitchFamily="34" charset="-122"/>
+                <a:ea typeface="微软雅黑 Light" panose="020B0502040204020203" pitchFamily="34" charset="-122"/>
+              </a:rPr>
+              <a:t>inline Descriptor</a:t>
+            </a:r>
+            <a:r>
+              <a:rPr lang="zh-CN" altLang="en-US" sz="3200" b="1" dirty="0" smtClean="0">
+                <a:solidFill>
+                  <a:srgbClr val="171717"/>
+                </a:solidFill>
+                <a:latin typeface="微软雅黑 Light" panose="020B0502040204020203" pitchFamily="34" charset="-122"/>
+                <a:ea typeface="微软雅黑 Light" panose="020B0502040204020203" pitchFamily="34" charset="-122"/>
+              </a:rPr>
+              <a:t>，</a:t>
+            </a:r>
+            <a:r>
+              <a:rPr lang="en-US" altLang="zh-CN" sz="3200" b="1" dirty="0" smtClean="0">
+                <a:solidFill>
+                  <a:srgbClr val="171717"/>
+                </a:solidFill>
+                <a:latin typeface="微软雅黑 Light" panose="020B0502040204020203" pitchFamily="34" charset="-122"/>
+                <a:ea typeface="微软雅黑 Light" panose="020B0502040204020203" pitchFamily="34" charset="-122"/>
+              </a:rPr>
+              <a:t>used many times</a:t>
+            </a:r>
+            <a:r>
+              <a:rPr lang="zh-CN" altLang="en-US" sz="3200" b="1" dirty="0" smtClean="0">
+                <a:solidFill>
+                  <a:srgbClr val="171717"/>
+                </a:solidFill>
+                <a:latin typeface="微软雅黑 Light" panose="020B0502040204020203" pitchFamily="34" charset="-122"/>
+                <a:ea typeface="微软雅黑 Light" panose="020B0502040204020203" pitchFamily="34" charset="-122"/>
+              </a:rPr>
+              <a:t>）</a:t>
+            </a:r>
             <a:endParaRPr lang="en-US" altLang="zh-CN" sz="3200" b="1" dirty="0" smtClean="0">
               <a:solidFill>
                 <a:srgbClr val="171717"/>
@@ -18429,82 +18471,6 @@
             </a:endParaRPr>
           </a:p>
           <a:p>
-            <a:pPr marL="742950" indent="-742950">
-              <a:spcBef>
-                <a:spcPts val="1200"/>
-              </a:spcBef>
-              <a:buFontTx/>
-              <a:buAutoNum type="arabicPeriod"/>
-            </a:pPr>
-            <a:r>
-              <a:rPr lang="en-US" altLang="zh-CN" sz="3200" b="1" dirty="0" smtClean="0">
-                <a:solidFill>
-                  <a:srgbClr val="171717"/>
-                </a:solidFill>
-                <a:latin typeface="微软雅黑 Light" panose="020B0502040204020203" pitchFamily="34" charset="-122"/>
-                <a:ea typeface="微软雅黑 Light" panose="020B0502040204020203" pitchFamily="34" charset="-122"/>
-              </a:rPr>
-              <a:t>Root Descriptor</a:t>
-            </a:r>
-            <a:r>
-              <a:rPr lang="zh-CN" altLang="en-US" sz="3200" b="1" dirty="0" smtClean="0">
-                <a:solidFill>
-                  <a:srgbClr val="171717"/>
-                </a:solidFill>
-                <a:latin typeface="微软雅黑 Light" panose="020B0502040204020203" pitchFamily="34" charset="-122"/>
-                <a:ea typeface="微软雅黑 Light" panose="020B0502040204020203" pitchFamily="34" charset="-122"/>
-              </a:rPr>
-              <a:t>（</a:t>
-            </a:r>
-            <a:r>
-              <a:rPr lang="en-US" altLang="zh-CN" sz="3200" b="1" dirty="0" smtClean="0">
-                <a:solidFill>
-                  <a:srgbClr val="171717"/>
-                </a:solidFill>
-                <a:latin typeface="微软雅黑 Light" panose="020B0502040204020203" pitchFamily="34" charset="-122"/>
-                <a:ea typeface="微软雅黑 Light" panose="020B0502040204020203" pitchFamily="34" charset="-122"/>
-              </a:rPr>
-              <a:t>inline Descriptor</a:t>
-            </a:r>
-            <a:r>
-              <a:rPr lang="zh-CN" altLang="en-US" sz="3200" b="1" dirty="0" smtClean="0">
-                <a:solidFill>
-                  <a:srgbClr val="171717"/>
-                </a:solidFill>
-                <a:latin typeface="微软雅黑 Light" panose="020B0502040204020203" pitchFamily="34" charset="-122"/>
-                <a:ea typeface="微软雅黑 Light" panose="020B0502040204020203" pitchFamily="34" charset="-122"/>
-              </a:rPr>
-              <a:t>，</a:t>
-            </a:r>
-            <a:r>
-              <a:rPr lang="en-US" altLang="zh-CN" sz="3200" b="1" dirty="0" smtClean="0">
-                <a:solidFill>
-                  <a:srgbClr val="171717"/>
-                </a:solidFill>
-                <a:latin typeface="微软雅黑 Light" panose="020B0502040204020203" pitchFamily="34" charset="-122"/>
-                <a:ea typeface="微软雅黑 Light" panose="020B0502040204020203" pitchFamily="34" charset="-122"/>
-              </a:rPr>
-              <a:t>used many times</a:t>
-            </a:r>
-            <a:r>
-              <a:rPr lang="zh-CN" altLang="en-US" sz="3200" b="1" dirty="0" smtClean="0">
-                <a:solidFill>
-                  <a:srgbClr val="171717"/>
-                </a:solidFill>
-                <a:latin typeface="微软雅黑 Light" panose="020B0502040204020203" pitchFamily="34" charset="-122"/>
-                <a:ea typeface="微软雅黑 Light" panose="020B0502040204020203" pitchFamily="34" charset="-122"/>
-              </a:rPr>
-              <a:t>）</a:t>
-            </a:r>
-            <a:endParaRPr lang="en-US" altLang="zh-CN" sz="3200" b="1" dirty="0" smtClean="0">
-              <a:solidFill>
-                <a:srgbClr val="171717"/>
-              </a:solidFill>
-              <a:latin typeface="微软雅黑 Light" panose="020B0502040204020203" pitchFamily="34" charset="-122"/>
-              <a:ea typeface="微软雅黑 Light" panose="020B0502040204020203" pitchFamily="34" charset="-122"/>
-            </a:endParaRPr>
-          </a:p>
-          <a:p>
             <a:pPr marL="1657350" lvl="1" indent="-742950">
               <a:spcBef>
                 <a:spcPts val="1200"/>
@@ -18561,13 +18527,6 @@
               </a:rPr>
               <a:t>size limit</a:t>
             </a:r>
-            <a:endParaRPr lang="en-US" altLang="zh-CN" sz="3200" b="1" dirty="0" smtClean="0">
-              <a:solidFill>
-                <a:srgbClr val="171717"/>
-              </a:solidFill>
-              <a:latin typeface="微软雅黑 Light" panose="020B0502040204020203" pitchFamily="34" charset="-122"/>
-              <a:ea typeface="微软雅黑 Light" panose="020B0502040204020203" pitchFamily="34" charset="-122"/>
-            </a:endParaRPr>
           </a:p>
           <a:p>
             <a:pPr marL="742950" indent="-742950">
@@ -18956,23 +18915,7 @@
                 <a:ea typeface="方正姚体" panose="02010601030101010101" pitchFamily="2" charset="-122"/>
                 <a:sym typeface="Helvetica Light"/>
               </a:rPr>
-              <a:t>.3 </a:t>
-            </a:r>
-            <a:r>
-              <a:rPr kumimoji="0" lang="en-US" altLang="zh-CN" sz="4000" b="0" i="0" u="none" strike="noStrike" cap="none" spc="0" normalizeH="0" baseline="0" dirty="0" smtClean="0">
-                <a:ln>
-                  <a:noFill/>
-                </a:ln>
-                <a:solidFill>
-                  <a:srgbClr val="000000"/>
-                </a:solidFill>
-                <a:effectLst/>
-                <a:uFillTx/>
-                <a:latin typeface="方正姚体" panose="02010601030101010101" pitchFamily="2" charset="-122"/>
-                <a:ea typeface="方正姚体" panose="02010601030101010101" pitchFamily="2" charset="-122"/>
-                <a:sym typeface="Helvetica Light"/>
-              </a:rPr>
-              <a:t>Root</a:t>
+              <a:t>.3 Root</a:t>
             </a:r>
             <a:r>
               <a:rPr kumimoji="0" lang="en-US" altLang="zh-CN" sz="4000" b="0" i="0" u="none" strike="noStrike" cap="none" spc="0" normalizeH="0" dirty="0" smtClean="0">
@@ -19751,23 +19694,7 @@
                 <a:ea typeface="方正姚体" panose="02010601030101010101" pitchFamily="2" charset="-122"/>
                 <a:sym typeface="Helvetica Light"/>
               </a:rPr>
-              <a:t> </a:t>
-            </a:r>
-            <a:r>
-              <a:rPr kumimoji="0" lang="en-US" altLang="zh-CN" sz="4000" b="0" i="0" u="none" strike="noStrike" cap="none" spc="0" normalizeH="0" baseline="0" dirty="0" smtClean="0">
-                <a:ln>
-                  <a:noFill/>
-                </a:ln>
-                <a:solidFill>
-                  <a:srgbClr val="000000"/>
-                </a:solidFill>
-                <a:effectLst/>
-                <a:uFillTx/>
-                <a:latin typeface="方正姚体" panose="02010601030101010101" pitchFamily="2" charset="-122"/>
-                <a:ea typeface="方正姚体" panose="02010601030101010101" pitchFamily="2" charset="-122"/>
-                <a:sym typeface="Helvetica Light"/>
-              </a:rPr>
-              <a:t>Limits</a:t>
+              <a:t> Limits</a:t>
             </a:r>
             <a:endParaRPr lang="en-US" altLang="zh-CN" sz="3200" dirty="0" smtClean="0">
               <a:solidFill>
@@ -19924,10 +19851,6 @@
               </a:rPr>
               <a:t>of Indirection)</a:t>
             </a:r>
-            <a:endParaRPr lang="en-US" altLang="zh-CN" b="1" dirty="0" smtClean="0">
-              <a:latin typeface="微软雅黑 Light" panose="020B0502040204020203" pitchFamily="34" charset="-122"/>
-              <a:ea typeface="微软雅黑 Light" panose="020B0502040204020203" pitchFamily="34" charset="-122"/>
-            </a:endParaRPr>
           </a:p>
           <a:p>
             <a:pPr marL="1657350" lvl="1" indent="-742950">
@@ -20012,10 +19935,6 @@
               </a:rPr>
               <a:t>Static Sample 0</a:t>
             </a:r>
-            <a:endParaRPr lang="en-US" altLang="zh-CN" b="1" dirty="0" smtClean="0">
-              <a:latin typeface="微软雅黑 Light" panose="020B0502040204020203" pitchFamily="34" charset="-122"/>
-              <a:ea typeface="微软雅黑 Light" panose="020B0502040204020203" pitchFamily="34" charset="-122"/>
-            </a:endParaRPr>
           </a:p>
           <a:p>
             <a:pPr marL="742950" indent="-742950">
@@ -20407,17 +20326,7 @@
                 <a:latin typeface="微软雅黑 Light" panose="020B0502040204020203" pitchFamily="34" charset="-122"/>
                 <a:ea typeface="微软雅黑 Light" panose="020B0502040204020203" pitchFamily="34" charset="-122"/>
               </a:rPr>
-              <a:t>关系</a:t>
-            </a:r>
-            <a:r>
-              <a:rPr lang="zh-CN" altLang="en-US" b="1" dirty="0" smtClean="0">
-                <a:solidFill>
-                  <a:srgbClr val="171717"/>
-                </a:solidFill>
-                <a:latin typeface="微软雅黑 Light" panose="020B0502040204020203" pitchFamily="34" charset="-122"/>
-                <a:ea typeface="微软雅黑 Light" panose="020B0502040204020203" pitchFamily="34" charset="-122"/>
-              </a:rPr>
-              <a:t>总结</a:t>
+              <a:t>关系总结</a:t>
             </a:r>
             <a:endParaRPr lang="en-US" altLang="zh-CN" b="1" dirty="0" smtClean="0">
               <a:solidFill>
@@ -21081,21 +20990,7 @@
                 <a:latin typeface="微软雅黑 Light" panose="020B0502040204020203" pitchFamily="34" charset="-122"/>
                 <a:ea typeface="微软雅黑 Light" panose="020B0502040204020203" pitchFamily="34" charset="-122"/>
               </a:rPr>
-              <a:t>为什么</a:t>
-            </a:r>
-            <a:r>
-              <a:rPr lang="zh-CN" altLang="en-US" b="1" dirty="0" smtClean="0">
-                <a:latin typeface="微软雅黑 Light" panose="020B0502040204020203" pitchFamily="34" charset="-122"/>
-                <a:ea typeface="微软雅黑 Light" panose="020B0502040204020203" pitchFamily="34" charset="-122"/>
-              </a:rPr>
-              <a:t>要分游戏线程，渲染线程</a:t>
-            </a:r>
-            <a:r>
-              <a:rPr lang="zh-CN" altLang="en-US" b="1" dirty="0" smtClean="0">
-                <a:latin typeface="微软雅黑 Light" panose="020B0502040204020203" pitchFamily="34" charset="-122"/>
-                <a:ea typeface="微软雅黑 Light" panose="020B0502040204020203" pitchFamily="34" charset="-122"/>
-              </a:rPr>
-              <a:t>？</a:t>
+              <a:t>为什么要分游戏线程，渲染线程？</a:t>
             </a:r>
             <a:endParaRPr lang="en-US" altLang="zh-CN" b="1" dirty="0" smtClean="0">
               <a:latin typeface="微软雅黑 Light" panose="020B0502040204020203" pitchFamily="34" charset="-122"/>
@@ -22013,10 +21908,6 @@
               </a:rPr>
               <a:t>actor</a:t>
             </a:r>
-            <a:endParaRPr lang="en-US" altLang="zh-CN" b="1" dirty="0" smtClean="0">
-              <a:latin typeface="微软雅黑 Light" panose="020B0502040204020203" pitchFamily="34" charset="-122"/>
-              <a:ea typeface="微软雅黑 Light" panose="020B0502040204020203" pitchFamily="34" charset="-122"/>
-            </a:endParaRPr>
           </a:p>
           <a:p>
             <a:pPr marL="742950" indent="-742950">
@@ -22431,6 +22322,32 @@
               </a:rPr>
               <a:t>Actor</a:t>
             </a:r>
+          </a:p>
+          <a:p>
+            <a:pPr marL="742950" indent="-742950">
+              <a:buFontTx/>
+              <a:buAutoNum type="arabicPeriod"/>
+            </a:pPr>
+            <a:r>
+              <a:rPr lang="en-US" altLang="zh-CN" b="1" dirty="0" smtClean="0">
+                <a:latin typeface="微软雅黑 Light" panose="020B0502040204020203" pitchFamily="34" charset="-122"/>
+                <a:ea typeface="微软雅黑 Light" panose="020B0502040204020203" pitchFamily="34" charset="-122"/>
+              </a:rPr>
+              <a:t>Material</a:t>
+            </a:r>
+          </a:p>
+          <a:p>
+            <a:pPr marL="1657350" lvl="1" indent="-742950">
+              <a:buFont typeface="Wingdings" panose="05000000000000000000" pitchFamily="2" charset="2"/>
+              <a:buChar char="Ø"/>
+            </a:pPr>
+            <a:r>
+              <a:rPr lang="zh-CN" altLang="en-US" b="1" dirty="0" smtClean="0">
+                <a:latin typeface="微软雅黑 Light" panose="020B0502040204020203" pitchFamily="34" charset="-122"/>
+                <a:ea typeface="微软雅黑 Light" panose="020B0502040204020203" pitchFamily="34" charset="-122"/>
+              </a:rPr>
+              <a:t>物体外观</a:t>
+            </a:r>
             <a:endParaRPr lang="en-US" altLang="zh-CN" b="1" dirty="0" smtClean="0">
               <a:latin typeface="微软雅黑 Light" panose="020B0502040204020203" pitchFamily="34" charset="-122"/>
               <a:ea typeface="微软雅黑 Light" panose="020B0502040204020203" pitchFamily="34" charset="-122"/>
@@ -22446,7 +22363,7 @@
                 <a:latin typeface="微软雅黑 Light" panose="020B0502040204020203" pitchFamily="34" charset="-122"/>
                 <a:ea typeface="微软雅黑 Light" panose="020B0502040204020203" pitchFamily="34" charset="-122"/>
               </a:rPr>
-              <a:t>Material</a:t>
+              <a:t>Scene</a:t>
             </a:r>
           </a:p>
           <a:p>
@@ -22459,49 +22376,15 @@
                 <a:latin typeface="微软雅黑 Light" panose="020B0502040204020203" pitchFamily="34" charset="-122"/>
                 <a:ea typeface="微软雅黑 Light" panose="020B0502040204020203" pitchFamily="34" charset="-122"/>
               </a:rPr>
-              <a:t>物体外观</a:t>
-            </a:r>
-            <a:endParaRPr lang="en-US" altLang="zh-CN" b="1" dirty="0" smtClean="0">
-              <a:latin typeface="微软雅黑 Light" panose="020B0502040204020203" pitchFamily="34" charset="-122"/>
-              <a:ea typeface="微软雅黑 Light" panose="020B0502040204020203" pitchFamily="34" charset="-122"/>
-            </a:endParaRPr>
-          </a:p>
-          <a:p>
-            <a:pPr marL="742950" indent="-742950">
-              <a:buFontTx/>
-              <a:buAutoNum type="arabicPeriod"/>
-            </a:pPr>
+              <a:t>对应</a:t>
+            </a:r>
             <a:r>
               <a:rPr lang="en-US" altLang="zh-CN" b="1" dirty="0" smtClean="0">
                 <a:latin typeface="微软雅黑 Light" panose="020B0502040204020203" pitchFamily="34" charset="-122"/>
                 <a:ea typeface="微软雅黑 Light" panose="020B0502040204020203" pitchFamily="34" charset="-122"/>
               </a:rPr>
-              <a:t>Scene</a:t>
-            </a:r>
-          </a:p>
-          <a:p>
-            <a:pPr marL="1657350" lvl="1" indent="-742950">
-              <a:buFont typeface="Wingdings" panose="05000000000000000000" pitchFamily="2" charset="2"/>
-              <a:buChar char="Ø"/>
-            </a:pPr>
-            <a:r>
-              <a:rPr lang="zh-CN" altLang="en-US" b="1" dirty="0" smtClean="0">
-                <a:latin typeface="微软雅黑 Light" panose="020B0502040204020203" pitchFamily="34" charset="-122"/>
-                <a:ea typeface="微软雅黑 Light" panose="020B0502040204020203" pitchFamily="34" charset="-122"/>
-              </a:rPr>
-              <a:t>对应</a:t>
-            </a:r>
-            <a:r>
-              <a:rPr lang="en-US" altLang="zh-CN" b="1" dirty="0" smtClean="0">
-                <a:latin typeface="微软雅黑 Light" panose="020B0502040204020203" pitchFamily="34" charset="-122"/>
-                <a:ea typeface="微软雅黑 Light" panose="020B0502040204020203" pitchFamily="34" charset="-122"/>
-              </a:rPr>
               <a:t>World</a:t>
             </a:r>
-            <a:endParaRPr lang="en-US" altLang="zh-CN" b="1" dirty="0" smtClean="0">
-              <a:latin typeface="微软雅黑 Light" panose="020B0502040204020203" pitchFamily="34" charset="-122"/>
-              <a:ea typeface="微软雅黑 Light" panose="020B0502040204020203" pitchFamily="34" charset="-122"/>
-            </a:endParaRPr>
           </a:p>
           <a:p>
             <a:pPr marL="742950" indent="-742950">
@@ -24667,18 +24550,7 @@
                 <a:ea typeface="方正姚体" panose="02010601030101010101" pitchFamily="2" charset="-122"/>
                 <a:sym typeface="Helvetica Light"/>
               </a:rPr>
-              <a:t>4.4 </a:t>
-            </a:r>
-            <a:r>
-              <a:rPr lang="en-US" altLang="zh-CN" sz="4000" dirty="0" smtClean="0">
-                <a:solidFill>
-                  <a:srgbClr val="000000"/>
-                </a:solidFill>
-                <a:latin typeface="方正姚体" panose="02010601030101010101" pitchFamily="2" charset="-122"/>
-                <a:ea typeface="方正姚体" panose="02010601030101010101" pitchFamily="2" charset="-122"/>
-                <a:sym typeface="Helvetica Light"/>
-              </a:rPr>
-              <a:t>RHI</a:t>
+              <a:t>4.4 RHI</a:t>
             </a:r>
             <a:endParaRPr lang="en-US" altLang="zh-CN" sz="4000" dirty="0">
               <a:solidFill>
@@ -24825,14 +24697,7 @@
                 <a:latin typeface="微软雅黑 Light" panose="020B0502040204020203" pitchFamily="34" charset="-122"/>
                 <a:ea typeface="微软雅黑 Light" panose="020B0502040204020203" pitchFamily="34" charset="-122"/>
               </a:rPr>
-              <a:t>平台无关</a:t>
-            </a:r>
-            <a:r>
-              <a:rPr lang="zh-CN" altLang="en-US" b="1" dirty="0" smtClean="0">
-                <a:latin typeface="微软雅黑 Light" panose="020B0502040204020203" pitchFamily="34" charset="-122"/>
-                <a:ea typeface="微软雅黑 Light" panose="020B0502040204020203" pitchFamily="34" charset="-122"/>
-              </a:rPr>
-              <a:t>性</a:t>
+              <a:t>平台无关性</a:t>
             </a:r>
             <a:endParaRPr lang="en-US" altLang="zh-CN" b="1" dirty="0" smtClean="0">
               <a:latin typeface="微软雅黑 Light" panose="020B0502040204020203" pitchFamily="34" charset="-122"/>
@@ -25336,16 +25201,7 @@
                 </a:solidFill>
                 <a:latin typeface="宋体" panose="02010600030101010101" pitchFamily="2" charset="-122"/>
               </a:rPr>
-              <a:t>进</a:t>
-            </a:r>
-            <a:r>
-              <a:rPr lang="zh-CN" altLang="en-US" sz="2800" kern="0" dirty="0" smtClean="0">
-                <a:solidFill>
-                  <a:srgbClr val="000000"/>
-                </a:solidFill>
-                <a:latin typeface="宋体" panose="02010600030101010101" pitchFamily="2" charset="-122"/>
-              </a:rPr>
-              <a:t>阶作业：</a:t>
+              <a:t>进阶作业：</a:t>
             </a:r>
             <a:endParaRPr lang="en-US" altLang="zh-CN" sz="2800" kern="0" dirty="0" smtClean="0">
               <a:solidFill>
@@ -26637,16 +26493,7 @@
                 </a:solidFill>
                 <a:sym typeface="Helvetica Light"/>
               </a:rPr>
-              <a:t>Committed </a:t>
-            </a:r>
-            <a:r>
-              <a:rPr lang="en-US" altLang="zh-CN" sz="3200" b="0" dirty="0" smtClean="0">
-                <a:solidFill>
-                  <a:srgbClr val="000000"/>
-                </a:solidFill>
-                <a:sym typeface="Helvetica Light"/>
-              </a:rPr>
-              <a:t>Resources</a:t>
+              <a:t>Committed Resources</a:t>
             </a:r>
           </a:p>
           <a:p>
@@ -26745,16 +26592,7 @@
                 </a:solidFill>
                 <a:sym typeface="Helvetica Light"/>
               </a:rPr>
-              <a:t>Placed </a:t>
-            </a:r>
-            <a:r>
-              <a:rPr lang="en-US" altLang="zh-CN" sz="3200" b="0" dirty="0" smtClean="0">
-                <a:solidFill>
-                  <a:srgbClr val="000000"/>
-                </a:solidFill>
-                <a:sym typeface="Helvetica Light"/>
-              </a:rPr>
-              <a:t>Resources</a:t>
+              <a:t>Placed Resources</a:t>
             </a:r>
           </a:p>
           <a:p>
@@ -26891,8 +26729,32 @@
         </p:blipFill>
         <p:spPr>
           <a:xfrm>
-            <a:off x="15703640" y="4244487"/>
+            <a:off x="15703640" y="3541102"/>
             <a:ext cx="6715125" cy="3257550"/>
+          </a:xfrm>
+          <a:prstGeom prst="rect">
+            <a:avLst/>
+          </a:prstGeom>
+        </p:spPr>
+      </p:pic>
+      <p:pic>
+        <p:nvPicPr>
+          <p:cNvPr id="10" name="图片 9"/>
+          <p:cNvPicPr>
+            <a:picLocks noChangeAspect="1"/>
+          </p:cNvPicPr>
+          <p:nvPr/>
+        </p:nvPicPr>
+        <p:blipFill>
+          <a:blip r:embed="rId5"/>
+          <a:stretch>
+            <a:fillRect/>
+          </a:stretch>
+        </p:blipFill>
+        <p:spPr>
+          <a:xfrm>
+            <a:off x="15703640" y="7122135"/>
+            <a:ext cx="6858000" cy="4067175"/>
           </a:xfrm>
           <a:prstGeom prst="rect">
             <a:avLst/>
